--- a/Lesson slides/Unit 3 - List, Stack, Queue.pptx
+++ b/Lesson slides/Unit 3 - List, Stack, Queue.pptx
@@ -5,7 +5,7 @@
     <p:sldMasterId id="2147483729" r:id="rId1"/>
   </p:sldMasterIdLst>
   <p:notesMasterIdLst>
-    <p:notesMasterId r:id="rId39"/>
+    <p:notesMasterId r:id="rId41"/>
   </p:notesMasterIdLst>
   <p:sldIdLst>
     <p:sldId id="256" r:id="rId2"/>
@@ -35,16 +35,18 @@
     <p:sldId id="289" r:id="rId26"/>
     <p:sldId id="288" r:id="rId27"/>
     <p:sldId id="290" r:id="rId28"/>
-    <p:sldId id="270" r:id="rId29"/>
-    <p:sldId id="271" r:id="rId30"/>
-    <p:sldId id="291" r:id="rId31"/>
-    <p:sldId id="292" r:id="rId32"/>
-    <p:sldId id="293" r:id="rId33"/>
-    <p:sldId id="295" r:id="rId34"/>
-    <p:sldId id="296" r:id="rId35"/>
-    <p:sldId id="294" r:id="rId36"/>
-    <p:sldId id="299" r:id="rId37"/>
-    <p:sldId id="298" r:id="rId38"/>
+    <p:sldId id="332" r:id="rId29"/>
+    <p:sldId id="270" r:id="rId30"/>
+    <p:sldId id="271" r:id="rId31"/>
+    <p:sldId id="291" r:id="rId32"/>
+    <p:sldId id="292" r:id="rId33"/>
+    <p:sldId id="293" r:id="rId34"/>
+    <p:sldId id="295" r:id="rId35"/>
+    <p:sldId id="296" r:id="rId36"/>
+    <p:sldId id="294" r:id="rId37"/>
+    <p:sldId id="333" r:id="rId38"/>
+    <p:sldId id="299" r:id="rId39"/>
+    <p:sldId id="298" r:id="rId40"/>
   </p:sldIdLst>
   <p:sldSz cx="12192000" cy="6858000"/>
   <p:notesSz cx="6858000" cy="9144000"/>
@@ -151,10 +153,6 @@
 </p:presentation>
 </file>
 
-<file path=ppt/revisionInfo.xml><?xml version="1.0" encoding="utf-8"?>
-<p1510:revInfo xmlns:a="http://schemas.openxmlformats.org/drawingml/2006/main" xmlns:r="http://schemas.openxmlformats.org/officeDocument/2006/relationships" xmlns:p1510="http://schemas.microsoft.com/office/powerpoint/2015/10/main"/>
-</file>
-
 <file path=ppt/notesMasters/notesMaster1.xml><?xml version="1.0" encoding="utf-8"?>
 <p:notesMaster xmlns:a="http://schemas.openxmlformats.org/drawingml/2006/main" xmlns:r="http://schemas.openxmlformats.org/officeDocument/2006/relationships" xmlns:p="http://schemas.openxmlformats.org/presentationml/2006/main">
   <p:cSld>
@@ -237,7 +235,7 @@
           <a:p>
             <a:fld id="{F314420D-16BA-4EDC-9A71-800590EAD5A3}" type="datetimeFigureOut">
               <a:rPr lang="en-GB" smtClean="0"/>
-              <a:t>01/12/2017</a:t>
+              <a:t>06/12/2018</a:t>
             </a:fld>
             <a:endParaRPr lang="en-GB"/>
           </a:p>
@@ -1910,7 +1908,7 @@
           <a:p>
             <a:fld id="{4AC2990A-2EB2-47B0-9F19-095E0F4CAE2E}" type="datetime1">
               <a:rPr lang="en-GB" smtClean="0"/>
-              <a:t>01/12/2017</a:t>
+              <a:t>06/12/2018</a:t>
             </a:fld>
             <a:endParaRPr lang="en-GB"/>
           </a:p>
@@ -2165,7 +2163,7 @@
           <a:p>
             <a:fld id="{22A5F433-E3C5-406F-95E0-5347F5410F1A}" type="datetime1">
               <a:rPr lang="en-GB" smtClean="0"/>
-              <a:t>01/12/2017</a:t>
+              <a:t>06/12/2018</a:t>
             </a:fld>
             <a:endParaRPr lang="en-GB"/>
           </a:p>
@@ -2483,7 +2481,7 @@
           <a:p>
             <a:fld id="{D4E40994-D892-4C74-B15A-5F6362316C44}" type="datetime1">
               <a:rPr lang="en-GB" smtClean="0"/>
-              <a:t>01/12/2017</a:t>
+              <a:t>06/12/2018</a:t>
             </a:fld>
             <a:endParaRPr lang="en-GB"/>
           </a:p>
@@ -2814,7 +2812,7 @@
           <a:p>
             <a:fld id="{FDC762E4-8EF5-45D8-9FDE-0FF43E771C22}" type="datetime1">
               <a:rPr lang="en-GB" smtClean="0"/>
-              <a:t>01/12/2017</a:t>
+              <a:t>06/12/2018</a:t>
             </a:fld>
             <a:endParaRPr lang="en-GB"/>
           </a:p>
@@ -3132,7 +3130,7 @@
           <a:p>
             <a:fld id="{5E60E461-DE00-407A-AAD1-C1D0E5AC19B1}" type="datetime1">
               <a:rPr lang="en-GB" smtClean="0"/>
-              <a:t>01/12/2017</a:t>
+              <a:t>06/12/2018</a:t>
             </a:fld>
             <a:endParaRPr lang="en-GB"/>
           </a:p>
@@ -3523,7 +3521,7 @@
           <a:p>
             <a:fld id="{048CC5B2-073F-444E-A8DD-B0BEEAC2F081}" type="datetime1">
               <a:rPr lang="en-GB" smtClean="0"/>
-              <a:t>01/12/2017</a:t>
+              <a:t>06/12/2018</a:t>
             </a:fld>
             <a:endParaRPr lang="en-GB"/>
           </a:p>
@@ -3697,7 +3695,7 @@
           <a:p>
             <a:fld id="{DF8D3392-CB98-481E-B2E9-67F4F5E85884}" type="datetime1">
               <a:rPr lang="en-GB" smtClean="0"/>
-              <a:t>01/12/2017</a:t>
+              <a:t>06/12/2018</a:t>
             </a:fld>
             <a:endParaRPr lang="en-GB"/>
           </a:p>
@@ -3881,7 +3879,7 @@
           <a:p>
             <a:fld id="{B23FE606-BE12-4A47-AC4F-9225405D8813}" type="datetime1">
               <a:rPr lang="en-GB" smtClean="0"/>
-              <a:t>01/12/2017</a:t>
+              <a:t>06/12/2018</a:t>
             </a:fld>
             <a:endParaRPr lang="en-GB"/>
           </a:p>
@@ -4055,7 +4053,7 @@
           <a:p>
             <a:fld id="{F2C205BA-54C1-4988-B409-20E622E7CB4B}" type="datetime1">
               <a:rPr lang="en-GB" smtClean="0"/>
-              <a:t>01/12/2017</a:t>
+              <a:t>06/12/2018</a:t>
             </a:fld>
             <a:endParaRPr lang="en-GB"/>
           </a:p>
@@ -4306,7 +4304,7 @@
           <a:p>
             <a:fld id="{BD24C106-E6EE-4935-B79B-58D5A2330348}" type="datetime1">
               <a:rPr lang="en-GB" smtClean="0"/>
-              <a:t>01/12/2017</a:t>
+              <a:t>06/12/2018</a:t>
             </a:fld>
             <a:endParaRPr lang="en-GB"/>
           </a:p>
@@ -4542,7 +4540,7 @@
           <a:p>
             <a:fld id="{1466EE15-B151-4673-B3BD-94D075E86906}" type="datetime1">
               <a:rPr lang="en-GB" smtClean="0"/>
-              <a:t>01/12/2017</a:t>
+              <a:t>06/12/2018</a:t>
             </a:fld>
             <a:endParaRPr lang="en-GB"/>
           </a:p>
@@ -4920,7 +4918,7 @@
           <a:p>
             <a:fld id="{F61A4B8D-3CC5-439C-BCFE-F05DEE19AB17}" type="datetime1">
               <a:rPr lang="en-GB" smtClean="0"/>
-              <a:t>01/12/2017</a:t>
+              <a:t>06/12/2018</a:t>
             </a:fld>
             <a:endParaRPr lang="en-GB"/>
           </a:p>
@@ -5047,7 +5045,7 @@
           <a:p>
             <a:fld id="{6796421B-81ED-483E-AC8A-54892A26C8C5}" type="datetime1">
               <a:rPr lang="en-GB" smtClean="0"/>
-              <a:t>01/12/2017</a:t>
+              <a:t>06/12/2018</a:t>
             </a:fld>
             <a:endParaRPr lang="en-GB"/>
           </a:p>
@@ -5146,7 +5144,7 @@
           <a:p>
             <a:fld id="{E8315253-8A1B-407F-97DA-07DFE52AB41D}" type="datetime1">
               <a:rPr lang="en-GB" smtClean="0"/>
-              <a:t>01/12/2017</a:t>
+              <a:t>06/12/2018</a:t>
             </a:fld>
             <a:endParaRPr lang="en-GB"/>
           </a:p>
@@ -5405,7 +5403,7 @@
           <a:p>
             <a:fld id="{EC0837CD-FB98-4458-B4BB-BD72FC557B2C}" type="datetime1">
               <a:rPr lang="en-GB" smtClean="0"/>
-              <a:t>01/12/2017</a:t>
+              <a:t>06/12/2018</a:t>
             </a:fld>
             <a:endParaRPr lang="en-GB"/>
           </a:p>
@@ -5672,7 +5670,7 @@
           <a:p>
             <a:fld id="{AA44DDB6-D08D-4CCA-90B0-817184E41EB3}" type="datetime1">
               <a:rPr lang="en-GB" smtClean="0"/>
-              <a:t>01/12/2017</a:t>
+              <a:t>06/12/2018</a:t>
             </a:fld>
             <a:endParaRPr lang="en-GB"/>
           </a:p>
@@ -6421,7 +6419,7 @@
           <a:p>
             <a:fld id="{E06C14C1-8B78-465F-B085-617B8F695A74}" type="datetime1">
               <a:rPr lang="en-GB" smtClean="0"/>
-              <a:t>01/12/2017</a:t>
+              <a:t>06/12/2018</a:t>
             </a:fld>
             <a:endParaRPr lang="en-GB"/>
           </a:p>
@@ -7273,8 +7271,8 @@
           </a:p>
         </p:txBody>
       </p:sp>
-      <mc:AlternateContent xmlns:mc="http://schemas.openxmlformats.org/markup-compatibility/2006" xmlns:a14="http://schemas.microsoft.com/office/drawing/2010/main">
-        <mc:Choice Requires="a14">
+      <mc:AlternateContent xmlns:mc="http://schemas.openxmlformats.org/markup-compatibility/2006">
+        <mc:Choice xmlns:a14="http://schemas.microsoft.com/office/drawing/2010/main" Requires="a14">
           <p:sp>
             <p:nvSpPr>
               <p:cNvPr id="5" name="Rectangle 4"/>
@@ -7492,24 +7490,13 @@
                     <a:latin typeface="Consolas" panose="020B0609020204030204" pitchFamily="49" charset="0"/>
                     <a:cs typeface="Consolas" panose="020B0609020204030204" pitchFamily="49" charset="0"/>
                   </a:rPr>
-                  <a:t>  return </a:t>
-                </a:r>
-                <a:r>
-                  <a:rPr lang="en-US" sz="1600" dirty="0" err="1">
-                    <a:latin typeface="Consolas" panose="020B0609020204030204" pitchFamily="49" charset="0"/>
-                    <a:cs typeface="Consolas" panose="020B0609020204030204" pitchFamily="49" charset="0"/>
-                  </a:rPr>
-                  <a:t>L.start</a:t>
-                </a:r>
-                <a:endParaRPr lang="en-US" sz="1600" dirty="0">
-                  <a:latin typeface="Consolas" panose="020B0609020204030204" pitchFamily="49" charset="0"/>
-                  <a:cs typeface="Consolas" panose="020B0609020204030204" pitchFamily="49" charset="0"/>
-                </a:endParaRPr>
+                  <a:t>  return</a:t>
+                </a:r>
               </a:p>
             </p:txBody>
           </p:sp>
         </mc:Choice>
-        <mc:Fallback xmlns="">
+        <mc:Fallback>
           <p:sp>
             <p:nvSpPr>
               <p:cNvPr id="5" name="Rectangle 4"/>
@@ -7526,7 +7513,7 @@
               <a:prstGeom prst="rect">
                 <a:avLst/>
               </a:prstGeom>
-              <a:blipFill rotWithShape="0">
+              <a:blipFill>
                 <a:blip r:embed="rId3"/>
                 <a:stretch>
                   <a:fillRect l="-615" t="-1149" b="-2682"/>
@@ -7538,7 +7525,7 @@
               <a:lstStyle/>
               <a:p>
                 <a:r>
-                  <a:rPr lang="en-GB">
+                  <a:rPr lang="nl-NL">
                     <a:noFill/>
                   </a:rPr>
                   <a:t> </a:t>
@@ -7807,8 +7794,8 @@
           </a:prstGeom>
         </p:spPr>
       </p:pic>
-      <mc:AlternateContent xmlns:mc="http://schemas.openxmlformats.org/markup-compatibility/2006" xmlns:a14="http://schemas.microsoft.com/office/drawing/2010/main">
-        <mc:Choice Requires="a14">
+      <mc:AlternateContent xmlns:mc="http://schemas.openxmlformats.org/markup-compatibility/2006">
+        <mc:Choice xmlns:a14="http://schemas.microsoft.com/office/drawing/2010/main" Requires="a14">
           <p:sp>
             <p:nvSpPr>
               <p:cNvPr id="6" name="Rectangle 5"/>
@@ -8026,24 +8013,13 @@
                     <a:latin typeface="Consolas" panose="020B0609020204030204" pitchFamily="49" charset="0"/>
                     <a:cs typeface="Consolas" panose="020B0609020204030204" pitchFamily="49" charset="0"/>
                   </a:rPr>
-                  <a:t>  return </a:t>
-                </a:r>
-                <a:r>
-                  <a:rPr lang="en-US" sz="1600" dirty="0" err="1">
-                    <a:latin typeface="Consolas" panose="020B0609020204030204" pitchFamily="49" charset="0"/>
-                    <a:cs typeface="Consolas" panose="020B0609020204030204" pitchFamily="49" charset="0"/>
-                  </a:rPr>
-                  <a:t>L.start</a:t>
-                </a:r>
-                <a:endParaRPr lang="en-US" sz="1600" dirty="0">
-                  <a:latin typeface="Consolas" panose="020B0609020204030204" pitchFamily="49" charset="0"/>
-                  <a:cs typeface="Consolas" panose="020B0609020204030204" pitchFamily="49" charset="0"/>
-                </a:endParaRPr>
+                  <a:t>  return</a:t>
+                </a:r>
               </a:p>
             </p:txBody>
           </p:sp>
         </mc:Choice>
-        <mc:Fallback xmlns="">
+        <mc:Fallback>
           <p:sp>
             <p:nvSpPr>
               <p:cNvPr id="6" name="Rectangle 5"/>
@@ -8060,7 +8036,7 @@
               <a:prstGeom prst="rect">
                 <a:avLst/>
               </a:prstGeom>
-              <a:blipFill rotWithShape="0">
+              <a:blipFill>
                 <a:blip r:embed="rId3"/>
                 <a:stretch>
                   <a:fillRect l="-492" t="-1149" b="-2682"/>
@@ -8072,7 +8048,7 @@
               <a:lstStyle/>
               <a:p>
                 <a:r>
-                  <a:rPr lang="en-GB">
+                  <a:rPr lang="nl-NL">
                     <a:noFill/>
                   </a:rPr>
                   <a:t> </a:t>
@@ -8354,8 +8330,8 @@
           </a:p>
         </p:txBody>
       </p:sp>
-      <mc:AlternateContent xmlns:mc="http://schemas.openxmlformats.org/markup-compatibility/2006" xmlns:a14="http://schemas.microsoft.com/office/drawing/2010/main">
-        <mc:Choice Requires="a14">
+      <mc:AlternateContent xmlns:mc="http://schemas.openxmlformats.org/markup-compatibility/2006">
+        <mc:Choice xmlns:a14="http://schemas.microsoft.com/office/drawing/2010/main" Requires="a14">
           <p:sp>
             <p:nvSpPr>
               <p:cNvPr id="5" name="Rectangle 4"/>
@@ -8600,24 +8576,13 @@
                     <a:latin typeface="Consolas" panose="020B0609020204030204" pitchFamily="49" charset="0"/>
                     <a:cs typeface="Consolas" panose="020B0609020204030204" pitchFamily="49" charset="0"/>
                   </a:rPr>
-                  <a:t>  return </a:t>
-                </a:r>
-                <a:r>
-                  <a:rPr lang="en-US" sz="1600" dirty="0" err="1">
-                    <a:latin typeface="Consolas" panose="020B0609020204030204" pitchFamily="49" charset="0"/>
-                    <a:cs typeface="Consolas" panose="020B0609020204030204" pitchFamily="49" charset="0"/>
-                  </a:rPr>
-                  <a:t>L.start</a:t>
-                </a:r>
-                <a:endParaRPr lang="en-US" sz="1600" dirty="0">
-                  <a:latin typeface="Consolas" panose="020B0609020204030204" pitchFamily="49" charset="0"/>
-                  <a:cs typeface="Consolas" panose="020B0609020204030204" pitchFamily="49" charset="0"/>
-                </a:endParaRPr>
+                  <a:t>  return</a:t>
+                </a:r>
               </a:p>
             </p:txBody>
           </p:sp>
         </mc:Choice>
-        <mc:Fallback xmlns="">
+        <mc:Fallback>
           <p:sp>
             <p:nvSpPr>
               <p:cNvPr id="5" name="Rectangle 4"/>
@@ -8634,7 +8599,7 @@
               <a:prstGeom prst="rect">
                 <a:avLst/>
               </a:prstGeom>
-              <a:blipFill rotWithShape="0">
+              <a:blipFill>
                 <a:blip r:embed="rId3"/>
                 <a:stretch>
                   <a:fillRect l="-615" t="-711" b="-1422"/>
@@ -8944,8 +8909,8 @@
           </a:p>
         </p:txBody>
       </p:sp>
-      <mc:AlternateContent xmlns:mc="http://schemas.openxmlformats.org/markup-compatibility/2006" xmlns:a14="http://schemas.microsoft.com/office/drawing/2010/main">
-        <mc:Choice Requires="a14">
+      <mc:AlternateContent xmlns:mc="http://schemas.openxmlformats.org/markup-compatibility/2006">
+        <mc:Choice xmlns:a14="http://schemas.microsoft.com/office/drawing/2010/main" Requires="a14">
           <p:sp>
             <p:nvSpPr>
               <p:cNvPr id="5" name="Rectangle 4"/>
@@ -9147,25 +9112,8 @@
                     <a:latin typeface="Consolas" panose="020B0609020204030204" pitchFamily="49" charset="0"/>
                     <a:cs typeface="Consolas" panose="020B0609020204030204" pitchFamily="49" charset="0"/>
                   </a:rPr>
-                  <a:t>    return </a:t>
-                </a:r>
-                <a:r>
-                  <a:rPr lang="en-US" sz="1600" dirty="0" err="1">
-                    <a:solidFill>
-                      <a:schemeClr val="accent1"/>
-                    </a:solidFill>
-                    <a:latin typeface="Consolas" panose="020B0609020204030204" pitchFamily="49" charset="0"/>
-                    <a:cs typeface="Consolas" panose="020B0609020204030204" pitchFamily="49" charset="0"/>
-                  </a:rPr>
-                  <a:t>L.start</a:t>
-                </a:r>
-                <a:endParaRPr lang="en-US" sz="1600" dirty="0">
-                  <a:solidFill>
-                    <a:schemeClr val="accent1"/>
-                  </a:solidFill>
-                  <a:latin typeface="Consolas" panose="020B0609020204030204" pitchFamily="49" charset="0"/>
-                  <a:cs typeface="Consolas" panose="020B0609020204030204" pitchFamily="49" charset="0"/>
-                </a:endParaRPr>
+                  <a:t>    return</a:t>
+                </a:r>
               </a:p>
               <a:p>
                 <a:endParaRPr lang="en-US" sz="1600" dirty="0">
@@ -9333,24 +9281,13 @@
                     <a:latin typeface="Consolas" panose="020B0609020204030204" pitchFamily="49" charset="0"/>
                     <a:cs typeface="Consolas" panose="020B0609020204030204" pitchFamily="49" charset="0"/>
                   </a:rPr>
-                  <a:t>  return </a:t>
-                </a:r>
-                <a:r>
-                  <a:rPr lang="en-US" sz="1600" dirty="0" err="1">
-                    <a:latin typeface="Consolas" panose="020B0609020204030204" pitchFamily="49" charset="0"/>
-                    <a:cs typeface="Consolas" panose="020B0609020204030204" pitchFamily="49" charset="0"/>
-                  </a:rPr>
-                  <a:t>L.start</a:t>
-                </a:r>
-                <a:endParaRPr lang="en-US" sz="1600" dirty="0">
-                  <a:latin typeface="Consolas" panose="020B0609020204030204" pitchFamily="49" charset="0"/>
-                  <a:cs typeface="Consolas" panose="020B0609020204030204" pitchFamily="49" charset="0"/>
-                </a:endParaRPr>
+                  <a:t>  return</a:t>
+                </a:r>
               </a:p>
             </p:txBody>
           </p:sp>
         </mc:Choice>
-        <mc:Fallback xmlns="">
+        <mc:Fallback>
           <p:sp>
             <p:nvSpPr>
               <p:cNvPr id="5" name="Rectangle 4"/>
@@ -9367,7 +9304,7 @@
               <a:prstGeom prst="rect">
                 <a:avLst/>
               </a:prstGeom>
-              <a:blipFill rotWithShape="0">
+              <a:blipFill>
                 <a:blip r:embed="rId3"/>
                 <a:stretch>
                   <a:fillRect l="-615" t="-711" b="-1422"/>
@@ -9379,7 +9316,7 @@
               <a:lstStyle/>
               <a:p>
                 <a:r>
-                  <a:rPr lang="en-GB">
+                  <a:rPr lang="nl-NL">
                     <a:noFill/>
                   </a:rPr>
                   <a:t> </a:t>
@@ -9705,8 +9642,8 @@
           </a:p>
         </p:txBody>
       </p:sp>
-      <mc:AlternateContent xmlns:mc="http://schemas.openxmlformats.org/markup-compatibility/2006" xmlns:a14="http://schemas.microsoft.com/office/drawing/2010/main">
-        <mc:Choice Requires="a14">
+      <mc:AlternateContent xmlns:mc="http://schemas.openxmlformats.org/markup-compatibility/2006">
+        <mc:Choice xmlns:a14="http://schemas.microsoft.com/office/drawing/2010/main" Requires="a14">
           <p:sp>
             <p:nvSpPr>
               <p:cNvPr id="5" name="Rectangle 4"/>
@@ -9908,25 +9845,8 @@
                     <a:latin typeface="Consolas" panose="020B0609020204030204" pitchFamily="49" charset="0"/>
                     <a:cs typeface="Consolas" panose="020B0609020204030204" pitchFamily="49" charset="0"/>
                   </a:rPr>
-                  <a:t>    return </a:t>
-                </a:r>
-                <a:r>
-                  <a:rPr lang="en-US" sz="1600" dirty="0" err="1">
-                    <a:solidFill>
-                      <a:schemeClr val="accent1"/>
-                    </a:solidFill>
-                    <a:latin typeface="Consolas" panose="020B0609020204030204" pitchFamily="49" charset="0"/>
-                    <a:cs typeface="Consolas" panose="020B0609020204030204" pitchFamily="49" charset="0"/>
-                  </a:rPr>
-                  <a:t>L.start</a:t>
-                </a:r>
-                <a:endParaRPr lang="en-US" sz="1600" dirty="0">
-                  <a:solidFill>
-                    <a:schemeClr val="accent1"/>
-                  </a:solidFill>
-                  <a:latin typeface="Consolas" panose="020B0609020204030204" pitchFamily="49" charset="0"/>
-                  <a:cs typeface="Consolas" panose="020B0609020204030204" pitchFamily="49" charset="0"/>
-                </a:endParaRPr>
+                  <a:t>    return</a:t>
+                </a:r>
               </a:p>
               <a:p>
                 <a:endParaRPr lang="en-US" sz="1600" dirty="0">
@@ -10094,24 +10014,13 @@
                     <a:latin typeface="Consolas" panose="020B0609020204030204" pitchFamily="49" charset="0"/>
                     <a:cs typeface="Consolas" panose="020B0609020204030204" pitchFamily="49" charset="0"/>
                   </a:rPr>
-                  <a:t>  return </a:t>
-                </a:r>
-                <a:r>
-                  <a:rPr lang="en-US" sz="1600" dirty="0" err="1">
-                    <a:latin typeface="Consolas" panose="020B0609020204030204" pitchFamily="49" charset="0"/>
-                    <a:cs typeface="Consolas" panose="020B0609020204030204" pitchFamily="49" charset="0"/>
-                  </a:rPr>
-                  <a:t>L.start</a:t>
-                </a:r>
-                <a:endParaRPr lang="en-US" sz="1600" dirty="0">
-                  <a:latin typeface="Consolas" panose="020B0609020204030204" pitchFamily="49" charset="0"/>
-                  <a:cs typeface="Consolas" panose="020B0609020204030204" pitchFamily="49" charset="0"/>
-                </a:endParaRPr>
+                  <a:t>  return</a:t>
+                </a:r>
               </a:p>
             </p:txBody>
           </p:sp>
         </mc:Choice>
-        <mc:Fallback xmlns="">
+        <mc:Fallback>
           <p:sp>
             <p:nvSpPr>
               <p:cNvPr id="5" name="Rectangle 4"/>
@@ -10128,7 +10037,7 @@
               <a:prstGeom prst="rect">
                 <a:avLst/>
               </a:prstGeom>
-              <a:blipFill rotWithShape="0">
+              <a:blipFill>
                 <a:blip r:embed="rId2"/>
                 <a:stretch>
                   <a:fillRect l="-492" t="-711" b="-1422"/>
@@ -10140,7 +10049,7 @@
               <a:lstStyle/>
               <a:p>
                 <a:r>
-                  <a:rPr lang="en-GB">
+                  <a:rPr lang="nl-NL">
                     <a:noFill/>
                   </a:rPr>
                   <a:t> </a:t>
@@ -10600,8 +10509,8 @@
           </a:p>
         </p:txBody>
       </p:sp>
-      <mc:AlternateContent xmlns:mc="http://schemas.openxmlformats.org/markup-compatibility/2006" xmlns:a14="http://schemas.microsoft.com/office/drawing/2010/main">
-        <mc:Choice Requires="a14">
+      <mc:AlternateContent xmlns:mc="http://schemas.openxmlformats.org/markup-compatibility/2006">
+        <mc:Choice xmlns:a14="http://schemas.microsoft.com/office/drawing/2010/main" Requires="a14">
           <p:sp>
             <p:nvSpPr>
               <p:cNvPr id="5" name="Rectangle 4"/>
@@ -10816,19 +10725,8 @@
                     <a:latin typeface="Consolas" panose="020B0609020204030204" pitchFamily="49" charset="0"/>
                     <a:cs typeface="Consolas" panose="020B0609020204030204" pitchFamily="49" charset="0"/>
                   </a:rPr>
-                  <a:t>      return </a:t>
-                </a:r>
-                <a:r>
-                  <a:rPr lang="en-US" sz="1600" dirty="0" err="1">
-                    <a:latin typeface="Consolas" panose="020B0609020204030204" pitchFamily="49" charset="0"/>
-                    <a:cs typeface="Consolas" panose="020B0609020204030204" pitchFamily="49" charset="0"/>
-                  </a:rPr>
-                  <a:t>L.start</a:t>
-                </a:r>
-                <a:endParaRPr lang="en-US" sz="1600" dirty="0">
-                  <a:latin typeface="Consolas" panose="020B0609020204030204" pitchFamily="49" charset="0"/>
-                  <a:cs typeface="Consolas" panose="020B0609020204030204" pitchFamily="49" charset="0"/>
-                </a:endParaRPr>
+                  <a:t>      return</a:t>
+                </a:r>
               </a:p>
               <a:p>
                 <a:r>
@@ -10865,24 +10763,13 @@
                     <a:latin typeface="Consolas" panose="020B0609020204030204" pitchFamily="49" charset="0"/>
                     <a:cs typeface="Consolas" panose="020B0609020204030204" pitchFamily="49" charset="0"/>
                   </a:rPr>
-                  <a:t>  return </a:t>
-                </a:r>
-                <a:r>
-                  <a:rPr lang="en-US" sz="1600" dirty="0" err="1">
-                    <a:latin typeface="Consolas" panose="020B0609020204030204" pitchFamily="49" charset="0"/>
-                    <a:cs typeface="Consolas" panose="020B0609020204030204" pitchFamily="49" charset="0"/>
-                  </a:rPr>
-                  <a:t>L.start</a:t>
-                </a:r>
-                <a:endParaRPr lang="en-US" sz="1600" dirty="0">
-                  <a:latin typeface="Consolas" panose="020B0609020204030204" pitchFamily="49" charset="0"/>
-                  <a:cs typeface="Consolas" panose="020B0609020204030204" pitchFamily="49" charset="0"/>
-                </a:endParaRPr>
+                  <a:t>  return</a:t>
+                </a:r>
               </a:p>
             </p:txBody>
           </p:sp>
         </mc:Choice>
-        <mc:Fallback xmlns="">
+        <mc:Fallback>
           <p:sp>
             <p:nvSpPr>
               <p:cNvPr id="5" name="Rectangle 4"/>
@@ -10899,7 +10786,7 @@
               <a:prstGeom prst="rect">
                 <a:avLst/>
               </a:prstGeom>
-              <a:blipFill rotWithShape="0">
+              <a:blipFill>
                 <a:blip r:embed="rId3"/>
                 <a:stretch>
                   <a:fillRect l="-615" t="-785" b="-1571"/>
@@ -10911,7 +10798,7 @@
               <a:lstStyle/>
               <a:p>
                 <a:r>
-                  <a:rPr lang="en-GB">
+                  <a:rPr lang="nl-NL">
                     <a:noFill/>
                   </a:rPr>
                   <a:t> </a:t>
@@ -11184,8 +11071,8 @@
           </a:prstGeom>
         </p:spPr>
       </p:pic>
-      <mc:AlternateContent xmlns:mc="http://schemas.openxmlformats.org/markup-compatibility/2006" xmlns:a14="http://schemas.microsoft.com/office/drawing/2010/main">
-        <mc:Choice Requires="a14">
+      <mc:AlternateContent xmlns:mc="http://schemas.openxmlformats.org/markup-compatibility/2006">
+        <mc:Choice xmlns:a14="http://schemas.microsoft.com/office/drawing/2010/main" Requires="a14">
           <p:sp>
             <p:nvSpPr>
               <p:cNvPr id="6" name="Rectangle 5"/>
@@ -11400,19 +11287,8 @@
                     <a:latin typeface="Consolas" panose="020B0609020204030204" pitchFamily="49" charset="0"/>
                     <a:cs typeface="Consolas" panose="020B0609020204030204" pitchFamily="49" charset="0"/>
                   </a:rPr>
-                  <a:t>      return </a:t>
-                </a:r>
-                <a:r>
-                  <a:rPr lang="en-US" sz="1600" dirty="0" err="1">
-                    <a:latin typeface="Consolas" panose="020B0609020204030204" pitchFamily="49" charset="0"/>
-                    <a:cs typeface="Consolas" panose="020B0609020204030204" pitchFamily="49" charset="0"/>
-                  </a:rPr>
-                  <a:t>L.start</a:t>
-                </a:r>
-                <a:endParaRPr lang="en-US" sz="1600" dirty="0">
-                  <a:latin typeface="Consolas" panose="020B0609020204030204" pitchFamily="49" charset="0"/>
-                  <a:cs typeface="Consolas" panose="020B0609020204030204" pitchFamily="49" charset="0"/>
-                </a:endParaRPr>
+                  <a:t>      return</a:t>
+                </a:r>
               </a:p>
               <a:p>
                 <a:r>
@@ -11449,24 +11325,13 @@
                     <a:latin typeface="Consolas" panose="020B0609020204030204" pitchFamily="49" charset="0"/>
                     <a:cs typeface="Consolas" panose="020B0609020204030204" pitchFamily="49" charset="0"/>
                   </a:rPr>
-                  <a:t>  return </a:t>
-                </a:r>
-                <a:r>
-                  <a:rPr lang="en-US" sz="1600" dirty="0" err="1">
-                    <a:latin typeface="Consolas" panose="020B0609020204030204" pitchFamily="49" charset="0"/>
-                    <a:cs typeface="Consolas" panose="020B0609020204030204" pitchFamily="49" charset="0"/>
-                  </a:rPr>
-                  <a:t>L.start</a:t>
-                </a:r>
-                <a:endParaRPr lang="en-US" sz="1600" dirty="0">
-                  <a:latin typeface="Consolas" panose="020B0609020204030204" pitchFamily="49" charset="0"/>
-                  <a:cs typeface="Consolas" panose="020B0609020204030204" pitchFamily="49" charset="0"/>
-                </a:endParaRPr>
+                  <a:t>  return</a:t>
+                </a:r>
               </a:p>
             </p:txBody>
           </p:sp>
         </mc:Choice>
-        <mc:Fallback xmlns="">
+        <mc:Fallback>
           <p:sp>
             <p:nvSpPr>
               <p:cNvPr id="6" name="Rectangle 5"/>
@@ -11483,7 +11348,7 @@
               <a:prstGeom prst="rect">
                 <a:avLst/>
               </a:prstGeom>
-              <a:blipFill rotWithShape="0">
+              <a:blipFill>
                 <a:blip r:embed="rId3"/>
                 <a:stretch>
                   <a:fillRect l="-615" t="-785" b="-1571"/>
@@ -11495,7 +11360,7 @@
               <a:lstStyle/>
               <a:p>
                 <a:r>
-                  <a:rPr lang="en-GB">
+                  <a:rPr lang="nl-NL">
                     <a:noFill/>
                   </a:rPr>
                   <a:t> </a:t>
@@ -11631,8 +11496,8 @@
           </a:p>
         </p:txBody>
       </p:sp>
-      <mc:AlternateContent xmlns:mc="http://schemas.openxmlformats.org/markup-compatibility/2006" xmlns:a14="http://schemas.microsoft.com/office/drawing/2010/main">
-        <mc:Choice Requires="a14">
+      <mc:AlternateContent xmlns:mc="http://schemas.openxmlformats.org/markup-compatibility/2006">
+        <mc:Choice xmlns:a14="http://schemas.microsoft.com/office/drawing/2010/main" Requires="a14">
           <p:sp>
             <p:nvSpPr>
               <p:cNvPr id="5" name="Rectangle 4"/>
@@ -11892,19 +11757,8 @@
                     <a:latin typeface="Consolas" panose="020B0609020204030204" pitchFamily="49" charset="0"/>
                     <a:cs typeface="Consolas" panose="020B0609020204030204" pitchFamily="49" charset="0"/>
                   </a:rPr>
-                  <a:t>      return </a:t>
-                </a:r>
-                <a:r>
-                  <a:rPr lang="en-US" sz="1600" dirty="0" err="1">
-                    <a:latin typeface="Consolas" panose="020B0609020204030204" pitchFamily="49" charset="0"/>
-                    <a:cs typeface="Consolas" panose="020B0609020204030204" pitchFamily="49" charset="0"/>
-                  </a:rPr>
-                  <a:t>L.start</a:t>
-                </a:r>
-                <a:endParaRPr lang="en-US" sz="1600" dirty="0">
-                  <a:latin typeface="Consolas" panose="020B0609020204030204" pitchFamily="49" charset="0"/>
-                  <a:cs typeface="Consolas" panose="020B0609020204030204" pitchFamily="49" charset="0"/>
-                </a:endParaRPr>
+                  <a:t>      return</a:t>
+                </a:r>
               </a:p>
               <a:p>
                 <a:r>
@@ -11941,24 +11795,13 @@
                     <a:latin typeface="Consolas" panose="020B0609020204030204" pitchFamily="49" charset="0"/>
                     <a:cs typeface="Consolas" panose="020B0609020204030204" pitchFamily="49" charset="0"/>
                   </a:rPr>
-                  <a:t>  return </a:t>
-                </a:r>
-                <a:r>
-                  <a:rPr lang="en-US" sz="1600" dirty="0" err="1">
-                    <a:latin typeface="Consolas" panose="020B0609020204030204" pitchFamily="49" charset="0"/>
-                    <a:cs typeface="Consolas" panose="020B0609020204030204" pitchFamily="49" charset="0"/>
-                  </a:rPr>
-                  <a:t>L.start</a:t>
-                </a:r>
-                <a:endParaRPr lang="en-US" sz="1600" dirty="0">
-                  <a:latin typeface="Consolas" panose="020B0609020204030204" pitchFamily="49" charset="0"/>
-                  <a:cs typeface="Consolas" panose="020B0609020204030204" pitchFamily="49" charset="0"/>
-                </a:endParaRPr>
+                  <a:t>  return</a:t>
+                </a:r>
               </a:p>
             </p:txBody>
           </p:sp>
         </mc:Choice>
-        <mc:Fallback xmlns="">
+        <mc:Fallback>
           <p:sp>
             <p:nvSpPr>
               <p:cNvPr id="5" name="Rectangle 4"/>
@@ -11975,7 +11818,7 @@
               <a:prstGeom prst="rect">
                 <a:avLst/>
               </a:prstGeom>
-              <a:blipFill rotWithShape="0">
+              <a:blipFill>
                 <a:blip r:embed="rId3"/>
                 <a:stretch>
                   <a:fillRect l="-615" t="-515" b="-858"/>
@@ -12272,8 +12115,8 @@
           </a:p>
         </p:txBody>
       </p:sp>
-      <mc:AlternateContent xmlns:mc="http://schemas.openxmlformats.org/markup-compatibility/2006" xmlns:a14="http://schemas.microsoft.com/office/drawing/2010/main">
-        <mc:Choice Requires="a14">
+      <mc:AlternateContent xmlns:mc="http://schemas.openxmlformats.org/markup-compatibility/2006">
+        <mc:Choice xmlns:a14="http://schemas.microsoft.com/office/drawing/2010/main" Requires="a14">
           <p:sp>
             <p:nvSpPr>
               <p:cNvPr id="5" name="Rectangle 4"/>
@@ -12416,7 +12259,19 @@
                     <a:latin typeface="Consolas" panose="020B0609020204030204" pitchFamily="49" charset="0"/>
                     <a:cs typeface="Consolas" panose="020B0609020204030204" pitchFamily="49" charset="0"/>
                   </a:rPr>
-                  <a:t>    return </a:t>
+                  <a:t>    return</a:t>
+                </a:r>
+              </a:p>
+              <a:p>
+                <a:r>
+                  <a:rPr lang="en-US" sz="1600" dirty="0">
+                    <a:solidFill>
+                      <a:schemeClr val="accent1"/>
+                    </a:solidFill>
+                    <a:latin typeface="Consolas" panose="020B0609020204030204" pitchFamily="49" charset="0"/>
+                    <a:cs typeface="Consolas" panose="020B0609020204030204" pitchFamily="49" charset="0"/>
+                  </a:rPr>
+                  <a:t>  else if </a:t>
                 </a:r>
                 <a:r>
                   <a:rPr lang="en-US" sz="1600" dirty="0" err="1">
@@ -12426,17 +12281,8 @@
                     <a:latin typeface="Consolas" panose="020B0609020204030204" pitchFamily="49" charset="0"/>
                     <a:cs typeface="Consolas" panose="020B0609020204030204" pitchFamily="49" charset="0"/>
                   </a:rPr>
-                  <a:t>L.start</a:t>
-                </a:r>
-                <a:endParaRPr lang="en-US" sz="1600" dirty="0">
-                  <a:solidFill>
-                    <a:schemeClr val="accent1"/>
-                  </a:solidFill>
-                  <a:latin typeface="Consolas" panose="020B0609020204030204" pitchFamily="49" charset="0"/>
-                  <a:cs typeface="Consolas" panose="020B0609020204030204" pitchFamily="49" charset="0"/>
-                </a:endParaRPr>
-              </a:p>
-              <a:p>
+                  <a:t>L.start.data</a:t>
+                </a:r>
                 <a:r>
                   <a:rPr lang="en-US" sz="1600" dirty="0">
                     <a:solidFill>
@@ -12445,7 +12291,19 @@
                     <a:latin typeface="Consolas" panose="020B0609020204030204" pitchFamily="49" charset="0"/>
                     <a:cs typeface="Consolas" panose="020B0609020204030204" pitchFamily="49" charset="0"/>
                   </a:rPr>
-                  <a:t>  else if </a:t>
+                  <a:t> == k</a:t>
+                </a:r>
+              </a:p>
+              <a:p>
+                <a:r>
+                  <a:rPr lang="en-US" sz="1600" dirty="0">
+                    <a:solidFill>
+                      <a:schemeClr val="accent1"/>
+                    </a:solidFill>
+                    <a:latin typeface="Consolas" panose="020B0609020204030204" pitchFamily="49" charset="0"/>
+                    <a:cs typeface="Consolas" panose="020B0609020204030204" pitchFamily="49" charset="0"/>
+                  </a:rPr>
+                  <a:t>    </a:t>
                 </a:r>
                 <a:r>
                   <a:rPr lang="en-US" sz="1600" dirty="0" err="1">
@@ -12455,7 +12313,7 @@
                     <a:latin typeface="Consolas" panose="020B0609020204030204" pitchFamily="49" charset="0"/>
                     <a:cs typeface="Consolas" panose="020B0609020204030204" pitchFamily="49" charset="0"/>
                   </a:rPr>
-                  <a:t>L.start.data</a:t>
+                  <a:t>L.start</a:t>
                 </a:r>
                 <a:r>
                   <a:rPr lang="en-US" sz="1600" dirty="0">
@@ -12465,19 +12323,7 @@
                     <a:latin typeface="Consolas" panose="020B0609020204030204" pitchFamily="49" charset="0"/>
                     <a:cs typeface="Consolas" panose="020B0609020204030204" pitchFamily="49" charset="0"/>
                   </a:rPr>
-                  <a:t> == k</a:t>
-                </a:r>
-              </a:p>
-              <a:p>
-                <a:r>
-                  <a:rPr lang="en-US" sz="1600" dirty="0">
-                    <a:solidFill>
-                      <a:schemeClr val="accent1"/>
-                    </a:solidFill>
-                    <a:latin typeface="Consolas" panose="020B0609020204030204" pitchFamily="49" charset="0"/>
-                    <a:cs typeface="Consolas" panose="020B0609020204030204" pitchFamily="49" charset="0"/>
-                  </a:rPr>
-                  <a:t>    return </a:t>
+                  <a:t> = </a:t>
                 </a:r>
                 <a:r>
                   <a:rPr lang="en-US" sz="1600" dirty="0" err="1">
@@ -12495,10 +12341,29 @@
                 </a:endParaRPr>
               </a:p>
               <a:p>
-                <a:endParaRPr lang="en-US" sz="1600" dirty="0">
-                  <a:latin typeface="Consolas" panose="020B0609020204030204" pitchFamily="49" charset="0"/>
-                  <a:cs typeface="Consolas" panose="020B0609020204030204" pitchFamily="49" charset="0"/>
-                </a:endParaRPr>
+                <a:r>
+                  <a:rPr lang="en-US" sz="1600" dirty="0">
+                    <a:latin typeface="Consolas" panose="020B0609020204030204" pitchFamily="49" charset="0"/>
+                    <a:cs typeface="Consolas" panose="020B0609020204030204" pitchFamily="49" charset="0"/>
+                  </a:rPr>
+                  <a:t>    </a:t>
+                </a:r>
+                <a:r>
+                  <a:rPr lang="en-US" sz="1600" dirty="0">
+                    <a:solidFill>
+                      <a:schemeClr val="accent1"/>
+                    </a:solidFill>
+                    <a:latin typeface="Consolas" panose="020B0609020204030204" pitchFamily="49" charset="0"/>
+                  </a:rPr>
+                  <a:t>return</a:t>
+                </a:r>
+                <a:r>
+                  <a:rPr lang="en-US" sz="1600" dirty="0">
+                    <a:latin typeface="Consolas" panose="020B0609020204030204" pitchFamily="49" charset="0"/>
+                    <a:cs typeface="Consolas" panose="020B0609020204030204" pitchFamily="49" charset="0"/>
+                  </a:rPr>
+                  <a:t> </a:t>
+                </a:r>
               </a:p>
               <a:p>
                 <a:r>
@@ -12657,19 +12522,8 @@
                     <a:latin typeface="Consolas" panose="020B0609020204030204" pitchFamily="49" charset="0"/>
                     <a:cs typeface="Consolas" panose="020B0609020204030204" pitchFamily="49" charset="0"/>
                   </a:rPr>
-                  <a:t>      return </a:t>
-                </a:r>
-                <a:r>
-                  <a:rPr lang="en-US" sz="1600" dirty="0" err="1">
-                    <a:latin typeface="Consolas" panose="020B0609020204030204" pitchFamily="49" charset="0"/>
-                    <a:cs typeface="Consolas" panose="020B0609020204030204" pitchFamily="49" charset="0"/>
-                  </a:rPr>
-                  <a:t>L.start</a:t>
-                </a:r>
-                <a:endParaRPr lang="en-US" sz="1600" dirty="0">
-                  <a:latin typeface="Consolas" panose="020B0609020204030204" pitchFamily="49" charset="0"/>
-                  <a:cs typeface="Consolas" panose="020B0609020204030204" pitchFamily="49" charset="0"/>
-                </a:endParaRPr>
+                  <a:t>      return</a:t>
+                </a:r>
               </a:p>
               <a:p>
                 <a:r>
@@ -12706,24 +12560,13 @@
                     <a:latin typeface="Consolas" panose="020B0609020204030204" pitchFamily="49" charset="0"/>
                     <a:cs typeface="Consolas" panose="020B0609020204030204" pitchFamily="49" charset="0"/>
                   </a:rPr>
-                  <a:t>  return </a:t>
-                </a:r>
-                <a:r>
-                  <a:rPr lang="en-US" sz="1600" dirty="0" err="1">
-                    <a:latin typeface="Consolas" panose="020B0609020204030204" pitchFamily="49" charset="0"/>
-                    <a:cs typeface="Consolas" panose="020B0609020204030204" pitchFamily="49" charset="0"/>
-                  </a:rPr>
-                  <a:t>L.start</a:t>
-                </a:r>
-                <a:endParaRPr lang="en-US" sz="1600" dirty="0">
-                  <a:latin typeface="Consolas" panose="020B0609020204030204" pitchFamily="49" charset="0"/>
-                  <a:cs typeface="Consolas" panose="020B0609020204030204" pitchFamily="49" charset="0"/>
-                </a:endParaRPr>
+                  <a:t>  return</a:t>
+                </a:r>
               </a:p>
             </p:txBody>
           </p:sp>
         </mc:Choice>
-        <mc:Fallback xmlns="">
+        <mc:Fallback>
           <p:sp>
             <p:nvSpPr>
               <p:cNvPr id="5" name="Rectangle 4"/>
@@ -12740,7 +12583,7 @@
               <a:prstGeom prst="rect">
                 <a:avLst/>
               </a:prstGeom>
-              <a:blipFill rotWithShape="0">
+              <a:blipFill>
                 <a:blip r:embed="rId3"/>
                 <a:stretch>
                   <a:fillRect l="-615" t="-515" b="-858"/>
@@ -12752,7 +12595,7 @@
               <a:lstStyle/>
               <a:p>
                 <a:r>
-                  <a:rPr lang="en-GB">
+                  <a:rPr lang="nl-NL">
                     <a:noFill/>
                   </a:rPr>
                   <a:t> </a:t>
@@ -13149,8 +12992,8 @@
           </a:prstGeom>
         </p:spPr>
       </p:pic>
-      <mc:AlternateContent xmlns:mc="http://schemas.openxmlformats.org/markup-compatibility/2006" xmlns:a14="http://schemas.microsoft.com/office/drawing/2010/main">
-        <mc:Choice Requires="a14">
+      <mc:AlternateContent xmlns:mc="http://schemas.openxmlformats.org/markup-compatibility/2006">
+        <mc:Choice xmlns:a14="http://schemas.microsoft.com/office/drawing/2010/main" Requires="a14">
           <p:sp>
             <p:nvSpPr>
               <p:cNvPr id="6" name="Rectangle 5"/>
@@ -13293,7 +13136,19 @@
                     <a:latin typeface="Consolas" panose="020B0609020204030204" pitchFamily="49" charset="0"/>
                     <a:cs typeface="Consolas" panose="020B0609020204030204" pitchFamily="49" charset="0"/>
                   </a:rPr>
-                  <a:t>    return </a:t>
+                  <a:t>    return</a:t>
+                </a:r>
+              </a:p>
+              <a:p>
+                <a:r>
+                  <a:rPr lang="en-US" sz="1600" dirty="0">
+                    <a:solidFill>
+                      <a:schemeClr val="accent1"/>
+                    </a:solidFill>
+                    <a:latin typeface="Consolas" panose="020B0609020204030204" pitchFamily="49" charset="0"/>
+                    <a:cs typeface="Consolas" panose="020B0609020204030204" pitchFamily="49" charset="0"/>
+                  </a:rPr>
+                  <a:t>  else if </a:t>
                 </a:r>
                 <a:r>
                   <a:rPr lang="en-US" sz="1600" dirty="0" err="1">
@@ -13303,17 +13158,8 @@
                     <a:latin typeface="Consolas" panose="020B0609020204030204" pitchFamily="49" charset="0"/>
                     <a:cs typeface="Consolas" panose="020B0609020204030204" pitchFamily="49" charset="0"/>
                   </a:rPr>
-                  <a:t>L.start</a:t>
-                </a:r>
-                <a:endParaRPr lang="en-US" sz="1600" dirty="0">
-                  <a:solidFill>
-                    <a:schemeClr val="accent1"/>
-                  </a:solidFill>
-                  <a:latin typeface="Consolas" panose="020B0609020204030204" pitchFamily="49" charset="0"/>
-                  <a:cs typeface="Consolas" panose="020B0609020204030204" pitchFamily="49" charset="0"/>
-                </a:endParaRPr>
-              </a:p>
-              <a:p>
+                  <a:t>L.start.data</a:t>
+                </a:r>
                 <a:r>
                   <a:rPr lang="en-US" sz="1600" dirty="0">
                     <a:solidFill>
@@ -13322,7 +13168,19 @@
                     <a:latin typeface="Consolas" panose="020B0609020204030204" pitchFamily="49" charset="0"/>
                     <a:cs typeface="Consolas" panose="020B0609020204030204" pitchFamily="49" charset="0"/>
                   </a:rPr>
-                  <a:t>  else if </a:t>
+                  <a:t> == k</a:t>
+                </a:r>
+              </a:p>
+              <a:p>
+                <a:r>
+                  <a:rPr lang="en-US" sz="1600" dirty="0">
+                    <a:solidFill>
+                      <a:schemeClr val="accent1"/>
+                    </a:solidFill>
+                    <a:latin typeface="Consolas" panose="020B0609020204030204" pitchFamily="49" charset="0"/>
+                    <a:cs typeface="Consolas" panose="020B0609020204030204" pitchFamily="49" charset="0"/>
+                  </a:rPr>
+                  <a:t>    </a:t>
                 </a:r>
                 <a:r>
                   <a:rPr lang="en-US" sz="1600" dirty="0" err="1">
@@ -13332,7 +13190,7 @@
                     <a:latin typeface="Consolas" panose="020B0609020204030204" pitchFamily="49" charset="0"/>
                     <a:cs typeface="Consolas" panose="020B0609020204030204" pitchFamily="49" charset="0"/>
                   </a:rPr>
-                  <a:t>L.start.data</a:t>
+                  <a:t>L.start</a:t>
                 </a:r>
                 <a:r>
                   <a:rPr lang="en-US" sz="1600" dirty="0">
@@ -13342,19 +13200,7 @@
                     <a:latin typeface="Consolas" panose="020B0609020204030204" pitchFamily="49" charset="0"/>
                     <a:cs typeface="Consolas" panose="020B0609020204030204" pitchFamily="49" charset="0"/>
                   </a:rPr>
-                  <a:t> == k</a:t>
-                </a:r>
-              </a:p>
-              <a:p>
-                <a:r>
-                  <a:rPr lang="en-US" sz="1600" dirty="0">
-                    <a:solidFill>
-                      <a:schemeClr val="accent1"/>
-                    </a:solidFill>
-                    <a:latin typeface="Consolas" panose="020B0609020204030204" pitchFamily="49" charset="0"/>
-                    <a:cs typeface="Consolas" panose="020B0609020204030204" pitchFamily="49" charset="0"/>
-                  </a:rPr>
-                  <a:t>    return </a:t>
+                  <a:t> = </a:t>
                 </a:r>
                 <a:r>
                   <a:rPr lang="en-US" sz="1600" dirty="0" err="1">
@@ -13372,10 +13218,22 @@
                 </a:endParaRPr>
               </a:p>
               <a:p>
-                <a:endParaRPr lang="en-US" sz="1600" dirty="0">
-                  <a:latin typeface="Consolas" panose="020B0609020204030204" pitchFamily="49" charset="0"/>
-                  <a:cs typeface="Consolas" panose="020B0609020204030204" pitchFamily="49" charset="0"/>
-                </a:endParaRPr>
+                <a:r>
+                  <a:rPr lang="en-US" sz="1600" dirty="0">
+                    <a:latin typeface="Consolas" panose="020B0609020204030204" pitchFamily="49" charset="0"/>
+                    <a:cs typeface="Consolas" panose="020B0609020204030204" pitchFamily="49" charset="0"/>
+                  </a:rPr>
+                  <a:t>    </a:t>
+                </a:r>
+                <a:r>
+                  <a:rPr lang="en-US" sz="1600" dirty="0">
+                    <a:solidFill>
+                      <a:schemeClr val="accent1"/>
+                    </a:solidFill>
+                    <a:latin typeface="Consolas" panose="020B0609020204030204" pitchFamily="49" charset="0"/>
+                  </a:rPr>
+                  <a:t>return</a:t>
+                </a:r>
               </a:p>
               <a:p>
                 <a:r>
@@ -13534,19 +13392,8 @@
                     <a:latin typeface="Consolas" panose="020B0609020204030204" pitchFamily="49" charset="0"/>
                     <a:cs typeface="Consolas" panose="020B0609020204030204" pitchFamily="49" charset="0"/>
                   </a:rPr>
-                  <a:t>      return </a:t>
-                </a:r>
-                <a:r>
-                  <a:rPr lang="en-US" sz="1600" dirty="0" err="1">
-                    <a:latin typeface="Consolas" panose="020B0609020204030204" pitchFamily="49" charset="0"/>
-                    <a:cs typeface="Consolas" panose="020B0609020204030204" pitchFamily="49" charset="0"/>
-                  </a:rPr>
-                  <a:t>L.start</a:t>
-                </a:r>
-                <a:endParaRPr lang="en-US" sz="1600" dirty="0">
-                  <a:latin typeface="Consolas" panose="020B0609020204030204" pitchFamily="49" charset="0"/>
-                  <a:cs typeface="Consolas" panose="020B0609020204030204" pitchFamily="49" charset="0"/>
-                </a:endParaRPr>
+                  <a:t>      return</a:t>
+                </a:r>
               </a:p>
               <a:p>
                 <a:r>
@@ -13583,24 +13430,13 @@
                     <a:latin typeface="Consolas" panose="020B0609020204030204" pitchFamily="49" charset="0"/>
                     <a:cs typeface="Consolas" panose="020B0609020204030204" pitchFamily="49" charset="0"/>
                   </a:rPr>
-                  <a:t>  return </a:t>
-                </a:r>
-                <a:r>
-                  <a:rPr lang="en-US" sz="1600" dirty="0" err="1">
-                    <a:latin typeface="Consolas" panose="020B0609020204030204" pitchFamily="49" charset="0"/>
-                    <a:cs typeface="Consolas" panose="020B0609020204030204" pitchFamily="49" charset="0"/>
-                  </a:rPr>
-                  <a:t>L.start</a:t>
-                </a:r>
-                <a:endParaRPr lang="en-US" sz="1600" dirty="0">
-                  <a:latin typeface="Consolas" panose="020B0609020204030204" pitchFamily="49" charset="0"/>
-                  <a:cs typeface="Consolas" panose="020B0609020204030204" pitchFamily="49" charset="0"/>
-                </a:endParaRPr>
+                  <a:t>  return</a:t>
+                </a:r>
               </a:p>
             </p:txBody>
           </p:sp>
         </mc:Choice>
-        <mc:Fallback xmlns="">
+        <mc:Fallback>
           <p:sp>
             <p:nvSpPr>
               <p:cNvPr id="6" name="Rectangle 5"/>
@@ -13617,7 +13453,7 @@
               <a:prstGeom prst="rect">
                 <a:avLst/>
               </a:prstGeom>
-              <a:blipFill rotWithShape="0">
+              <a:blipFill>
                 <a:blip r:embed="rId3"/>
                 <a:stretch>
                   <a:fillRect l="-491" t="-515" b="-858"/>
@@ -13629,7 +13465,7 @@
               <a:lstStyle/>
               <a:p>
                 <a:r>
-                  <a:rPr lang="en-GB">
+                  <a:rPr lang="nl-NL">
                     <a:noFill/>
                   </a:rPr>
                   <a:t> </a:t>
@@ -15115,7 +14951,39 @@
             </a:r>
             <a:r>
               <a:rPr lang="nl-NL" dirty="0"/>
-              <a:t> code </a:t>
+              <a:t> code of </a:t>
+            </a:r>
+            <a:r>
+              <a:rPr lang="nl-NL" dirty="0" err="1"/>
+              <a:t>all</a:t>
+            </a:r>
+            <a:r>
+              <a:rPr lang="nl-NL" dirty="0"/>
+              <a:t> </a:t>
+            </a:r>
+            <a:r>
+              <a:rPr lang="nl-NL" dirty="0" err="1"/>
+              <a:t>previous</a:t>
+            </a:r>
+            <a:r>
+              <a:rPr lang="nl-NL" dirty="0"/>
+              <a:t> </a:t>
+            </a:r>
+            <a:r>
+              <a:rPr lang="nl-NL" dirty="0" err="1"/>
+              <a:t>algorithms</a:t>
+            </a:r>
+            <a:r>
+              <a:rPr lang="nl-NL" dirty="0"/>
+              <a:t> </a:t>
+            </a:r>
+            <a:r>
+              <a:rPr lang="nl-NL" i="1" dirty="0" err="1"/>
+              <a:t>and</a:t>
+            </a:r>
+            <a:r>
+              <a:rPr lang="nl-NL" dirty="0"/>
+              <a:t> </a:t>
             </a:r>
             <a:r>
               <a:rPr lang="nl-NL" dirty="0" err="1"/>
@@ -15134,7 +15002,15 @@
             </a:r>
             <a:r>
               <a:rPr lang="nl-NL" dirty="0"/>
-              <a:t> a new node </a:t>
+              <a:t> a new </a:t>
+            </a:r>
+            <a:r>
+              <a:rPr lang="nl-NL" dirty="0" err="1"/>
+              <a:t>value</a:t>
+            </a:r>
+            <a:r>
+              <a:rPr lang="nl-NL" dirty="0"/>
+              <a:t> </a:t>
             </a:r>
             <a:r>
               <a:rPr lang="nl-NL" dirty="0" err="1"/>
@@ -15201,46 +15077,25 @@
               <a:t>insertAfter</a:t>
             </a:r>
             <a:r>
+              <a:rPr lang="nl-NL" b="1" dirty="0">
+                <a:latin typeface="Consolas" panose="020B0609020204030204" pitchFamily="49" charset="0"/>
+                <a:cs typeface="Consolas" panose="020B0609020204030204" pitchFamily="49" charset="0"/>
+              </a:rPr>
+              <a:t>&lt;T&gt;</a:t>
+            </a:r>
+            <a:r>
               <a:rPr lang="nl-NL" dirty="0">
                 <a:latin typeface="Consolas" panose="020B0609020204030204" pitchFamily="49" charset="0"/>
                 <a:cs typeface="Consolas" panose="020B0609020204030204" pitchFamily="49" charset="0"/>
               </a:rPr>
-              <a:t>(List </a:t>
+              <a:t>(List&lt;T&gt; list, Node&lt;T&gt; node, T </a:t>
             </a:r>
             <a:r>
               <a:rPr lang="nl-NL" dirty="0" err="1">
                 <a:latin typeface="Consolas" panose="020B0609020204030204" pitchFamily="49" charset="0"/>
                 <a:cs typeface="Consolas" panose="020B0609020204030204" pitchFamily="49" charset="0"/>
               </a:rPr>
-              <a:t>list</a:t>
-            </a:r>
-            <a:r>
-              <a:rPr lang="nl-NL" dirty="0">
-                <a:latin typeface="Consolas" panose="020B0609020204030204" pitchFamily="49" charset="0"/>
-                <a:cs typeface="Consolas" panose="020B0609020204030204" pitchFamily="49" charset="0"/>
-              </a:rPr>
-              <a:t>, Node </a:t>
-            </a:r>
-            <a:r>
-              <a:rPr lang="nl-NL" dirty="0" err="1">
-                <a:latin typeface="Consolas" panose="020B0609020204030204" pitchFamily="49" charset="0"/>
-                <a:cs typeface="Consolas" panose="020B0609020204030204" pitchFamily="49" charset="0"/>
-              </a:rPr>
-              <a:t>node</a:t>
-            </a:r>
-            <a:r>
-              <a:rPr lang="nl-NL" dirty="0">
-                <a:latin typeface="Consolas" panose="020B0609020204030204" pitchFamily="49" charset="0"/>
-                <a:cs typeface="Consolas" panose="020B0609020204030204" pitchFamily="49" charset="0"/>
-              </a:rPr>
-              <a:t>, Node </a:t>
-            </a:r>
-            <a:r>
-              <a:rPr lang="nl-NL" dirty="0" err="1">
-                <a:latin typeface="Consolas" panose="020B0609020204030204" pitchFamily="49" charset="0"/>
-                <a:cs typeface="Consolas" panose="020B0609020204030204" pitchFamily="49" charset="0"/>
-              </a:rPr>
-              <a:t>newNode</a:t>
+              <a:t>newValue</a:t>
             </a:r>
             <a:r>
               <a:rPr lang="nl-NL" dirty="0">
@@ -15274,46 +15129,25 @@
               <a:t>insertBefore</a:t>
             </a:r>
             <a:r>
+              <a:rPr lang="nl-NL" b="1" dirty="0">
+                <a:latin typeface="Consolas" panose="020B0609020204030204" pitchFamily="49" charset="0"/>
+                <a:cs typeface="Consolas" panose="020B0609020204030204" pitchFamily="49" charset="0"/>
+              </a:rPr>
+              <a:t>&lt;T&gt;</a:t>
+            </a:r>
+            <a:r>
               <a:rPr lang="nl-NL" dirty="0">
                 <a:latin typeface="Consolas" panose="020B0609020204030204" pitchFamily="49" charset="0"/>
                 <a:cs typeface="Consolas" panose="020B0609020204030204" pitchFamily="49" charset="0"/>
               </a:rPr>
-              <a:t>(List </a:t>
+              <a:t>(List&lt;T&gt; list, Node&lt;T&gt; node, T </a:t>
             </a:r>
             <a:r>
               <a:rPr lang="nl-NL" dirty="0" err="1">
                 <a:latin typeface="Consolas" panose="020B0609020204030204" pitchFamily="49" charset="0"/>
                 <a:cs typeface="Consolas" panose="020B0609020204030204" pitchFamily="49" charset="0"/>
               </a:rPr>
-              <a:t>list</a:t>
-            </a:r>
-            <a:r>
-              <a:rPr lang="nl-NL" dirty="0">
-                <a:latin typeface="Consolas" panose="020B0609020204030204" pitchFamily="49" charset="0"/>
-                <a:cs typeface="Consolas" panose="020B0609020204030204" pitchFamily="49" charset="0"/>
-              </a:rPr>
-              <a:t>, Node </a:t>
-            </a:r>
-            <a:r>
-              <a:rPr lang="nl-NL" dirty="0" err="1">
-                <a:latin typeface="Consolas" panose="020B0609020204030204" pitchFamily="49" charset="0"/>
-                <a:cs typeface="Consolas" panose="020B0609020204030204" pitchFamily="49" charset="0"/>
-              </a:rPr>
-              <a:t>node</a:t>
-            </a:r>
-            <a:r>
-              <a:rPr lang="nl-NL" dirty="0">
-                <a:latin typeface="Consolas" panose="020B0609020204030204" pitchFamily="49" charset="0"/>
-                <a:cs typeface="Consolas" panose="020B0609020204030204" pitchFamily="49" charset="0"/>
-              </a:rPr>
-              <a:t>, Node </a:t>
-            </a:r>
-            <a:r>
-              <a:rPr lang="nl-NL" dirty="0" err="1">
-                <a:latin typeface="Consolas" panose="020B0609020204030204" pitchFamily="49" charset="0"/>
-                <a:cs typeface="Consolas" panose="020B0609020204030204" pitchFamily="49" charset="0"/>
-              </a:rPr>
-              <a:t>newNode</a:t>
+              <a:t>newValue</a:t>
             </a:r>
             <a:r>
               <a:rPr lang="nl-NL" dirty="0">
@@ -15327,86 +15161,15 @@
             <a:pPr lvl="1"/>
             <a:r>
               <a:rPr lang="nl-NL" dirty="0"/>
-              <a:t>Insert a new node at the beginning and end of a doubly linked list</a:t>
-            </a:r>
-          </a:p>
-          <a:p>
-            <a:pPr lvl="2"/>
-            <a:r>
-              <a:rPr lang="nl-NL" dirty="0">
-                <a:latin typeface="Consolas" panose="020B0609020204030204" pitchFamily="49" charset="0"/>
-                <a:cs typeface="Consolas" panose="020B0609020204030204" pitchFamily="49" charset="0"/>
-              </a:rPr>
-              <a:t>function </a:t>
-            </a:r>
-            <a:r>
-              <a:rPr lang="nl-NL" b="1" dirty="0">
-                <a:latin typeface="Consolas" panose="020B0609020204030204" pitchFamily="49" charset="0"/>
-                <a:cs typeface="Consolas" panose="020B0609020204030204" pitchFamily="49" charset="0"/>
-              </a:rPr>
-              <a:t>insertBeginning</a:t>
-            </a:r>
-            <a:r>
-              <a:rPr lang="nl-NL" dirty="0">
-                <a:latin typeface="Consolas" panose="020B0609020204030204" pitchFamily="49" charset="0"/>
-                <a:cs typeface="Consolas" panose="020B0609020204030204" pitchFamily="49" charset="0"/>
-              </a:rPr>
-              <a:t>(List list, Node newNode)</a:t>
-            </a:r>
-          </a:p>
-          <a:p>
-            <a:pPr lvl="2"/>
-            <a:r>
-              <a:rPr lang="nl-NL" dirty="0">
-                <a:latin typeface="Consolas" panose="020B0609020204030204" pitchFamily="49" charset="0"/>
-                <a:cs typeface="Consolas" panose="020B0609020204030204" pitchFamily="49" charset="0"/>
-              </a:rPr>
-              <a:t>function </a:t>
-            </a:r>
-            <a:r>
-              <a:rPr lang="nl-NL" b="1" dirty="0">
-                <a:latin typeface="Consolas" panose="020B0609020204030204" pitchFamily="49" charset="0"/>
-                <a:cs typeface="Consolas" panose="020B0609020204030204" pitchFamily="49" charset="0"/>
-              </a:rPr>
-              <a:t>insertLast</a:t>
-            </a:r>
-            <a:r>
-              <a:rPr lang="nl-NL" dirty="0">
-                <a:latin typeface="Consolas" panose="020B0609020204030204" pitchFamily="49" charset="0"/>
-                <a:cs typeface="Consolas" panose="020B0609020204030204" pitchFamily="49" charset="0"/>
-              </a:rPr>
-              <a:t>(List list, Node newNode)</a:t>
-            </a:r>
-          </a:p>
-          <a:p>
-            <a:pPr lvl="1"/>
+              <a:t>Insert a new </a:t>
+            </a:r>
+            <a:r>
+              <a:rPr lang="nl-NL" dirty="0" err="1"/>
+              <a:t>value</a:t>
+            </a:r>
             <a:r>
               <a:rPr lang="nl-NL" dirty="0"/>
-              <a:t>Delete a </a:t>
-            </a:r>
-            <a:r>
-              <a:rPr lang="nl-NL" dirty="0" err="1"/>
-              <a:t>certain</a:t>
-            </a:r>
-            <a:r>
-              <a:rPr lang="nl-NL" dirty="0"/>
-              <a:t> node in a </a:t>
-            </a:r>
-            <a:r>
-              <a:rPr lang="nl-NL" dirty="0" err="1"/>
-              <a:t>doubly</a:t>
-            </a:r>
-            <a:r>
-              <a:rPr lang="nl-NL" dirty="0"/>
-              <a:t> </a:t>
-            </a:r>
-            <a:r>
-              <a:rPr lang="nl-NL" dirty="0" err="1"/>
-              <a:t>linked</a:t>
-            </a:r>
-            <a:r>
-              <a:rPr lang="nl-NL" dirty="0"/>
-              <a:t> list</a:t>
+              <a:t> at the beginning and end of a doubly linked list</a:t>
             </a:r>
           </a:p>
           <a:p>
@@ -15430,14 +15193,178 @@
                 <a:latin typeface="Consolas" panose="020B0609020204030204" pitchFamily="49" charset="0"/>
                 <a:cs typeface="Consolas" panose="020B0609020204030204" pitchFamily="49" charset="0"/>
               </a:rPr>
-              <a:t>remove</a:t>
+              <a:t>insertBeginning</a:t>
+            </a:r>
+            <a:r>
+              <a:rPr lang="nl-NL" b="1" dirty="0">
+                <a:latin typeface="Consolas" panose="020B0609020204030204" pitchFamily="49" charset="0"/>
+                <a:cs typeface="Consolas" panose="020B0609020204030204" pitchFamily="49" charset="0"/>
+              </a:rPr>
+              <a:t>&lt;T&gt;</a:t>
             </a:r>
             <a:r>
               <a:rPr lang="nl-NL" dirty="0">
                 <a:latin typeface="Consolas" panose="020B0609020204030204" pitchFamily="49" charset="0"/>
                 <a:cs typeface="Consolas" panose="020B0609020204030204" pitchFamily="49" charset="0"/>
               </a:rPr>
-              <a:t>(Lis list, Node node)</a:t>
+              <a:t>(List&lt;T&gt; list, T </a:t>
+            </a:r>
+            <a:r>
+              <a:rPr lang="nl-NL" dirty="0" err="1">
+                <a:latin typeface="Consolas" panose="020B0609020204030204" pitchFamily="49" charset="0"/>
+                <a:cs typeface="Consolas" panose="020B0609020204030204" pitchFamily="49" charset="0"/>
+              </a:rPr>
+              <a:t>newValue</a:t>
+            </a:r>
+            <a:r>
+              <a:rPr lang="nl-NL" dirty="0">
+                <a:latin typeface="Consolas" panose="020B0609020204030204" pitchFamily="49" charset="0"/>
+                <a:cs typeface="Consolas" panose="020B0609020204030204" pitchFamily="49" charset="0"/>
+              </a:rPr>
+              <a:t>)</a:t>
+            </a:r>
+          </a:p>
+          <a:p>
+            <a:pPr lvl="2"/>
+            <a:r>
+              <a:rPr lang="nl-NL" dirty="0" err="1">
+                <a:latin typeface="Consolas" panose="020B0609020204030204" pitchFamily="49" charset="0"/>
+                <a:cs typeface="Consolas" panose="020B0609020204030204" pitchFamily="49" charset="0"/>
+              </a:rPr>
+              <a:t>function</a:t>
+            </a:r>
+            <a:r>
+              <a:rPr lang="nl-NL" dirty="0">
+                <a:latin typeface="Consolas" panose="020B0609020204030204" pitchFamily="49" charset="0"/>
+                <a:cs typeface="Consolas" panose="020B0609020204030204" pitchFamily="49" charset="0"/>
+              </a:rPr>
+              <a:t> </a:t>
+            </a:r>
+            <a:r>
+              <a:rPr lang="nl-NL" b="1" dirty="0" err="1">
+                <a:latin typeface="Consolas" panose="020B0609020204030204" pitchFamily="49" charset="0"/>
+                <a:cs typeface="Consolas" panose="020B0609020204030204" pitchFamily="49" charset="0"/>
+              </a:rPr>
+              <a:t>insertLast</a:t>
+            </a:r>
+            <a:r>
+              <a:rPr lang="nl-NL" b="1" dirty="0">
+                <a:latin typeface="Consolas" panose="020B0609020204030204" pitchFamily="49" charset="0"/>
+                <a:cs typeface="Consolas" panose="020B0609020204030204" pitchFamily="49" charset="0"/>
+              </a:rPr>
+              <a:t>&lt;T&gt;</a:t>
+            </a:r>
+            <a:r>
+              <a:rPr lang="nl-NL" dirty="0">
+                <a:latin typeface="Consolas" panose="020B0609020204030204" pitchFamily="49" charset="0"/>
+                <a:cs typeface="Consolas" panose="020B0609020204030204" pitchFamily="49" charset="0"/>
+              </a:rPr>
+              <a:t>(List&lt;T&gt; list, T </a:t>
+            </a:r>
+            <a:r>
+              <a:rPr lang="nl-NL" dirty="0" err="1">
+                <a:latin typeface="Consolas" panose="020B0609020204030204" pitchFamily="49" charset="0"/>
+                <a:cs typeface="Consolas" panose="020B0609020204030204" pitchFamily="49" charset="0"/>
+              </a:rPr>
+              <a:t>newValue</a:t>
+            </a:r>
+            <a:r>
+              <a:rPr lang="nl-NL" dirty="0">
+                <a:latin typeface="Consolas" panose="020B0609020204030204" pitchFamily="49" charset="0"/>
+                <a:cs typeface="Consolas" panose="020B0609020204030204" pitchFamily="49" charset="0"/>
+              </a:rPr>
+              <a:t>)</a:t>
+            </a:r>
+          </a:p>
+          <a:p>
+            <a:pPr lvl="1"/>
+            <a:r>
+              <a:rPr lang="nl-NL" dirty="0"/>
+              <a:t>Delete a </a:t>
+            </a:r>
+            <a:r>
+              <a:rPr lang="nl-NL" dirty="0" err="1"/>
+              <a:t>certain</a:t>
+            </a:r>
+            <a:r>
+              <a:rPr lang="nl-NL" dirty="0"/>
+              <a:t> </a:t>
+            </a:r>
+            <a:r>
+              <a:rPr lang="nl-NL" dirty="0" err="1"/>
+              <a:t>value</a:t>
+            </a:r>
+            <a:r>
+              <a:rPr lang="nl-NL" dirty="0"/>
+              <a:t> in a </a:t>
+            </a:r>
+            <a:r>
+              <a:rPr lang="nl-NL" dirty="0" err="1"/>
+              <a:t>doubly</a:t>
+            </a:r>
+            <a:r>
+              <a:rPr lang="nl-NL" dirty="0"/>
+              <a:t> </a:t>
+            </a:r>
+            <a:r>
+              <a:rPr lang="nl-NL" dirty="0" err="1"/>
+              <a:t>linked</a:t>
+            </a:r>
+            <a:r>
+              <a:rPr lang="nl-NL" dirty="0"/>
+              <a:t> list</a:t>
+            </a:r>
+          </a:p>
+          <a:p>
+            <a:pPr lvl="2"/>
+            <a:r>
+              <a:rPr lang="nl-NL" dirty="0" err="1">
+                <a:latin typeface="Consolas" panose="020B0609020204030204" pitchFamily="49" charset="0"/>
+                <a:cs typeface="Consolas" panose="020B0609020204030204" pitchFamily="49" charset="0"/>
+              </a:rPr>
+              <a:t>function</a:t>
+            </a:r>
+            <a:r>
+              <a:rPr lang="nl-NL" dirty="0">
+                <a:latin typeface="Consolas" panose="020B0609020204030204" pitchFamily="49" charset="0"/>
+                <a:cs typeface="Consolas" panose="020B0609020204030204" pitchFamily="49" charset="0"/>
+              </a:rPr>
+              <a:t> </a:t>
+            </a:r>
+            <a:r>
+              <a:rPr lang="nl-NL" b="1" dirty="0" err="1">
+                <a:latin typeface="Consolas" panose="020B0609020204030204" pitchFamily="49" charset="0"/>
+                <a:cs typeface="Consolas" panose="020B0609020204030204" pitchFamily="49" charset="0"/>
+              </a:rPr>
+              <a:t>remove</a:t>
+            </a:r>
+            <a:r>
+              <a:rPr lang="nl-NL" b="1" dirty="0">
+                <a:latin typeface="Consolas" panose="020B0609020204030204" pitchFamily="49" charset="0"/>
+                <a:cs typeface="Consolas" panose="020B0609020204030204" pitchFamily="49" charset="0"/>
+              </a:rPr>
+              <a:t>&lt;T&gt;</a:t>
+            </a:r>
+            <a:r>
+              <a:rPr lang="nl-NL" dirty="0">
+                <a:latin typeface="Consolas" panose="020B0609020204030204" pitchFamily="49" charset="0"/>
+                <a:cs typeface="Consolas" panose="020B0609020204030204" pitchFamily="49" charset="0"/>
+              </a:rPr>
+              <a:t>(List&lt;T&gt; list, T </a:t>
+            </a:r>
+            <a:r>
+              <a:rPr lang="nl-NL" dirty="0" err="1">
+                <a:latin typeface="Consolas" panose="020B0609020204030204" pitchFamily="49" charset="0"/>
+                <a:cs typeface="Consolas" panose="020B0609020204030204" pitchFamily="49" charset="0"/>
+              </a:rPr>
+              <a:t>value</a:t>
+            </a:r>
+            <a:r>
+              <a:rPr lang="nl-NL" dirty="0">
+                <a:latin typeface="Consolas" panose="020B0609020204030204" pitchFamily="49" charset="0"/>
+                <a:cs typeface="Consolas" panose="020B0609020204030204" pitchFamily="49" charset="0"/>
+              </a:rPr>
+              <a:t>)</a:t>
             </a:r>
           </a:p>
         </p:txBody>
@@ -15473,7 +15400,7 @@
         </p:nvSpPr>
         <p:spPr>
           <a:xfrm>
-            <a:off x="5577064" y="4897196"/>
+            <a:off x="6013939" y="4738757"/>
             <a:ext cx="6178061" cy="1754326"/>
           </a:xfrm>
           <a:prstGeom prst="rect">
@@ -17967,6 +17894,908 @@
       </p:grpSpPr>
       <p:sp>
         <p:nvSpPr>
+          <p:cNvPr id="2" name="Titel 1">
+            <a:extLst>
+              <a:ext uri="{FF2B5EF4-FFF2-40B4-BE49-F238E27FC236}">
+                <a16:creationId xmlns:a16="http://schemas.microsoft.com/office/drawing/2014/main" id="{BD8996C4-06AE-4B66-A419-6CB10539DB3C}"/>
+              </a:ext>
+            </a:extLst>
+          </p:cNvPr>
+          <p:cNvSpPr>
+            <a:spLocks noGrp="1"/>
+          </p:cNvSpPr>
+          <p:nvPr>
+            <p:ph type="title"/>
+          </p:nvPr>
+        </p:nvSpPr>
+        <p:spPr/>
+        <p:txBody>
+          <a:bodyPr/>
+          <a:lstStyle/>
+          <a:p>
+            <a:r>
+              <a:rPr lang="nl-NL" dirty="0"/>
+              <a:t>Stack – </a:t>
+            </a:r>
+            <a:r>
+              <a:rPr lang="nl-NL" dirty="0" err="1"/>
+              <a:t>Exercise</a:t>
+            </a:r>
+            <a:endParaRPr lang="nl-NL" dirty="0"/>
+          </a:p>
+        </p:txBody>
+      </p:sp>
+      <p:sp>
+        <p:nvSpPr>
+          <p:cNvPr id="3" name="Tijdelijke aanduiding voor inhoud 2">
+            <a:extLst>
+              <a:ext uri="{FF2B5EF4-FFF2-40B4-BE49-F238E27FC236}">
+                <a16:creationId xmlns:a16="http://schemas.microsoft.com/office/drawing/2014/main" id="{46F8762D-DB74-48F8-837D-D11FB4452E1D}"/>
+              </a:ext>
+            </a:extLst>
+          </p:cNvPr>
+          <p:cNvSpPr>
+            <a:spLocks noGrp="1"/>
+          </p:cNvSpPr>
+          <p:nvPr>
+            <p:ph idx="1"/>
+          </p:nvPr>
+        </p:nvSpPr>
+        <p:spPr>
+          <a:xfrm>
+            <a:off x="677334" y="2160589"/>
+            <a:ext cx="9033196" cy="3880773"/>
+          </a:xfrm>
+        </p:spPr>
+        <p:txBody>
+          <a:bodyPr/>
+          <a:lstStyle/>
+          <a:p>
+            <a:r>
+              <a:rPr lang="nl-NL" dirty="0" err="1"/>
+              <a:t>What</a:t>
+            </a:r>
+            <a:r>
+              <a:rPr lang="nl-NL" dirty="0"/>
+              <a:t> is </a:t>
+            </a:r>
+            <a:r>
+              <a:rPr lang="nl-NL" dirty="0" err="1"/>
+              <a:t>the</a:t>
+            </a:r>
+            <a:r>
+              <a:rPr lang="nl-NL" dirty="0"/>
+              <a:t> content of </a:t>
+            </a:r>
+            <a:r>
+              <a:rPr lang="nl-NL" dirty="0" err="1"/>
+              <a:t>the</a:t>
+            </a:r>
+            <a:r>
+              <a:rPr lang="nl-NL" dirty="0"/>
+              <a:t> stack </a:t>
+            </a:r>
+            <a:r>
+              <a:rPr lang="nl-NL" dirty="0" err="1"/>
+              <a:t>after</a:t>
+            </a:r>
+            <a:r>
+              <a:rPr lang="nl-NL" dirty="0"/>
+              <a:t> </a:t>
+            </a:r>
+            <a:r>
+              <a:rPr lang="nl-NL" dirty="0" err="1"/>
+              <a:t>executing</a:t>
+            </a:r>
+            <a:r>
+              <a:rPr lang="nl-NL" dirty="0"/>
+              <a:t> </a:t>
+            </a:r>
+            <a:r>
+              <a:rPr lang="nl-NL" dirty="0" err="1"/>
+              <a:t>all</a:t>
+            </a:r>
+            <a:r>
+              <a:rPr lang="nl-NL" dirty="0"/>
+              <a:t> </a:t>
+            </a:r>
+            <a:r>
+              <a:rPr lang="nl-NL" dirty="0" err="1"/>
+              <a:t>following</a:t>
+            </a:r>
+            <a:r>
+              <a:rPr lang="nl-NL" dirty="0"/>
+              <a:t> operations?</a:t>
+            </a:r>
+          </a:p>
+          <a:p>
+            <a:endParaRPr lang="nl-NL" dirty="0"/>
+          </a:p>
+          <a:p>
+            <a:endParaRPr lang="nl-NL" dirty="0"/>
+          </a:p>
+          <a:p>
+            <a:pPr marL="0" indent="0">
+              <a:buNone/>
+            </a:pPr>
+            <a:r>
+              <a:rPr lang="nl-NL" dirty="0"/>
+              <a:t>												</a:t>
+            </a:r>
+            <a:r>
+              <a:rPr lang="nl-NL" dirty="0" err="1"/>
+              <a:t>Answer</a:t>
+            </a:r>
+            <a:r>
+              <a:rPr lang="nl-NL" dirty="0"/>
+              <a:t>:</a:t>
+            </a:r>
+          </a:p>
+          <a:p>
+            <a:pPr marL="0" indent="0">
+              <a:buNone/>
+            </a:pPr>
+            <a:r>
+              <a:rPr lang="nl-NL" dirty="0"/>
+              <a:t>											(</a:t>
+            </a:r>
+            <a:r>
+              <a:rPr lang="nl-NL" dirty="0" err="1"/>
+              <a:t>note</a:t>
+            </a:r>
+            <a:r>
+              <a:rPr lang="nl-NL" dirty="0"/>
+              <a:t>: </a:t>
+            </a:r>
+            <a:r>
+              <a:rPr lang="nl-NL" dirty="0" err="1"/>
+              <a:t>the</a:t>
+            </a:r>
+            <a:r>
+              <a:rPr lang="nl-NL" dirty="0"/>
+              <a:t> top of </a:t>
+            </a:r>
+            <a:r>
+              <a:rPr lang="nl-NL" dirty="0" err="1"/>
+              <a:t>the</a:t>
+            </a:r>
+            <a:r>
+              <a:rPr lang="nl-NL" dirty="0"/>
+              <a:t> stack is 												       </a:t>
+            </a:r>
+            <a:r>
+              <a:rPr lang="nl-NL" dirty="0" err="1"/>
+              <a:t>written</a:t>
+            </a:r>
+            <a:r>
+              <a:rPr lang="nl-NL" dirty="0"/>
+              <a:t> at </a:t>
+            </a:r>
+            <a:r>
+              <a:rPr lang="nl-NL" dirty="0" err="1"/>
+              <a:t>the</a:t>
+            </a:r>
+            <a:r>
+              <a:rPr lang="nl-NL" dirty="0"/>
+              <a:t> </a:t>
+            </a:r>
+            <a:r>
+              <a:rPr lang="nl-NL" dirty="0" err="1"/>
+              <a:t>left</a:t>
+            </a:r>
+            <a:r>
+              <a:rPr lang="nl-NL" dirty="0"/>
+              <a:t> of </a:t>
+            </a:r>
+            <a:r>
+              <a:rPr lang="nl-NL" dirty="0" err="1"/>
+              <a:t>the</a:t>
+            </a:r>
+            <a:r>
+              <a:rPr lang="nl-NL" dirty="0"/>
+              <a:t> </a:t>
+            </a:r>
+            <a:r>
+              <a:rPr lang="nl-NL" dirty="0" err="1"/>
+              <a:t>sequence</a:t>
+            </a:r>
+            <a:r>
+              <a:rPr lang="nl-NL" dirty="0"/>
+              <a:t>)</a:t>
+            </a:r>
+          </a:p>
+          <a:p>
+            <a:pPr marL="0" indent="0">
+              <a:buNone/>
+            </a:pPr>
+            <a:endParaRPr lang="nl-NL" dirty="0"/>
+          </a:p>
+        </p:txBody>
+      </p:sp>
+      <p:sp>
+        <p:nvSpPr>
+          <p:cNvPr id="4" name="Tijdelijke aanduiding voor voettekst 3">
+            <a:extLst>
+              <a:ext uri="{FF2B5EF4-FFF2-40B4-BE49-F238E27FC236}">
+                <a16:creationId xmlns:a16="http://schemas.microsoft.com/office/drawing/2014/main" id="{5A4D50F2-CB51-4E62-9DD8-8C679C80162C}"/>
+              </a:ext>
+            </a:extLst>
+          </p:cNvPr>
+          <p:cNvSpPr>
+            <a:spLocks noGrp="1"/>
+          </p:cNvSpPr>
+          <p:nvPr>
+            <p:ph type="ftr" sz="quarter" idx="11"/>
+          </p:nvPr>
+        </p:nvSpPr>
+        <p:spPr/>
+        <p:txBody>
+          <a:bodyPr/>
+          <a:lstStyle/>
+          <a:p>
+            <a:r>
+              <a:rPr lang="it-IT" dirty="0"/>
+              <a:t>INFDEV036A - G. Costantini, F. Di Giacomo</a:t>
+            </a:r>
+            <a:endParaRPr lang="en-GB" dirty="0"/>
+          </a:p>
+        </p:txBody>
+      </p:sp>
+      <p:sp>
+        <p:nvSpPr>
+          <p:cNvPr id="5" name="Rectangle 1">
+            <a:extLst>
+              <a:ext uri="{FF2B5EF4-FFF2-40B4-BE49-F238E27FC236}">
+                <a16:creationId xmlns:a16="http://schemas.microsoft.com/office/drawing/2014/main" id="{5C683F19-FA0B-4723-89AC-7394B1171765}"/>
+              </a:ext>
+            </a:extLst>
+          </p:cNvPr>
+          <p:cNvSpPr>
+            <a:spLocks noChangeArrowheads="1"/>
+          </p:cNvSpPr>
+          <p:nvPr/>
+        </p:nvSpPr>
+        <p:spPr bwMode="auto">
+          <a:xfrm>
+            <a:off x="1497664" y="2791750"/>
+            <a:ext cx="1420334" cy="3046988"/>
+          </a:xfrm>
+          <a:prstGeom prst="rect">
+            <a:avLst/>
+          </a:prstGeom>
+          <a:ln/>
+        </p:spPr>
+        <p:style>
+          <a:lnRef idx="2">
+            <a:schemeClr val="dk1"/>
+          </a:lnRef>
+          <a:fillRef idx="1">
+            <a:schemeClr val="lt1"/>
+          </a:fillRef>
+          <a:effectRef idx="0">
+            <a:schemeClr val="dk1"/>
+          </a:effectRef>
+          <a:fontRef idx="minor">
+            <a:schemeClr val="dk1"/>
+          </a:fontRef>
+        </p:style>
+        <p:txBody>
+          <a:bodyPr vert="horz" wrap="square" lIns="91440" tIns="45720" rIns="91440" bIns="45720" numCol="1" anchor="ctr" anchorCtr="0" compatLnSpc="1">
+            <a:prstTxWarp prst="textNoShape">
+              <a:avLst/>
+            </a:prstTxWarp>
+            <a:spAutoFit/>
+          </a:bodyPr>
+          <a:lstStyle/>
+          <a:p>
+            <a:pPr marL="0" marR="0" lvl="0" indent="0" algn="l" defTabSz="914400" rtl="0" eaLnBrk="0" fontAlgn="base" latinLnBrk="0" hangingPunct="0">
+              <a:lnSpc>
+                <a:spcPct val="100000"/>
+              </a:lnSpc>
+              <a:spcBef>
+                <a:spcPct val="0"/>
+              </a:spcBef>
+              <a:spcAft>
+                <a:spcPct val="0"/>
+              </a:spcAft>
+              <a:buClrTx/>
+              <a:buSzTx/>
+              <a:buFontTx/>
+              <a:buNone/>
+              <a:tabLst/>
+            </a:pPr>
+            <a:r>
+              <a:rPr lang="en-US" altLang="en-US" sz="1600" dirty="0">
+                <a:solidFill>
+                  <a:schemeClr val="tx1"/>
+                </a:solidFill>
+                <a:latin typeface="Consolas" panose="020B0609020204030204" pitchFamily="49" charset="0"/>
+                <a:cs typeface="Consolas" panose="020B0609020204030204" pitchFamily="49" charset="0"/>
+              </a:rPr>
+              <a:t>Push(3)</a:t>
+            </a:r>
+          </a:p>
+          <a:p>
+            <a:pPr marL="0" marR="0" lvl="0" indent="0" algn="l" defTabSz="914400" rtl="0" eaLnBrk="0" fontAlgn="base" latinLnBrk="0" hangingPunct="0">
+              <a:lnSpc>
+                <a:spcPct val="100000"/>
+              </a:lnSpc>
+              <a:spcBef>
+                <a:spcPct val="0"/>
+              </a:spcBef>
+              <a:spcAft>
+                <a:spcPct val="0"/>
+              </a:spcAft>
+              <a:buClrTx/>
+              <a:buSzTx/>
+              <a:buFontTx/>
+              <a:buNone/>
+              <a:tabLst/>
+            </a:pPr>
+            <a:r>
+              <a:rPr lang="en-US" altLang="en-US" sz="1600" dirty="0">
+                <a:solidFill>
+                  <a:schemeClr val="tx1"/>
+                </a:solidFill>
+                <a:latin typeface="Consolas" panose="020B0609020204030204" pitchFamily="49" charset="0"/>
+                <a:cs typeface="Consolas" panose="020B0609020204030204" pitchFamily="49" charset="0"/>
+              </a:rPr>
+              <a:t>Push(5)</a:t>
+            </a:r>
+          </a:p>
+          <a:p>
+            <a:pPr marL="0" marR="0" lvl="0" indent="0" algn="l" defTabSz="914400" rtl="0" eaLnBrk="0" fontAlgn="base" latinLnBrk="0" hangingPunct="0">
+              <a:lnSpc>
+                <a:spcPct val="100000"/>
+              </a:lnSpc>
+              <a:spcBef>
+                <a:spcPct val="0"/>
+              </a:spcBef>
+              <a:spcAft>
+                <a:spcPct val="0"/>
+              </a:spcAft>
+              <a:buClrTx/>
+              <a:buSzTx/>
+              <a:buFontTx/>
+              <a:buNone/>
+              <a:tabLst/>
+            </a:pPr>
+            <a:r>
+              <a:rPr lang="en-US" altLang="en-US" sz="1600" dirty="0">
+                <a:solidFill>
+                  <a:schemeClr val="tx1"/>
+                </a:solidFill>
+                <a:latin typeface="Consolas" panose="020B0609020204030204" pitchFamily="49" charset="0"/>
+                <a:cs typeface="Consolas" panose="020B0609020204030204" pitchFamily="49" charset="0"/>
+              </a:rPr>
+              <a:t>Push(1)</a:t>
+            </a:r>
+          </a:p>
+          <a:p>
+            <a:pPr marL="0" marR="0" lvl="0" indent="0" algn="l" defTabSz="914400" rtl="0" eaLnBrk="0" fontAlgn="base" latinLnBrk="0" hangingPunct="0">
+              <a:lnSpc>
+                <a:spcPct val="100000"/>
+              </a:lnSpc>
+              <a:spcBef>
+                <a:spcPct val="0"/>
+              </a:spcBef>
+              <a:spcAft>
+                <a:spcPct val="0"/>
+              </a:spcAft>
+              <a:buClrTx/>
+              <a:buSzTx/>
+              <a:buFontTx/>
+              <a:buNone/>
+              <a:tabLst/>
+            </a:pPr>
+            <a:r>
+              <a:rPr kumimoji="0" lang="en-US" altLang="en-US" sz="1600" b="0" i="0" u="none" strike="noStrike" cap="none" normalizeH="0" baseline="0" dirty="0">
+                <a:ln>
+                  <a:noFill/>
+                </a:ln>
+                <a:solidFill>
+                  <a:schemeClr val="tx1"/>
+                </a:solidFill>
+                <a:effectLst/>
+                <a:latin typeface="Consolas" panose="020B0609020204030204" pitchFamily="49" charset="0"/>
+                <a:cs typeface="Consolas" panose="020B0609020204030204" pitchFamily="49" charset="0"/>
+              </a:rPr>
+              <a:t>Pop()</a:t>
+            </a:r>
+          </a:p>
+          <a:p>
+            <a:pPr marL="0" marR="0" lvl="0" indent="0" algn="l" defTabSz="914400" rtl="0" eaLnBrk="0" fontAlgn="base" latinLnBrk="0" hangingPunct="0">
+              <a:lnSpc>
+                <a:spcPct val="100000"/>
+              </a:lnSpc>
+              <a:spcBef>
+                <a:spcPct val="0"/>
+              </a:spcBef>
+              <a:spcAft>
+                <a:spcPct val="0"/>
+              </a:spcAft>
+              <a:buClrTx/>
+              <a:buSzTx/>
+              <a:buFontTx/>
+              <a:buNone/>
+              <a:tabLst/>
+            </a:pPr>
+            <a:r>
+              <a:rPr lang="en-US" altLang="en-US" sz="1600" dirty="0">
+                <a:solidFill>
+                  <a:schemeClr val="tx1"/>
+                </a:solidFill>
+                <a:latin typeface="Consolas" panose="020B0609020204030204" pitchFamily="49" charset="0"/>
+                <a:cs typeface="Consolas" panose="020B0609020204030204" pitchFamily="49" charset="0"/>
+              </a:rPr>
+              <a:t>Pop()</a:t>
+            </a:r>
+          </a:p>
+          <a:p>
+            <a:pPr marL="0" marR="0" lvl="0" indent="0" algn="l" defTabSz="914400" rtl="0" eaLnBrk="0" fontAlgn="base" latinLnBrk="0" hangingPunct="0">
+              <a:lnSpc>
+                <a:spcPct val="100000"/>
+              </a:lnSpc>
+              <a:spcBef>
+                <a:spcPct val="0"/>
+              </a:spcBef>
+              <a:spcAft>
+                <a:spcPct val="0"/>
+              </a:spcAft>
+              <a:buClrTx/>
+              <a:buSzTx/>
+              <a:buFontTx/>
+              <a:buNone/>
+              <a:tabLst/>
+            </a:pPr>
+            <a:r>
+              <a:rPr kumimoji="0" lang="en-US" altLang="en-US" sz="1600" b="0" i="0" u="none" strike="noStrike" cap="none" normalizeH="0" baseline="0" dirty="0">
+                <a:ln>
+                  <a:noFill/>
+                </a:ln>
+                <a:solidFill>
+                  <a:schemeClr val="tx1"/>
+                </a:solidFill>
+                <a:effectLst/>
+                <a:latin typeface="Consolas" panose="020B0609020204030204" pitchFamily="49" charset="0"/>
+                <a:cs typeface="Consolas" panose="020B0609020204030204" pitchFamily="49" charset="0"/>
+              </a:rPr>
+              <a:t>Push(8)</a:t>
+            </a:r>
+          </a:p>
+          <a:p>
+            <a:pPr marL="0" marR="0" lvl="0" indent="0" algn="l" defTabSz="914400" rtl="0" eaLnBrk="0" fontAlgn="base" latinLnBrk="0" hangingPunct="0">
+              <a:lnSpc>
+                <a:spcPct val="100000"/>
+              </a:lnSpc>
+              <a:spcBef>
+                <a:spcPct val="0"/>
+              </a:spcBef>
+              <a:spcAft>
+                <a:spcPct val="0"/>
+              </a:spcAft>
+              <a:buClrTx/>
+              <a:buSzTx/>
+              <a:buFontTx/>
+              <a:buNone/>
+              <a:tabLst/>
+            </a:pPr>
+            <a:r>
+              <a:rPr lang="en-US" altLang="en-US" sz="1600" dirty="0">
+                <a:solidFill>
+                  <a:schemeClr val="tx1"/>
+                </a:solidFill>
+                <a:latin typeface="Consolas" panose="020B0609020204030204" pitchFamily="49" charset="0"/>
+                <a:cs typeface="Consolas" panose="020B0609020204030204" pitchFamily="49" charset="0"/>
+              </a:rPr>
+              <a:t>Pop()</a:t>
+            </a:r>
+          </a:p>
+          <a:p>
+            <a:pPr marL="0" marR="0" lvl="0" indent="0" algn="l" defTabSz="914400" rtl="0" eaLnBrk="0" fontAlgn="base" latinLnBrk="0" hangingPunct="0">
+              <a:lnSpc>
+                <a:spcPct val="100000"/>
+              </a:lnSpc>
+              <a:spcBef>
+                <a:spcPct val="0"/>
+              </a:spcBef>
+              <a:spcAft>
+                <a:spcPct val="0"/>
+              </a:spcAft>
+              <a:buClrTx/>
+              <a:buSzTx/>
+              <a:buFontTx/>
+              <a:buNone/>
+              <a:tabLst/>
+            </a:pPr>
+            <a:r>
+              <a:rPr kumimoji="0" lang="en-US" altLang="en-US" sz="1600" b="0" i="0" u="none" strike="noStrike" cap="none" normalizeH="0" baseline="0" dirty="0">
+                <a:ln>
+                  <a:noFill/>
+                </a:ln>
+                <a:solidFill>
+                  <a:schemeClr val="tx1"/>
+                </a:solidFill>
+                <a:effectLst/>
+                <a:latin typeface="Consolas" panose="020B0609020204030204" pitchFamily="49" charset="0"/>
+                <a:cs typeface="Consolas" panose="020B0609020204030204" pitchFamily="49" charset="0"/>
+              </a:rPr>
+              <a:t>Pop()</a:t>
+            </a:r>
+          </a:p>
+          <a:p>
+            <a:pPr marL="0" marR="0" lvl="0" indent="0" algn="l" defTabSz="914400" rtl="0" eaLnBrk="0" fontAlgn="base" latinLnBrk="0" hangingPunct="0">
+              <a:lnSpc>
+                <a:spcPct val="100000"/>
+              </a:lnSpc>
+              <a:spcBef>
+                <a:spcPct val="0"/>
+              </a:spcBef>
+              <a:spcAft>
+                <a:spcPct val="0"/>
+              </a:spcAft>
+              <a:buClrTx/>
+              <a:buSzTx/>
+              <a:buFontTx/>
+              <a:buNone/>
+              <a:tabLst/>
+            </a:pPr>
+            <a:r>
+              <a:rPr kumimoji="0" lang="en-US" altLang="en-US" sz="1600" b="0" i="0" u="none" strike="noStrike" cap="none" normalizeH="0" baseline="0" dirty="0">
+                <a:ln>
+                  <a:noFill/>
+                </a:ln>
+                <a:solidFill>
+                  <a:schemeClr val="tx1"/>
+                </a:solidFill>
+                <a:effectLst/>
+                <a:latin typeface="Consolas" panose="020B0609020204030204" pitchFamily="49" charset="0"/>
+                <a:cs typeface="Consolas" panose="020B0609020204030204" pitchFamily="49" charset="0"/>
+              </a:rPr>
+              <a:t>Push(2)</a:t>
+            </a:r>
+          </a:p>
+          <a:p>
+            <a:pPr marL="0" marR="0" lvl="0" indent="0" algn="l" defTabSz="914400" rtl="0" eaLnBrk="0" fontAlgn="base" latinLnBrk="0" hangingPunct="0">
+              <a:lnSpc>
+                <a:spcPct val="100000"/>
+              </a:lnSpc>
+              <a:spcBef>
+                <a:spcPct val="0"/>
+              </a:spcBef>
+              <a:spcAft>
+                <a:spcPct val="0"/>
+              </a:spcAft>
+              <a:buClrTx/>
+              <a:buSzTx/>
+              <a:buFontTx/>
+              <a:buNone/>
+              <a:tabLst/>
+            </a:pPr>
+            <a:r>
+              <a:rPr lang="en-US" altLang="en-US" sz="1600" dirty="0">
+                <a:solidFill>
+                  <a:schemeClr val="tx1"/>
+                </a:solidFill>
+                <a:latin typeface="Consolas" panose="020B0609020204030204" pitchFamily="49" charset="0"/>
+                <a:cs typeface="Consolas" panose="020B0609020204030204" pitchFamily="49" charset="0"/>
+              </a:rPr>
+              <a:t>Push(4)</a:t>
+            </a:r>
+          </a:p>
+          <a:p>
+            <a:pPr eaLnBrk="0" fontAlgn="base" hangingPunct="0">
+              <a:spcBef>
+                <a:spcPct val="0"/>
+              </a:spcBef>
+              <a:spcAft>
+                <a:spcPct val="0"/>
+              </a:spcAft>
+            </a:pPr>
+            <a:r>
+              <a:rPr lang="en-US" altLang="en-US" sz="1600" dirty="0">
+                <a:solidFill>
+                  <a:schemeClr val="tx1"/>
+                </a:solidFill>
+                <a:latin typeface="Consolas" panose="020B0609020204030204" pitchFamily="49" charset="0"/>
+                <a:cs typeface="Consolas" panose="020B0609020204030204" pitchFamily="49" charset="0"/>
+              </a:rPr>
+              <a:t>Pop()</a:t>
+            </a:r>
+          </a:p>
+          <a:p>
+            <a:pPr marL="0" marR="0" lvl="0" indent="0" algn="l" defTabSz="914400" rtl="0" eaLnBrk="0" fontAlgn="base" latinLnBrk="0" hangingPunct="0">
+              <a:lnSpc>
+                <a:spcPct val="100000"/>
+              </a:lnSpc>
+              <a:spcBef>
+                <a:spcPct val="0"/>
+              </a:spcBef>
+              <a:spcAft>
+                <a:spcPct val="0"/>
+              </a:spcAft>
+              <a:buClrTx/>
+              <a:buSzTx/>
+              <a:buFontTx/>
+              <a:buNone/>
+              <a:tabLst/>
+            </a:pPr>
+            <a:r>
+              <a:rPr kumimoji="0" lang="en-US" altLang="en-US" sz="1600" b="0" i="0" u="none" strike="noStrike" cap="none" normalizeH="0" baseline="0" dirty="0">
+                <a:ln>
+                  <a:noFill/>
+                </a:ln>
+                <a:solidFill>
+                  <a:schemeClr val="tx1"/>
+                </a:solidFill>
+                <a:effectLst/>
+                <a:latin typeface="Consolas" panose="020B0609020204030204" pitchFamily="49" charset="0"/>
+                <a:cs typeface="Consolas" panose="020B0609020204030204" pitchFamily="49" charset="0"/>
+              </a:rPr>
+              <a:t>Push(7)</a:t>
+            </a:r>
+          </a:p>
+        </p:txBody>
+      </p:sp>
+      <p:sp>
+        <p:nvSpPr>
+          <p:cNvPr id="6" name="Rectangle 1">
+            <a:extLst>
+              <a:ext uri="{FF2B5EF4-FFF2-40B4-BE49-F238E27FC236}">
+                <a16:creationId xmlns:a16="http://schemas.microsoft.com/office/drawing/2014/main" id="{CD0D5771-E3CB-4A0C-9024-3EA1127FC240}"/>
+              </a:ext>
+            </a:extLst>
+          </p:cNvPr>
+          <p:cNvSpPr>
+            <a:spLocks noChangeArrowheads="1"/>
+          </p:cNvSpPr>
+          <p:nvPr/>
+        </p:nvSpPr>
+        <p:spPr bwMode="auto">
+          <a:xfrm>
+            <a:off x="7375003" y="3389244"/>
+            <a:ext cx="1130569" cy="338554"/>
+          </a:xfrm>
+          <a:prstGeom prst="rect">
+            <a:avLst/>
+          </a:prstGeom>
+          <a:ln/>
+        </p:spPr>
+        <p:style>
+          <a:lnRef idx="2">
+            <a:schemeClr val="dk1"/>
+          </a:lnRef>
+          <a:fillRef idx="1">
+            <a:schemeClr val="lt1"/>
+          </a:fillRef>
+          <a:effectRef idx="0">
+            <a:schemeClr val="dk1"/>
+          </a:effectRef>
+          <a:fontRef idx="minor">
+            <a:schemeClr val="dk1"/>
+          </a:fontRef>
+        </p:style>
+        <p:txBody>
+          <a:bodyPr vert="horz" wrap="square" lIns="91440" tIns="45720" rIns="91440" bIns="45720" numCol="1" anchor="ctr" anchorCtr="0" compatLnSpc="1">
+            <a:prstTxWarp prst="textNoShape">
+              <a:avLst/>
+            </a:prstTxWarp>
+            <a:spAutoFit/>
+          </a:bodyPr>
+          <a:lstStyle/>
+          <a:p>
+            <a:pPr marL="0" marR="0" lvl="0" indent="0" algn="l" defTabSz="914400" rtl="0" eaLnBrk="0" fontAlgn="base" latinLnBrk="0" hangingPunct="0">
+              <a:lnSpc>
+                <a:spcPct val="100000"/>
+              </a:lnSpc>
+              <a:spcBef>
+                <a:spcPct val="0"/>
+              </a:spcBef>
+              <a:spcAft>
+                <a:spcPct val="0"/>
+              </a:spcAft>
+              <a:buClrTx/>
+              <a:buSzTx/>
+              <a:buFontTx/>
+              <a:buNone/>
+              <a:tabLst/>
+            </a:pPr>
+            <a:r>
+              <a:rPr lang="en-US" altLang="en-US" sz="1600" dirty="0">
+                <a:solidFill>
+                  <a:schemeClr val="tx1"/>
+                </a:solidFill>
+                <a:latin typeface="Consolas" panose="020B0609020204030204" pitchFamily="49" charset="0"/>
+                <a:cs typeface="Consolas" panose="020B0609020204030204" pitchFamily="49" charset="0"/>
+              </a:rPr>
+              <a:t>{ 7, 2 }</a:t>
+            </a:r>
+            <a:endParaRPr kumimoji="0" lang="en-US" altLang="en-US" sz="1600" b="0" i="0" u="none" strike="noStrike" cap="none" normalizeH="0" baseline="0" dirty="0">
+              <a:ln>
+                <a:noFill/>
+              </a:ln>
+              <a:solidFill>
+                <a:schemeClr val="tx1"/>
+              </a:solidFill>
+              <a:effectLst/>
+              <a:latin typeface="Consolas" panose="020B0609020204030204" pitchFamily="49" charset="0"/>
+              <a:cs typeface="Consolas" panose="020B0609020204030204" pitchFamily="49" charset="0"/>
+            </a:endParaRPr>
+          </a:p>
+        </p:txBody>
+      </p:sp>
+    </p:spTree>
+    <p:extLst>
+      <p:ext uri="{BB962C8B-B14F-4D97-AF65-F5344CB8AC3E}">
+        <p14:creationId xmlns:p14="http://schemas.microsoft.com/office/powerpoint/2010/main" val="2321828439"/>
+      </p:ext>
+    </p:extLst>
+  </p:cSld>
+  <p:clrMapOvr>
+    <a:masterClrMapping/>
+  </p:clrMapOvr>
+  <p:timing>
+    <p:tnLst>
+      <p:par>
+        <p:cTn id="1" dur="indefinite" restart="never" nodeType="tmRoot">
+          <p:childTnLst>
+            <p:seq concurrent="1" nextAc="seek">
+              <p:cTn id="2" dur="indefinite" nodeType="mainSeq">
+                <p:childTnLst>
+                  <p:par>
+                    <p:cTn id="3" fill="hold">
+                      <p:stCondLst>
+                        <p:cond delay="indefinite"/>
+                      </p:stCondLst>
+                      <p:childTnLst>
+                        <p:par>
+                          <p:cTn id="4" fill="hold">
+                            <p:stCondLst>
+                              <p:cond delay="0"/>
+                            </p:stCondLst>
+                            <p:childTnLst>
+                              <p:par>
+                                <p:cTn id="5" presetID="1" presetClass="entr" presetSubtype="0" fill="hold" nodeType="clickEffect">
+                                  <p:stCondLst>
+                                    <p:cond delay="0"/>
+                                  </p:stCondLst>
+                                  <p:childTnLst>
+                                    <p:set>
+                                      <p:cBhvr>
+                                        <p:cTn id="6" dur="1" fill="hold">
+                                          <p:stCondLst>
+                                            <p:cond delay="0"/>
+                                          </p:stCondLst>
+                                        </p:cTn>
+                                        <p:tgtEl>
+                                          <p:spTgt spid="3">
+                                            <p:txEl>
+                                              <p:pRg st="3" end="3"/>
+                                            </p:txEl>
+                                          </p:spTgt>
+                                        </p:tgtEl>
+                                        <p:attrNameLst>
+                                          <p:attrName>style.visibility</p:attrName>
+                                        </p:attrNameLst>
+                                      </p:cBhvr>
+                                      <p:to>
+                                        <p:strVal val="visible"/>
+                                      </p:to>
+                                    </p:set>
+                                  </p:childTnLst>
+                                </p:cTn>
+                              </p:par>
+                              <p:par>
+                                <p:cTn id="7" presetID="1" presetClass="entr" presetSubtype="0" fill="hold" nodeType="withEffect">
+                                  <p:stCondLst>
+                                    <p:cond delay="0"/>
+                                  </p:stCondLst>
+                                  <p:childTnLst>
+                                    <p:set>
+                                      <p:cBhvr>
+                                        <p:cTn id="8" dur="1" fill="hold">
+                                          <p:stCondLst>
+                                            <p:cond delay="0"/>
+                                          </p:stCondLst>
+                                        </p:cTn>
+                                        <p:tgtEl>
+                                          <p:spTgt spid="3">
+                                            <p:txEl>
+                                              <p:pRg st="4" end="4"/>
+                                            </p:txEl>
+                                          </p:spTgt>
+                                        </p:tgtEl>
+                                        <p:attrNameLst>
+                                          <p:attrName>style.visibility</p:attrName>
+                                        </p:attrNameLst>
+                                      </p:cBhvr>
+                                      <p:to>
+                                        <p:strVal val="visible"/>
+                                      </p:to>
+                                    </p:set>
+                                  </p:childTnLst>
+                                </p:cTn>
+                              </p:par>
+                              <p:par>
+                                <p:cTn id="9" presetID="1" presetClass="entr" presetSubtype="0" fill="hold" grpId="0" nodeType="withEffect">
+                                  <p:stCondLst>
+                                    <p:cond delay="0"/>
+                                  </p:stCondLst>
+                                  <p:childTnLst>
+                                    <p:set>
+                                      <p:cBhvr>
+                                        <p:cTn id="10" dur="1" fill="hold">
+                                          <p:stCondLst>
+                                            <p:cond delay="0"/>
+                                          </p:stCondLst>
+                                        </p:cTn>
+                                        <p:tgtEl>
+                                          <p:spTgt spid="6"/>
+                                        </p:tgtEl>
+                                        <p:attrNameLst>
+                                          <p:attrName>style.visibility</p:attrName>
+                                        </p:attrNameLst>
+                                      </p:cBhvr>
+                                      <p:to>
+                                        <p:strVal val="visible"/>
+                                      </p:to>
+                                    </p:set>
+                                  </p:childTnLst>
+                                </p:cTn>
+                              </p:par>
+                            </p:childTnLst>
+                          </p:cTn>
+                        </p:par>
+                      </p:childTnLst>
+                    </p:cTn>
+                  </p:par>
+                </p:childTnLst>
+              </p:cTn>
+              <p:prevCondLst>
+                <p:cond evt="onPrev" delay="0">
+                  <p:tgtEl>
+                    <p:sldTgt/>
+                  </p:tgtEl>
+                </p:cond>
+              </p:prevCondLst>
+              <p:nextCondLst>
+                <p:cond evt="onNext" delay="0">
+                  <p:tgtEl>
+                    <p:sldTgt/>
+                  </p:tgtEl>
+                </p:cond>
+              </p:nextCondLst>
+            </p:seq>
+          </p:childTnLst>
+        </p:cTn>
+      </p:par>
+    </p:tnLst>
+    <p:bldLst>
+      <p:bldP spid="6" grpId="0" animBg="1"/>
+    </p:bldLst>
+  </p:timing>
+</p:sld>
+</file>
+
+<file path=ppt/slides/slide29.xml><?xml version="1.0" encoding="utf-8"?>
+<p:sld xmlns:a="http://schemas.openxmlformats.org/drawingml/2006/main" xmlns:r="http://schemas.openxmlformats.org/officeDocument/2006/relationships" xmlns:p="http://schemas.openxmlformats.org/presentationml/2006/main">
+  <p:cSld>
+    <p:spTree>
+      <p:nvGrpSpPr>
+        <p:cNvPr id="1" name=""/>
+        <p:cNvGrpSpPr/>
+        <p:nvPr/>
+      </p:nvGrpSpPr>
+      <p:grpSpPr>
+        <a:xfrm>
+          <a:off x="0" y="0"/>
+          <a:ext cx="0" cy="0"/>
+          <a:chOff x="0" y="0"/>
+          <a:chExt cx="0" cy="0"/>
+        </a:xfrm>
+      </p:grpSpPr>
+      <p:sp>
+        <p:nvSpPr>
           <p:cNvPr id="5" name="Title 4"/>
           <p:cNvSpPr>
             <a:spLocks noGrp="1"/>
@@ -18041,7 +18870,517 @@
 </p:sld>
 </file>
 
-<file path=ppt/slides/slide29.xml><?xml version="1.0" encoding="utf-8"?>
+<file path=ppt/slides/slide3.xml><?xml version="1.0" encoding="utf-8"?>
+<p:sld xmlns:a="http://schemas.openxmlformats.org/drawingml/2006/main" xmlns:r="http://schemas.openxmlformats.org/officeDocument/2006/relationships" xmlns:p="http://schemas.openxmlformats.org/presentationml/2006/main">
+  <p:cSld>
+    <p:spTree>
+      <p:nvGrpSpPr>
+        <p:cNvPr id="1" name=""/>
+        <p:cNvGrpSpPr/>
+        <p:nvPr/>
+      </p:nvGrpSpPr>
+      <p:grpSpPr>
+        <a:xfrm>
+          <a:off x="0" y="0"/>
+          <a:ext cx="0" cy="0"/>
+          <a:chOff x="0" y="0"/>
+          <a:chExt cx="0" cy="0"/>
+        </a:xfrm>
+      </p:grpSpPr>
+      <p:sp>
+        <p:nvSpPr>
+          <p:cNvPr id="2" name="Title 1"/>
+          <p:cNvSpPr>
+            <a:spLocks noGrp="1"/>
+          </p:cNvSpPr>
+          <p:nvPr>
+            <p:ph type="title"/>
+          </p:nvPr>
+        </p:nvSpPr>
+        <p:spPr/>
+        <p:txBody>
+          <a:bodyPr/>
+          <a:lstStyle/>
+          <a:p>
+            <a:r>
+              <a:rPr lang="en-GB" dirty="0"/>
+              <a:t>Today</a:t>
+            </a:r>
+          </a:p>
+        </p:txBody>
+      </p:sp>
+      <p:sp>
+        <p:nvSpPr>
+          <p:cNvPr id="3" name="Content Placeholder 2"/>
+          <p:cNvSpPr>
+            <a:spLocks noGrp="1"/>
+          </p:cNvSpPr>
+          <p:nvPr>
+            <p:ph idx="1"/>
+          </p:nvPr>
+        </p:nvSpPr>
+        <p:spPr/>
+        <p:txBody>
+          <a:bodyPr/>
+          <a:lstStyle/>
+          <a:p>
+            <a:r>
+              <a:rPr lang="en-GB" strike="sngStrike" dirty="0">
+                <a:solidFill>
+                  <a:schemeClr val="tx1"/>
+                </a:solidFill>
+              </a:rPr>
+              <a:t>Why is my code slow? </a:t>
+            </a:r>
+          </a:p>
+          <a:p>
+            <a:pPr lvl="1"/>
+            <a:r>
+              <a:rPr lang="en-GB" b="1" strike="sngStrike" dirty="0">
+                <a:solidFill>
+                  <a:schemeClr val="tx1"/>
+                </a:solidFill>
+              </a:rPr>
+              <a:t>Empirical and complexity analysis</a:t>
+            </a:r>
+            <a:endParaRPr lang="en-GB" strike="sngStrike" dirty="0">
+              <a:solidFill>
+                <a:schemeClr val="tx1"/>
+              </a:solidFill>
+            </a:endParaRPr>
+          </a:p>
+          <a:p>
+            <a:r>
+              <a:rPr lang="en-GB" strike="sngStrike" dirty="0">
+                <a:solidFill>
+                  <a:schemeClr val="tx1"/>
+                </a:solidFill>
+              </a:rPr>
+              <a:t>How do I order my data?</a:t>
+            </a:r>
+          </a:p>
+          <a:p>
+            <a:pPr lvl="1"/>
+            <a:r>
+              <a:rPr lang="en-GB" b="1" strike="sngStrike" dirty="0">
+                <a:solidFill>
+                  <a:schemeClr val="tx1"/>
+                </a:solidFill>
+              </a:rPr>
+              <a:t>Sorting algorithms</a:t>
+            </a:r>
+          </a:p>
+          <a:p>
+            <a:r>
+              <a:rPr lang="en-GB" dirty="0">
+                <a:solidFill>
+                  <a:schemeClr val="accent1"/>
+                </a:solidFill>
+              </a:rPr>
+              <a:t>How do I structure my data?</a:t>
+            </a:r>
+          </a:p>
+          <a:p>
+            <a:pPr lvl="1"/>
+            <a:r>
+              <a:rPr lang="en-GB" sz="1800" b="1" dirty="0">
+                <a:solidFill>
+                  <a:schemeClr val="accent1"/>
+                </a:solidFill>
+              </a:rPr>
+              <a:t>Linear, tabular, recursive data structures</a:t>
+            </a:r>
+          </a:p>
+          <a:p>
+            <a:r>
+              <a:rPr lang="en-GB" dirty="0"/>
+              <a:t>How do I represent relationship networks?</a:t>
+            </a:r>
+          </a:p>
+          <a:p>
+            <a:pPr lvl="1"/>
+            <a:r>
+              <a:rPr lang="en-GB" b="1" dirty="0"/>
+              <a:t>Graphs</a:t>
+            </a:r>
+          </a:p>
+          <a:p>
+            <a:endParaRPr lang="en-GB" b="1" dirty="0"/>
+          </a:p>
+          <a:p>
+            <a:endParaRPr lang="en-GB" dirty="0"/>
+          </a:p>
+        </p:txBody>
+      </p:sp>
+      <p:sp>
+        <p:nvSpPr>
+          <p:cNvPr id="4" name="Footer Placeholder 3"/>
+          <p:cNvSpPr>
+            <a:spLocks noGrp="1"/>
+          </p:cNvSpPr>
+          <p:nvPr>
+            <p:ph type="ftr" sz="quarter" idx="11"/>
+          </p:nvPr>
+        </p:nvSpPr>
+        <p:spPr/>
+        <p:txBody>
+          <a:bodyPr/>
+          <a:lstStyle/>
+          <a:p>
+            <a:r>
+              <a:rPr lang="it-IT"/>
+              <a:t>INFDEV036A - G. Costantini, F. Di Giacomo</a:t>
+            </a:r>
+            <a:endParaRPr lang="en-GB" dirty="0"/>
+          </a:p>
+        </p:txBody>
+      </p:sp>
+      <p:pic>
+        <p:nvPicPr>
+          <p:cNvPr id="5" name="Picture 2" descr="http://comps.canstockphoto.com/can-stock-photo_csp11512262.jpg"/>
+          <p:cNvPicPr>
+            <a:picLocks noChangeAspect="1" noChangeArrowheads="1"/>
+          </p:cNvPicPr>
+          <p:nvPr/>
+        </p:nvPicPr>
+        <p:blipFill rotWithShape="1">
+          <a:blip r:embed="rId3">
+            <a:extLst>
+              <a:ext uri="{28A0092B-C50C-407E-A947-70E740481C1C}">
+                <a14:useLocalDpi xmlns:a14="http://schemas.microsoft.com/office/drawing/2010/main" val="0"/>
+              </a:ext>
+            </a:extLst>
+          </a:blip>
+          <a:srcRect b="72230"/>
+          <a:stretch/>
+        </p:blipFill>
+        <p:spPr bwMode="auto">
+          <a:xfrm>
+            <a:off x="4525680" y="352589"/>
+            <a:ext cx="3723736" cy="1080023"/>
+          </a:xfrm>
+          <a:prstGeom prst="rect">
+            <a:avLst/>
+          </a:prstGeom>
+          <a:noFill/>
+          <a:extLst>
+            <a:ext uri="{909E8E84-426E-40DD-AFC4-6F175D3DCCD1}">
+              <a14:hiddenFill xmlns:a14="http://schemas.microsoft.com/office/drawing/2010/main">
+                <a:solidFill>
+                  <a:srgbClr val="FFFFFF"/>
+                </a:solidFill>
+              </a14:hiddenFill>
+            </a:ext>
+          </a:extLst>
+        </p:spPr>
+      </p:pic>
+      <p:pic>
+        <p:nvPicPr>
+          <p:cNvPr id="6" name="Picture 4" descr="http://www.clipartbest.com/cliparts/ncX/Eo7/ncXEo7pcB.jpeg"/>
+          <p:cNvPicPr>
+            <a:picLocks noChangeAspect="1" noChangeArrowheads="1"/>
+          </p:cNvPicPr>
+          <p:nvPr/>
+        </p:nvPicPr>
+        <p:blipFill>
+          <a:blip r:embed="rId4" cstate="print">
+            <a:extLst>
+              <a:ext uri="{28A0092B-C50C-407E-A947-70E740481C1C}">
+                <a14:useLocalDpi xmlns:a14="http://schemas.microsoft.com/office/drawing/2010/main" val="0"/>
+              </a:ext>
+            </a:extLst>
+          </a:blip>
+          <a:srcRect/>
+          <a:stretch>
+            <a:fillRect/>
+          </a:stretch>
+        </p:blipFill>
+        <p:spPr bwMode="auto">
+          <a:xfrm>
+            <a:off x="7094153" y="2899670"/>
+            <a:ext cx="1540679" cy="1679214"/>
+          </a:xfrm>
+          <a:prstGeom prst="rect">
+            <a:avLst/>
+          </a:prstGeom>
+          <a:noFill/>
+          <a:extLst>
+            <a:ext uri="{909E8E84-426E-40DD-AFC4-6F175D3DCCD1}">
+              <a14:hiddenFill xmlns:a14="http://schemas.microsoft.com/office/drawing/2010/main">
+                <a:solidFill>
+                  <a:srgbClr val="FFFFFF"/>
+                </a:solidFill>
+              </a14:hiddenFill>
+            </a:ext>
+          </a:extLst>
+        </p:spPr>
+      </p:pic>
+      <p:pic>
+        <p:nvPicPr>
+          <p:cNvPr id="7" name="Picture 6" descr="https://encrypted-tbn1.gstatic.com/images?q=tbn:ANd9GcTJoQ2BJE0xuStI1NX9PgG7505-Y-0dbr8Sr1bfNl2CzezjDpw1"/>
+          <p:cNvPicPr>
+            <a:picLocks noChangeAspect="1" noChangeArrowheads="1"/>
+          </p:cNvPicPr>
+          <p:nvPr/>
+        </p:nvPicPr>
+        <p:blipFill>
+          <a:blip r:embed="rId5">
+            <a:extLst>
+              <a:ext uri="{28A0092B-C50C-407E-A947-70E740481C1C}">
+                <a14:useLocalDpi xmlns:a14="http://schemas.microsoft.com/office/drawing/2010/main" val="0"/>
+              </a:ext>
+            </a:extLst>
+          </a:blip>
+          <a:srcRect/>
+          <a:stretch>
+            <a:fillRect/>
+          </a:stretch>
+        </p:blipFill>
+        <p:spPr bwMode="auto">
+          <a:xfrm>
+            <a:off x="9184232" y="428288"/>
+            <a:ext cx="2157862" cy="1527475"/>
+          </a:xfrm>
+          <a:prstGeom prst="rect">
+            <a:avLst/>
+          </a:prstGeom>
+          <a:noFill/>
+          <a:extLst>
+            <a:ext uri="{909E8E84-426E-40DD-AFC4-6F175D3DCCD1}">
+              <a14:hiddenFill xmlns:a14="http://schemas.microsoft.com/office/drawing/2010/main">
+                <a:solidFill>
+                  <a:srgbClr val="FFFFFF"/>
+                </a:solidFill>
+              </a14:hiddenFill>
+            </a:ext>
+          </a:extLst>
+        </p:spPr>
+      </p:pic>
+      <p:sp>
+        <p:nvSpPr>
+          <p:cNvPr id="8" name="TextBox 7"/>
+          <p:cNvSpPr txBox="1"/>
+          <p:nvPr/>
+        </p:nvSpPr>
+        <p:spPr>
+          <a:xfrm>
+            <a:off x="5552686" y="1586431"/>
+            <a:ext cx="1526313" cy="369332"/>
+          </a:xfrm>
+          <a:prstGeom prst="rect">
+            <a:avLst/>
+          </a:prstGeom>
+        </p:spPr>
+        <p:style>
+          <a:lnRef idx="1">
+            <a:schemeClr val="accent1"/>
+          </a:lnRef>
+          <a:fillRef idx="2">
+            <a:schemeClr val="accent1"/>
+          </a:fillRef>
+          <a:effectRef idx="1">
+            <a:schemeClr val="accent1"/>
+          </a:effectRef>
+          <a:fontRef idx="minor">
+            <a:schemeClr val="dk1"/>
+          </a:fontRef>
+        </p:style>
+        <p:txBody>
+          <a:bodyPr wrap="square" rtlCol="0">
+            <a:spAutoFit/>
+          </a:bodyPr>
+          <a:lstStyle/>
+          <a:p>
+            <a:pPr algn="ctr"/>
+            <a:r>
+              <a:rPr lang="en-GB" dirty="0"/>
+              <a:t>LIST</a:t>
+            </a:r>
+          </a:p>
+        </p:txBody>
+      </p:sp>
+      <p:sp>
+        <p:nvSpPr>
+          <p:cNvPr id="9" name="TextBox 8"/>
+          <p:cNvSpPr txBox="1"/>
+          <p:nvPr/>
+        </p:nvSpPr>
+        <p:spPr>
+          <a:xfrm>
+            <a:off x="7078999" y="4587973"/>
+            <a:ext cx="1526313" cy="369332"/>
+          </a:xfrm>
+          <a:prstGeom prst="rect">
+            <a:avLst/>
+          </a:prstGeom>
+        </p:spPr>
+        <p:style>
+          <a:lnRef idx="1">
+            <a:schemeClr val="accent1"/>
+          </a:lnRef>
+          <a:fillRef idx="2">
+            <a:schemeClr val="accent1"/>
+          </a:fillRef>
+          <a:effectRef idx="1">
+            <a:schemeClr val="accent1"/>
+          </a:effectRef>
+          <a:fontRef idx="minor">
+            <a:schemeClr val="dk1"/>
+          </a:fontRef>
+        </p:style>
+        <p:txBody>
+          <a:bodyPr wrap="square" rtlCol="0">
+            <a:spAutoFit/>
+          </a:bodyPr>
+          <a:lstStyle/>
+          <a:p>
+            <a:pPr algn="ctr"/>
+            <a:r>
+              <a:rPr lang="en-GB" dirty="0"/>
+              <a:t>STACK</a:t>
+            </a:r>
+          </a:p>
+        </p:txBody>
+      </p:sp>
+      <p:sp>
+        <p:nvSpPr>
+          <p:cNvPr id="10" name="TextBox 9"/>
+          <p:cNvSpPr txBox="1"/>
+          <p:nvPr/>
+        </p:nvSpPr>
+        <p:spPr>
+          <a:xfrm>
+            <a:off x="9536094" y="2032241"/>
+            <a:ext cx="1526313" cy="369332"/>
+          </a:xfrm>
+          <a:prstGeom prst="rect">
+            <a:avLst/>
+          </a:prstGeom>
+        </p:spPr>
+        <p:style>
+          <a:lnRef idx="1">
+            <a:schemeClr val="accent1"/>
+          </a:lnRef>
+          <a:fillRef idx="2">
+            <a:schemeClr val="accent1"/>
+          </a:fillRef>
+          <a:effectRef idx="1">
+            <a:schemeClr val="accent1"/>
+          </a:effectRef>
+          <a:fontRef idx="minor">
+            <a:schemeClr val="dk1"/>
+          </a:fontRef>
+        </p:style>
+        <p:txBody>
+          <a:bodyPr wrap="square" rtlCol="0">
+            <a:spAutoFit/>
+          </a:bodyPr>
+          <a:lstStyle/>
+          <a:p>
+            <a:pPr algn="ctr"/>
+            <a:r>
+              <a:rPr lang="en-GB" dirty="0"/>
+              <a:t>QUEUE</a:t>
+            </a:r>
+          </a:p>
+        </p:txBody>
+      </p:sp>
+      <p:pic>
+        <p:nvPicPr>
+          <p:cNvPr id="11" name="Picture 2" descr="http://s.s-bol.com/imgbase0/imagebase/large/FC/8/7/9/0/1001004002820978.jpg"/>
+          <p:cNvPicPr>
+            <a:picLocks noChangeAspect="1" noChangeArrowheads="1"/>
+          </p:cNvPicPr>
+          <p:nvPr/>
+        </p:nvPicPr>
+        <p:blipFill rotWithShape="1">
+          <a:blip r:embed="rId6" cstate="print">
+            <a:extLst>
+              <a:ext uri="{28A0092B-C50C-407E-A947-70E740481C1C}">
+                <a14:useLocalDpi xmlns:a14="http://schemas.microsoft.com/office/drawing/2010/main" val="0"/>
+              </a:ext>
+            </a:extLst>
+          </a:blip>
+          <a:srcRect l="10902"/>
+          <a:stretch/>
+        </p:blipFill>
+        <p:spPr bwMode="auto">
+          <a:xfrm>
+            <a:off x="9413629" y="4024111"/>
+            <a:ext cx="1487154" cy="1866388"/>
+          </a:xfrm>
+          <a:prstGeom prst="rect">
+            <a:avLst/>
+          </a:prstGeom>
+          <a:noFill/>
+          <a:extLst>
+            <a:ext uri="{909E8E84-426E-40DD-AFC4-6F175D3DCCD1}">
+              <a14:hiddenFill xmlns:a14="http://schemas.microsoft.com/office/drawing/2010/main">
+                <a:solidFill>
+                  <a:srgbClr val="FFFFFF"/>
+                </a:solidFill>
+              </a14:hiddenFill>
+            </a:ext>
+          </a:extLst>
+        </p:spPr>
+      </p:pic>
+      <p:sp>
+        <p:nvSpPr>
+          <p:cNvPr id="12" name="TextBox 9"/>
+          <p:cNvSpPr txBox="1"/>
+          <p:nvPr/>
+        </p:nvSpPr>
+        <p:spPr>
+          <a:xfrm>
+            <a:off x="9536094" y="6008192"/>
+            <a:ext cx="1526313" cy="369332"/>
+          </a:xfrm>
+          <a:prstGeom prst="rect">
+            <a:avLst/>
+          </a:prstGeom>
+        </p:spPr>
+        <p:style>
+          <a:lnRef idx="1">
+            <a:schemeClr val="accent1"/>
+          </a:lnRef>
+          <a:fillRef idx="2">
+            <a:schemeClr val="accent1"/>
+          </a:fillRef>
+          <a:effectRef idx="1">
+            <a:schemeClr val="accent1"/>
+          </a:effectRef>
+          <a:fontRef idx="minor">
+            <a:schemeClr val="dk1"/>
+          </a:fontRef>
+        </p:style>
+        <p:txBody>
+          <a:bodyPr wrap="square" rtlCol="0">
+            <a:spAutoFit/>
+          </a:bodyPr>
+          <a:lstStyle/>
+          <a:p>
+            <a:pPr algn="ctr"/>
+            <a:r>
+              <a:rPr lang="en-GB" dirty="0"/>
+              <a:t>HASH TABLE</a:t>
+            </a:r>
+          </a:p>
+        </p:txBody>
+      </p:sp>
+    </p:spTree>
+    <p:extLst>
+      <p:ext uri="{BB962C8B-B14F-4D97-AF65-F5344CB8AC3E}">
+        <p14:creationId xmlns:p14="http://schemas.microsoft.com/office/powerpoint/2010/main" val="3387586650"/>
+      </p:ext>
+    </p:extLst>
+  </p:cSld>
+  <p:clrMapOvr>
+    <a:masterClrMapping/>
+  </p:clrMapOvr>
+</p:sld>
+</file>
+
+<file path=ppt/slides/slide30.xml><?xml version="1.0" encoding="utf-8"?>
 <p:sld xmlns:a="http://schemas.openxmlformats.org/drawingml/2006/main" xmlns:r="http://schemas.openxmlformats.org/officeDocument/2006/relationships" xmlns:p="http://schemas.openxmlformats.org/presentationml/2006/main">
   <p:cSld>
     <p:spTree>
@@ -18546,517 +19885,7 @@
 </p:sld>
 </file>
 
-<file path=ppt/slides/slide3.xml><?xml version="1.0" encoding="utf-8"?>
-<p:sld xmlns:a="http://schemas.openxmlformats.org/drawingml/2006/main" xmlns:r="http://schemas.openxmlformats.org/officeDocument/2006/relationships" xmlns:p="http://schemas.openxmlformats.org/presentationml/2006/main">
-  <p:cSld>
-    <p:spTree>
-      <p:nvGrpSpPr>
-        <p:cNvPr id="1" name=""/>
-        <p:cNvGrpSpPr/>
-        <p:nvPr/>
-      </p:nvGrpSpPr>
-      <p:grpSpPr>
-        <a:xfrm>
-          <a:off x="0" y="0"/>
-          <a:ext cx="0" cy="0"/>
-          <a:chOff x="0" y="0"/>
-          <a:chExt cx="0" cy="0"/>
-        </a:xfrm>
-      </p:grpSpPr>
-      <p:sp>
-        <p:nvSpPr>
-          <p:cNvPr id="2" name="Title 1"/>
-          <p:cNvSpPr>
-            <a:spLocks noGrp="1"/>
-          </p:cNvSpPr>
-          <p:nvPr>
-            <p:ph type="title"/>
-          </p:nvPr>
-        </p:nvSpPr>
-        <p:spPr/>
-        <p:txBody>
-          <a:bodyPr/>
-          <a:lstStyle/>
-          <a:p>
-            <a:r>
-              <a:rPr lang="en-GB" dirty="0"/>
-              <a:t>Today</a:t>
-            </a:r>
-          </a:p>
-        </p:txBody>
-      </p:sp>
-      <p:sp>
-        <p:nvSpPr>
-          <p:cNvPr id="3" name="Content Placeholder 2"/>
-          <p:cNvSpPr>
-            <a:spLocks noGrp="1"/>
-          </p:cNvSpPr>
-          <p:nvPr>
-            <p:ph idx="1"/>
-          </p:nvPr>
-        </p:nvSpPr>
-        <p:spPr/>
-        <p:txBody>
-          <a:bodyPr/>
-          <a:lstStyle/>
-          <a:p>
-            <a:r>
-              <a:rPr lang="en-GB" strike="sngStrike" dirty="0">
-                <a:solidFill>
-                  <a:schemeClr val="tx1"/>
-                </a:solidFill>
-              </a:rPr>
-              <a:t>Why is my code slow? </a:t>
-            </a:r>
-          </a:p>
-          <a:p>
-            <a:pPr lvl="1"/>
-            <a:r>
-              <a:rPr lang="en-GB" b="1" strike="sngStrike" dirty="0">
-                <a:solidFill>
-                  <a:schemeClr val="tx1"/>
-                </a:solidFill>
-              </a:rPr>
-              <a:t>Empirical and complexity analysis</a:t>
-            </a:r>
-            <a:endParaRPr lang="en-GB" strike="sngStrike" dirty="0">
-              <a:solidFill>
-                <a:schemeClr val="tx1"/>
-              </a:solidFill>
-            </a:endParaRPr>
-          </a:p>
-          <a:p>
-            <a:r>
-              <a:rPr lang="en-GB" strike="sngStrike" dirty="0">
-                <a:solidFill>
-                  <a:schemeClr val="tx1"/>
-                </a:solidFill>
-              </a:rPr>
-              <a:t>How do I order my data?</a:t>
-            </a:r>
-          </a:p>
-          <a:p>
-            <a:pPr lvl="1"/>
-            <a:r>
-              <a:rPr lang="en-GB" b="1" strike="sngStrike" dirty="0">
-                <a:solidFill>
-                  <a:schemeClr val="tx1"/>
-                </a:solidFill>
-              </a:rPr>
-              <a:t>Sorting algorithms</a:t>
-            </a:r>
-          </a:p>
-          <a:p>
-            <a:r>
-              <a:rPr lang="en-GB" dirty="0">
-                <a:solidFill>
-                  <a:schemeClr val="accent1"/>
-                </a:solidFill>
-              </a:rPr>
-              <a:t>How do I structure my data?</a:t>
-            </a:r>
-          </a:p>
-          <a:p>
-            <a:pPr lvl="1"/>
-            <a:r>
-              <a:rPr lang="en-GB" sz="1800" b="1" dirty="0">
-                <a:solidFill>
-                  <a:schemeClr val="accent1"/>
-                </a:solidFill>
-              </a:rPr>
-              <a:t>Linear, tabular, recursive data structures</a:t>
-            </a:r>
-          </a:p>
-          <a:p>
-            <a:r>
-              <a:rPr lang="en-GB" dirty="0"/>
-              <a:t>How do I represent relationship networks?</a:t>
-            </a:r>
-          </a:p>
-          <a:p>
-            <a:pPr lvl="1"/>
-            <a:r>
-              <a:rPr lang="en-GB" b="1" dirty="0"/>
-              <a:t>Graphs</a:t>
-            </a:r>
-          </a:p>
-          <a:p>
-            <a:endParaRPr lang="en-GB" b="1" dirty="0"/>
-          </a:p>
-          <a:p>
-            <a:endParaRPr lang="en-GB" dirty="0"/>
-          </a:p>
-        </p:txBody>
-      </p:sp>
-      <p:sp>
-        <p:nvSpPr>
-          <p:cNvPr id="4" name="Footer Placeholder 3"/>
-          <p:cNvSpPr>
-            <a:spLocks noGrp="1"/>
-          </p:cNvSpPr>
-          <p:nvPr>
-            <p:ph type="ftr" sz="quarter" idx="11"/>
-          </p:nvPr>
-        </p:nvSpPr>
-        <p:spPr/>
-        <p:txBody>
-          <a:bodyPr/>
-          <a:lstStyle/>
-          <a:p>
-            <a:r>
-              <a:rPr lang="it-IT"/>
-              <a:t>INFDEV036A - G. Costantini, F. Di Giacomo</a:t>
-            </a:r>
-            <a:endParaRPr lang="en-GB" dirty="0"/>
-          </a:p>
-        </p:txBody>
-      </p:sp>
-      <p:pic>
-        <p:nvPicPr>
-          <p:cNvPr id="5" name="Picture 2" descr="http://comps.canstockphoto.com/can-stock-photo_csp11512262.jpg"/>
-          <p:cNvPicPr>
-            <a:picLocks noChangeAspect="1" noChangeArrowheads="1"/>
-          </p:cNvPicPr>
-          <p:nvPr/>
-        </p:nvPicPr>
-        <p:blipFill rotWithShape="1">
-          <a:blip r:embed="rId3">
-            <a:extLst>
-              <a:ext uri="{28A0092B-C50C-407E-A947-70E740481C1C}">
-                <a14:useLocalDpi xmlns:a14="http://schemas.microsoft.com/office/drawing/2010/main" val="0"/>
-              </a:ext>
-            </a:extLst>
-          </a:blip>
-          <a:srcRect b="72230"/>
-          <a:stretch/>
-        </p:blipFill>
-        <p:spPr bwMode="auto">
-          <a:xfrm>
-            <a:off x="4525680" y="352589"/>
-            <a:ext cx="3723736" cy="1080023"/>
-          </a:xfrm>
-          <a:prstGeom prst="rect">
-            <a:avLst/>
-          </a:prstGeom>
-          <a:noFill/>
-          <a:extLst>
-            <a:ext uri="{909E8E84-426E-40DD-AFC4-6F175D3DCCD1}">
-              <a14:hiddenFill xmlns:a14="http://schemas.microsoft.com/office/drawing/2010/main">
-                <a:solidFill>
-                  <a:srgbClr val="FFFFFF"/>
-                </a:solidFill>
-              </a14:hiddenFill>
-            </a:ext>
-          </a:extLst>
-        </p:spPr>
-      </p:pic>
-      <p:pic>
-        <p:nvPicPr>
-          <p:cNvPr id="6" name="Picture 4" descr="http://www.clipartbest.com/cliparts/ncX/Eo7/ncXEo7pcB.jpeg"/>
-          <p:cNvPicPr>
-            <a:picLocks noChangeAspect="1" noChangeArrowheads="1"/>
-          </p:cNvPicPr>
-          <p:nvPr/>
-        </p:nvPicPr>
-        <p:blipFill>
-          <a:blip r:embed="rId4" cstate="print">
-            <a:extLst>
-              <a:ext uri="{28A0092B-C50C-407E-A947-70E740481C1C}">
-                <a14:useLocalDpi xmlns:a14="http://schemas.microsoft.com/office/drawing/2010/main" val="0"/>
-              </a:ext>
-            </a:extLst>
-          </a:blip>
-          <a:srcRect/>
-          <a:stretch>
-            <a:fillRect/>
-          </a:stretch>
-        </p:blipFill>
-        <p:spPr bwMode="auto">
-          <a:xfrm>
-            <a:off x="7094153" y="2899670"/>
-            <a:ext cx="1540679" cy="1679214"/>
-          </a:xfrm>
-          <a:prstGeom prst="rect">
-            <a:avLst/>
-          </a:prstGeom>
-          <a:noFill/>
-          <a:extLst>
-            <a:ext uri="{909E8E84-426E-40DD-AFC4-6F175D3DCCD1}">
-              <a14:hiddenFill xmlns:a14="http://schemas.microsoft.com/office/drawing/2010/main">
-                <a:solidFill>
-                  <a:srgbClr val="FFFFFF"/>
-                </a:solidFill>
-              </a14:hiddenFill>
-            </a:ext>
-          </a:extLst>
-        </p:spPr>
-      </p:pic>
-      <p:pic>
-        <p:nvPicPr>
-          <p:cNvPr id="7" name="Picture 6" descr="https://encrypted-tbn1.gstatic.com/images?q=tbn:ANd9GcTJoQ2BJE0xuStI1NX9PgG7505-Y-0dbr8Sr1bfNl2CzezjDpw1"/>
-          <p:cNvPicPr>
-            <a:picLocks noChangeAspect="1" noChangeArrowheads="1"/>
-          </p:cNvPicPr>
-          <p:nvPr/>
-        </p:nvPicPr>
-        <p:blipFill>
-          <a:blip r:embed="rId5">
-            <a:extLst>
-              <a:ext uri="{28A0092B-C50C-407E-A947-70E740481C1C}">
-                <a14:useLocalDpi xmlns:a14="http://schemas.microsoft.com/office/drawing/2010/main" val="0"/>
-              </a:ext>
-            </a:extLst>
-          </a:blip>
-          <a:srcRect/>
-          <a:stretch>
-            <a:fillRect/>
-          </a:stretch>
-        </p:blipFill>
-        <p:spPr bwMode="auto">
-          <a:xfrm>
-            <a:off x="9184232" y="428288"/>
-            <a:ext cx="2157862" cy="1527475"/>
-          </a:xfrm>
-          <a:prstGeom prst="rect">
-            <a:avLst/>
-          </a:prstGeom>
-          <a:noFill/>
-          <a:extLst>
-            <a:ext uri="{909E8E84-426E-40DD-AFC4-6F175D3DCCD1}">
-              <a14:hiddenFill xmlns:a14="http://schemas.microsoft.com/office/drawing/2010/main">
-                <a:solidFill>
-                  <a:srgbClr val="FFFFFF"/>
-                </a:solidFill>
-              </a14:hiddenFill>
-            </a:ext>
-          </a:extLst>
-        </p:spPr>
-      </p:pic>
-      <p:sp>
-        <p:nvSpPr>
-          <p:cNvPr id="8" name="TextBox 7"/>
-          <p:cNvSpPr txBox="1"/>
-          <p:nvPr/>
-        </p:nvSpPr>
-        <p:spPr>
-          <a:xfrm>
-            <a:off x="5552686" y="1586431"/>
-            <a:ext cx="1526313" cy="369332"/>
-          </a:xfrm>
-          <a:prstGeom prst="rect">
-            <a:avLst/>
-          </a:prstGeom>
-        </p:spPr>
-        <p:style>
-          <a:lnRef idx="1">
-            <a:schemeClr val="accent1"/>
-          </a:lnRef>
-          <a:fillRef idx="2">
-            <a:schemeClr val="accent1"/>
-          </a:fillRef>
-          <a:effectRef idx="1">
-            <a:schemeClr val="accent1"/>
-          </a:effectRef>
-          <a:fontRef idx="minor">
-            <a:schemeClr val="dk1"/>
-          </a:fontRef>
-        </p:style>
-        <p:txBody>
-          <a:bodyPr wrap="square" rtlCol="0">
-            <a:spAutoFit/>
-          </a:bodyPr>
-          <a:lstStyle/>
-          <a:p>
-            <a:pPr algn="ctr"/>
-            <a:r>
-              <a:rPr lang="en-GB" dirty="0"/>
-              <a:t>LIST</a:t>
-            </a:r>
-          </a:p>
-        </p:txBody>
-      </p:sp>
-      <p:sp>
-        <p:nvSpPr>
-          <p:cNvPr id="9" name="TextBox 8"/>
-          <p:cNvSpPr txBox="1"/>
-          <p:nvPr/>
-        </p:nvSpPr>
-        <p:spPr>
-          <a:xfrm>
-            <a:off x="7078999" y="4587973"/>
-            <a:ext cx="1526313" cy="369332"/>
-          </a:xfrm>
-          <a:prstGeom prst="rect">
-            <a:avLst/>
-          </a:prstGeom>
-        </p:spPr>
-        <p:style>
-          <a:lnRef idx="1">
-            <a:schemeClr val="accent1"/>
-          </a:lnRef>
-          <a:fillRef idx="2">
-            <a:schemeClr val="accent1"/>
-          </a:fillRef>
-          <a:effectRef idx="1">
-            <a:schemeClr val="accent1"/>
-          </a:effectRef>
-          <a:fontRef idx="minor">
-            <a:schemeClr val="dk1"/>
-          </a:fontRef>
-        </p:style>
-        <p:txBody>
-          <a:bodyPr wrap="square" rtlCol="0">
-            <a:spAutoFit/>
-          </a:bodyPr>
-          <a:lstStyle/>
-          <a:p>
-            <a:pPr algn="ctr"/>
-            <a:r>
-              <a:rPr lang="en-GB" dirty="0"/>
-              <a:t>STACK</a:t>
-            </a:r>
-          </a:p>
-        </p:txBody>
-      </p:sp>
-      <p:sp>
-        <p:nvSpPr>
-          <p:cNvPr id="10" name="TextBox 9"/>
-          <p:cNvSpPr txBox="1"/>
-          <p:nvPr/>
-        </p:nvSpPr>
-        <p:spPr>
-          <a:xfrm>
-            <a:off x="9536094" y="2032241"/>
-            <a:ext cx="1526313" cy="369332"/>
-          </a:xfrm>
-          <a:prstGeom prst="rect">
-            <a:avLst/>
-          </a:prstGeom>
-        </p:spPr>
-        <p:style>
-          <a:lnRef idx="1">
-            <a:schemeClr val="accent1"/>
-          </a:lnRef>
-          <a:fillRef idx="2">
-            <a:schemeClr val="accent1"/>
-          </a:fillRef>
-          <a:effectRef idx="1">
-            <a:schemeClr val="accent1"/>
-          </a:effectRef>
-          <a:fontRef idx="minor">
-            <a:schemeClr val="dk1"/>
-          </a:fontRef>
-        </p:style>
-        <p:txBody>
-          <a:bodyPr wrap="square" rtlCol="0">
-            <a:spAutoFit/>
-          </a:bodyPr>
-          <a:lstStyle/>
-          <a:p>
-            <a:pPr algn="ctr"/>
-            <a:r>
-              <a:rPr lang="en-GB" dirty="0"/>
-              <a:t>QUEUE</a:t>
-            </a:r>
-          </a:p>
-        </p:txBody>
-      </p:sp>
-      <p:pic>
-        <p:nvPicPr>
-          <p:cNvPr id="11" name="Picture 2" descr="http://s.s-bol.com/imgbase0/imagebase/large/FC/8/7/9/0/1001004002820978.jpg"/>
-          <p:cNvPicPr>
-            <a:picLocks noChangeAspect="1" noChangeArrowheads="1"/>
-          </p:cNvPicPr>
-          <p:nvPr/>
-        </p:nvPicPr>
-        <p:blipFill rotWithShape="1">
-          <a:blip r:embed="rId6" cstate="print">
-            <a:extLst>
-              <a:ext uri="{28A0092B-C50C-407E-A947-70E740481C1C}">
-                <a14:useLocalDpi xmlns:a14="http://schemas.microsoft.com/office/drawing/2010/main" val="0"/>
-              </a:ext>
-            </a:extLst>
-          </a:blip>
-          <a:srcRect l="10902"/>
-          <a:stretch/>
-        </p:blipFill>
-        <p:spPr bwMode="auto">
-          <a:xfrm>
-            <a:off x="9413629" y="4024111"/>
-            <a:ext cx="1487154" cy="1866388"/>
-          </a:xfrm>
-          <a:prstGeom prst="rect">
-            <a:avLst/>
-          </a:prstGeom>
-          <a:noFill/>
-          <a:extLst>
-            <a:ext uri="{909E8E84-426E-40DD-AFC4-6F175D3DCCD1}">
-              <a14:hiddenFill xmlns:a14="http://schemas.microsoft.com/office/drawing/2010/main">
-                <a:solidFill>
-                  <a:srgbClr val="FFFFFF"/>
-                </a:solidFill>
-              </a14:hiddenFill>
-            </a:ext>
-          </a:extLst>
-        </p:spPr>
-      </p:pic>
-      <p:sp>
-        <p:nvSpPr>
-          <p:cNvPr id="12" name="TextBox 9"/>
-          <p:cNvSpPr txBox="1"/>
-          <p:nvPr/>
-        </p:nvSpPr>
-        <p:spPr>
-          <a:xfrm>
-            <a:off x="9536094" y="6008192"/>
-            <a:ext cx="1526313" cy="369332"/>
-          </a:xfrm>
-          <a:prstGeom prst="rect">
-            <a:avLst/>
-          </a:prstGeom>
-        </p:spPr>
-        <p:style>
-          <a:lnRef idx="1">
-            <a:schemeClr val="accent1"/>
-          </a:lnRef>
-          <a:fillRef idx="2">
-            <a:schemeClr val="accent1"/>
-          </a:fillRef>
-          <a:effectRef idx="1">
-            <a:schemeClr val="accent1"/>
-          </a:effectRef>
-          <a:fontRef idx="minor">
-            <a:schemeClr val="dk1"/>
-          </a:fontRef>
-        </p:style>
-        <p:txBody>
-          <a:bodyPr wrap="square" rtlCol="0">
-            <a:spAutoFit/>
-          </a:bodyPr>
-          <a:lstStyle/>
-          <a:p>
-            <a:pPr algn="ctr"/>
-            <a:r>
-              <a:rPr lang="en-GB" dirty="0"/>
-              <a:t>HASH TABLE</a:t>
-            </a:r>
-          </a:p>
-        </p:txBody>
-      </p:sp>
-    </p:spTree>
-    <p:extLst>
-      <p:ext uri="{BB962C8B-B14F-4D97-AF65-F5344CB8AC3E}">
-        <p14:creationId xmlns:p14="http://schemas.microsoft.com/office/powerpoint/2010/main" val="3387586650"/>
-      </p:ext>
-    </p:extLst>
-  </p:cSld>
-  <p:clrMapOvr>
-    <a:masterClrMapping/>
-  </p:clrMapOvr>
-</p:sld>
-</file>
-
-<file path=ppt/slides/slide30.xml><?xml version="1.0" encoding="utf-8"?>
+<file path=ppt/slides/slide31.xml><?xml version="1.0" encoding="utf-8"?>
 <p:sld xmlns:a="http://schemas.openxmlformats.org/drawingml/2006/main" xmlns:r="http://schemas.openxmlformats.org/officeDocument/2006/relationships" xmlns:p="http://schemas.openxmlformats.org/presentationml/2006/main">
   <p:cSld>
     <p:spTree>
@@ -19317,7 +20146,7 @@
 </p:sld>
 </file>
 
-<file path=ppt/slides/slide31.xml><?xml version="1.0" encoding="utf-8"?>
+<file path=ppt/slides/slide32.xml><?xml version="1.0" encoding="utf-8"?>
 <p:sld xmlns:a="http://schemas.openxmlformats.org/drawingml/2006/main" xmlns:r="http://schemas.openxmlformats.org/officeDocument/2006/relationships" xmlns:p="http://schemas.openxmlformats.org/presentationml/2006/main">
   <p:cSld>
     <p:spTree>
@@ -19455,7 +20284,7 @@
 </p:sld>
 </file>
 
-<file path=ppt/slides/slide32.xml><?xml version="1.0" encoding="utf-8"?>
+<file path=ppt/slides/slide33.xml><?xml version="1.0" encoding="utf-8"?>
 <p:sld xmlns:a="http://schemas.openxmlformats.org/drawingml/2006/main" xmlns:r="http://schemas.openxmlformats.org/officeDocument/2006/relationships" xmlns:p="http://schemas.openxmlformats.org/presentationml/2006/main">
   <p:cSld>
     <p:spTree>
@@ -19859,7 +20688,7 @@
 </p:sld>
 </file>
 
-<file path=ppt/slides/slide33.xml><?xml version="1.0" encoding="utf-8"?>
+<file path=ppt/slides/slide34.xml><?xml version="1.0" encoding="utf-8"?>
 <p:sld xmlns:a="http://schemas.openxmlformats.org/drawingml/2006/main" xmlns:r="http://schemas.openxmlformats.org/officeDocument/2006/relationships" xmlns:p="http://schemas.openxmlformats.org/presentationml/2006/main">
   <p:cSld>
     <p:spTree>
@@ -20280,7 +21109,7 @@
 </p:sld>
 </file>
 
-<file path=ppt/slides/slide34.xml><?xml version="1.0" encoding="utf-8"?>
+<file path=ppt/slides/slide35.xml><?xml version="1.0" encoding="utf-8"?>
 <p:sld xmlns:a="http://schemas.openxmlformats.org/drawingml/2006/main" xmlns:r="http://schemas.openxmlformats.org/officeDocument/2006/relationships" xmlns:p="http://schemas.openxmlformats.org/presentationml/2006/main">
   <p:cSld>
     <p:spTree>
@@ -20473,10 +21302,182 @@
   <p:clrMapOvr>
     <a:masterClrMapping/>
   </p:clrMapOvr>
+  <p:timing>
+    <p:tnLst>
+      <p:par>
+        <p:cTn id="1" dur="indefinite" restart="never" nodeType="tmRoot">
+          <p:childTnLst>
+            <p:seq concurrent="1" nextAc="seek">
+              <p:cTn id="2" dur="indefinite" nodeType="mainSeq">
+                <p:childTnLst>
+                  <p:par>
+                    <p:cTn id="3" fill="hold">
+                      <p:stCondLst>
+                        <p:cond delay="indefinite"/>
+                      </p:stCondLst>
+                      <p:childTnLst>
+                        <p:par>
+                          <p:cTn id="4" fill="hold">
+                            <p:stCondLst>
+                              <p:cond delay="0"/>
+                            </p:stCondLst>
+                            <p:childTnLst>
+                              <p:par>
+                                <p:cTn id="5" presetID="1" presetClass="entr" presetSubtype="0" fill="hold" nodeType="clickEffect">
+                                  <p:stCondLst>
+                                    <p:cond delay="0"/>
+                                  </p:stCondLst>
+                                  <p:childTnLst>
+                                    <p:set>
+                                      <p:cBhvr>
+                                        <p:cTn id="6" dur="1" fill="hold">
+                                          <p:stCondLst>
+                                            <p:cond delay="0"/>
+                                          </p:stCondLst>
+                                        </p:cTn>
+                                        <p:tgtEl>
+                                          <p:spTgt spid="3">
+                                            <p:txEl>
+                                              <p:pRg st="1" end="1"/>
+                                            </p:txEl>
+                                          </p:spTgt>
+                                        </p:tgtEl>
+                                        <p:attrNameLst>
+                                          <p:attrName>style.visibility</p:attrName>
+                                        </p:attrNameLst>
+                                      </p:cBhvr>
+                                      <p:to>
+                                        <p:strVal val="visible"/>
+                                      </p:to>
+                                    </p:set>
+                                  </p:childTnLst>
+                                </p:cTn>
+                              </p:par>
+                              <p:par>
+                                <p:cTn id="7" presetID="1" presetClass="entr" presetSubtype="0" fill="hold" nodeType="withEffect">
+                                  <p:stCondLst>
+                                    <p:cond delay="0"/>
+                                  </p:stCondLst>
+                                  <p:childTnLst>
+                                    <p:set>
+                                      <p:cBhvr>
+                                        <p:cTn id="8" dur="1" fill="hold">
+                                          <p:stCondLst>
+                                            <p:cond delay="0"/>
+                                          </p:stCondLst>
+                                        </p:cTn>
+                                        <p:tgtEl>
+                                          <p:spTgt spid="3">
+                                            <p:txEl>
+                                              <p:pRg st="2" end="2"/>
+                                            </p:txEl>
+                                          </p:spTgt>
+                                        </p:tgtEl>
+                                        <p:attrNameLst>
+                                          <p:attrName>style.visibility</p:attrName>
+                                        </p:attrNameLst>
+                                      </p:cBhvr>
+                                      <p:to>
+                                        <p:strVal val="visible"/>
+                                      </p:to>
+                                    </p:set>
+                                  </p:childTnLst>
+                                </p:cTn>
+                              </p:par>
+                              <p:par>
+                                <p:cTn id="9" presetID="1" presetClass="entr" presetSubtype="0" fill="hold" nodeType="withEffect">
+                                  <p:stCondLst>
+                                    <p:cond delay="0"/>
+                                  </p:stCondLst>
+                                  <p:childTnLst>
+                                    <p:set>
+                                      <p:cBhvr>
+                                        <p:cTn id="10" dur="1" fill="hold">
+                                          <p:stCondLst>
+                                            <p:cond delay="0"/>
+                                          </p:stCondLst>
+                                        </p:cTn>
+                                        <p:tgtEl>
+                                          <p:spTgt spid="3">
+                                            <p:txEl>
+                                              <p:pRg st="3" end="3"/>
+                                            </p:txEl>
+                                          </p:spTgt>
+                                        </p:tgtEl>
+                                        <p:attrNameLst>
+                                          <p:attrName>style.visibility</p:attrName>
+                                        </p:attrNameLst>
+                                      </p:cBhvr>
+                                      <p:to>
+                                        <p:strVal val="visible"/>
+                                      </p:to>
+                                    </p:set>
+                                  </p:childTnLst>
+                                </p:cTn>
+                              </p:par>
+                              <p:par>
+                                <p:cTn id="11" presetID="1" presetClass="entr" presetSubtype="0" fill="hold" nodeType="withEffect">
+                                  <p:stCondLst>
+                                    <p:cond delay="0"/>
+                                  </p:stCondLst>
+                                  <p:childTnLst>
+                                    <p:set>
+                                      <p:cBhvr>
+                                        <p:cTn id="12" dur="1" fill="hold">
+                                          <p:stCondLst>
+                                            <p:cond delay="0"/>
+                                          </p:stCondLst>
+                                        </p:cTn>
+                                        <p:tgtEl>
+                                          <p:spTgt spid="3">
+                                            <p:txEl>
+                                              <p:pRg st="4" end="4"/>
+                                            </p:txEl>
+                                          </p:spTgt>
+                                        </p:tgtEl>
+                                        <p:attrNameLst>
+                                          <p:attrName>style.visibility</p:attrName>
+                                        </p:attrNameLst>
+                                      </p:cBhvr>
+                                      <p:to>
+                                        <p:strVal val="visible"/>
+                                      </p:to>
+                                    </p:set>
+                                  </p:childTnLst>
+                                </p:cTn>
+                              </p:par>
+                            </p:childTnLst>
+                          </p:cTn>
+                        </p:par>
+                      </p:childTnLst>
+                    </p:cTn>
+                  </p:par>
+                </p:childTnLst>
+              </p:cTn>
+              <p:prevCondLst>
+                <p:cond evt="onPrev" delay="0">
+                  <p:tgtEl>
+                    <p:sldTgt/>
+                  </p:tgtEl>
+                </p:cond>
+              </p:prevCondLst>
+              <p:nextCondLst>
+                <p:cond evt="onNext" delay="0">
+                  <p:tgtEl>
+                    <p:sldTgt/>
+                  </p:tgtEl>
+                </p:cond>
+              </p:nextCondLst>
+            </p:seq>
+          </p:childTnLst>
+        </p:cTn>
+      </p:par>
+    </p:tnLst>
+  </p:timing>
 </p:sld>
 </file>
 
-<file path=ppt/slides/slide35.xml><?xml version="1.0" encoding="utf-8"?>
+<file path=ppt/slides/slide36.xml><?xml version="1.0" encoding="utf-8"?>
 <p:sld xmlns:a="http://schemas.openxmlformats.org/drawingml/2006/main" xmlns:r="http://schemas.openxmlformats.org/officeDocument/2006/relationships" xmlns:p="http://schemas.openxmlformats.org/presentationml/2006/main">
   <p:cSld>
     <p:spTree>
@@ -20822,7 +21823,843 @@
 </p:sld>
 </file>
 
-<file path=ppt/slides/slide36.xml><?xml version="1.0" encoding="utf-8"?>
+<file path=ppt/slides/slide37.xml><?xml version="1.0" encoding="utf-8"?>
+<p:sld xmlns:a="http://schemas.openxmlformats.org/drawingml/2006/main" xmlns:r="http://schemas.openxmlformats.org/officeDocument/2006/relationships" xmlns:p="http://schemas.openxmlformats.org/presentationml/2006/main">
+  <p:cSld>
+    <p:spTree>
+      <p:nvGrpSpPr>
+        <p:cNvPr id="1" name=""/>
+        <p:cNvGrpSpPr/>
+        <p:nvPr/>
+      </p:nvGrpSpPr>
+      <p:grpSpPr>
+        <a:xfrm>
+          <a:off x="0" y="0"/>
+          <a:ext cx="0" cy="0"/>
+          <a:chOff x="0" y="0"/>
+          <a:chExt cx="0" cy="0"/>
+        </a:xfrm>
+      </p:grpSpPr>
+      <p:sp>
+        <p:nvSpPr>
+          <p:cNvPr id="2" name="Titel 1">
+            <a:extLst>
+              <a:ext uri="{FF2B5EF4-FFF2-40B4-BE49-F238E27FC236}">
+                <a16:creationId xmlns:a16="http://schemas.microsoft.com/office/drawing/2014/main" id="{BD8996C4-06AE-4B66-A419-6CB10539DB3C}"/>
+              </a:ext>
+            </a:extLst>
+          </p:cNvPr>
+          <p:cNvSpPr>
+            <a:spLocks noGrp="1"/>
+          </p:cNvSpPr>
+          <p:nvPr>
+            <p:ph type="title"/>
+          </p:nvPr>
+        </p:nvSpPr>
+        <p:spPr/>
+        <p:txBody>
+          <a:bodyPr/>
+          <a:lstStyle/>
+          <a:p>
+            <a:r>
+              <a:rPr lang="nl-NL" dirty="0"/>
+              <a:t>Queue – </a:t>
+            </a:r>
+            <a:r>
+              <a:rPr lang="nl-NL" dirty="0" err="1"/>
+              <a:t>Exercise</a:t>
+            </a:r>
+            <a:endParaRPr lang="nl-NL" dirty="0"/>
+          </a:p>
+        </p:txBody>
+      </p:sp>
+      <p:sp>
+        <p:nvSpPr>
+          <p:cNvPr id="3" name="Tijdelijke aanduiding voor inhoud 2">
+            <a:extLst>
+              <a:ext uri="{FF2B5EF4-FFF2-40B4-BE49-F238E27FC236}">
+                <a16:creationId xmlns:a16="http://schemas.microsoft.com/office/drawing/2014/main" id="{46F8762D-DB74-48F8-837D-D11FB4452E1D}"/>
+              </a:ext>
+            </a:extLst>
+          </p:cNvPr>
+          <p:cNvSpPr>
+            <a:spLocks noGrp="1"/>
+          </p:cNvSpPr>
+          <p:nvPr>
+            <p:ph idx="1"/>
+          </p:nvPr>
+        </p:nvSpPr>
+        <p:spPr>
+          <a:xfrm>
+            <a:off x="677334" y="2160589"/>
+            <a:ext cx="9072456" cy="3880773"/>
+          </a:xfrm>
+        </p:spPr>
+        <p:txBody>
+          <a:bodyPr/>
+          <a:lstStyle/>
+          <a:p>
+            <a:r>
+              <a:rPr lang="nl-NL" dirty="0" err="1"/>
+              <a:t>What</a:t>
+            </a:r>
+            <a:r>
+              <a:rPr lang="nl-NL" dirty="0"/>
+              <a:t> is </a:t>
+            </a:r>
+            <a:r>
+              <a:rPr lang="nl-NL" dirty="0" err="1"/>
+              <a:t>the</a:t>
+            </a:r>
+            <a:r>
+              <a:rPr lang="nl-NL" dirty="0"/>
+              <a:t> content of </a:t>
+            </a:r>
+            <a:r>
+              <a:rPr lang="nl-NL" dirty="0" err="1"/>
+              <a:t>the</a:t>
+            </a:r>
+            <a:r>
+              <a:rPr lang="nl-NL" dirty="0"/>
+              <a:t> queue </a:t>
+            </a:r>
+            <a:r>
+              <a:rPr lang="nl-NL" dirty="0" err="1"/>
+              <a:t>after</a:t>
+            </a:r>
+            <a:r>
+              <a:rPr lang="nl-NL" dirty="0"/>
+              <a:t> </a:t>
+            </a:r>
+            <a:r>
+              <a:rPr lang="nl-NL" dirty="0" err="1"/>
+              <a:t>executing</a:t>
+            </a:r>
+            <a:r>
+              <a:rPr lang="nl-NL" dirty="0"/>
+              <a:t> </a:t>
+            </a:r>
+            <a:r>
+              <a:rPr lang="nl-NL" dirty="0" err="1"/>
+              <a:t>all</a:t>
+            </a:r>
+            <a:r>
+              <a:rPr lang="nl-NL" dirty="0"/>
+              <a:t> </a:t>
+            </a:r>
+            <a:r>
+              <a:rPr lang="nl-NL" dirty="0" err="1"/>
+              <a:t>following</a:t>
+            </a:r>
+            <a:r>
+              <a:rPr lang="nl-NL" dirty="0"/>
+              <a:t> operations?</a:t>
+            </a:r>
+          </a:p>
+          <a:p>
+            <a:endParaRPr lang="nl-NL" dirty="0"/>
+          </a:p>
+          <a:p>
+            <a:endParaRPr lang="nl-NL" dirty="0"/>
+          </a:p>
+          <a:p>
+            <a:pPr marL="0" indent="0">
+              <a:buNone/>
+            </a:pPr>
+            <a:r>
+              <a:rPr lang="nl-NL" dirty="0"/>
+              <a:t>												</a:t>
+            </a:r>
+            <a:r>
+              <a:rPr lang="nl-NL" dirty="0" err="1"/>
+              <a:t>Answer</a:t>
+            </a:r>
+            <a:r>
+              <a:rPr lang="nl-NL" dirty="0"/>
+              <a:t>:</a:t>
+            </a:r>
+          </a:p>
+          <a:p>
+            <a:pPr marL="0" indent="0">
+              <a:buNone/>
+            </a:pPr>
+            <a:r>
+              <a:rPr lang="nl-NL" dirty="0"/>
+              <a:t>											(</a:t>
+            </a:r>
+            <a:r>
+              <a:rPr lang="nl-NL" dirty="0" err="1"/>
+              <a:t>note</a:t>
+            </a:r>
+            <a:r>
+              <a:rPr lang="nl-NL" dirty="0"/>
+              <a:t>: </a:t>
+            </a:r>
+            <a:r>
+              <a:rPr lang="nl-NL" dirty="0" err="1"/>
+              <a:t>the</a:t>
+            </a:r>
+            <a:r>
+              <a:rPr lang="nl-NL" dirty="0"/>
+              <a:t> front of </a:t>
+            </a:r>
+            <a:r>
+              <a:rPr lang="nl-NL" dirty="0" err="1"/>
+              <a:t>the</a:t>
+            </a:r>
+            <a:r>
+              <a:rPr lang="nl-NL" dirty="0"/>
+              <a:t> queue is 												  </a:t>
+            </a:r>
+            <a:r>
+              <a:rPr lang="nl-NL" dirty="0" err="1"/>
+              <a:t>written</a:t>
+            </a:r>
+            <a:r>
+              <a:rPr lang="nl-NL" dirty="0"/>
+              <a:t> at </a:t>
+            </a:r>
+            <a:r>
+              <a:rPr lang="nl-NL" dirty="0" err="1"/>
+              <a:t>the</a:t>
+            </a:r>
+            <a:r>
+              <a:rPr lang="nl-NL" dirty="0"/>
+              <a:t> </a:t>
+            </a:r>
+            <a:r>
+              <a:rPr lang="nl-NL" dirty="0" err="1"/>
+              <a:t>left</a:t>
+            </a:r>
+            <a:r>
+              <a:rPr lang="nl-NL" dirty="0"/>
+              <a:t> of </a:t>
+            </a:r>
+            <a:r>
+              <a:rPr lang="nl-NL" dirty="0" err="1"/>
+              <a:t>the</a:t>
+            </a:r>
+            <a:r>
+              <a:rPr lang="nl-NL" dirty="0"/>
+              <a:t> </a:t>
+            </a:r>
+            <a:r>
+              <a:rPr lang="nl-NL" dirty="0" err="1"/>
+              <a:t>sequence</a:t>
+            </a:r>
+            <a:r>
+              <a:rPr lang="nl-NL" dirty="0"/>
+              <a:t>)</a:t>
+            </a:r>
+          </a:p>
+          <a:p>
+            <a:pPr marL="0" indent="0">
+              <a:buNone/>
+            </a:pPr>
+            <a:endParaRPr lang="nl-NL" dirty="0"/>
+          </a:p>
+        </p:txBody>
+      </p:sp>
+      <p:sp>
+        <p:nvSpPr>
+          <p:cNvPr id="4" name="Tijdelijke aanduiding voor voettekst 3">
+            <a:extLst>
+              <a:ext uri="{FF2B5EF4-FFF2-40B4-BE49-F238E27FC236}">
+                <a16:creationId xmlns:a16="http://schemas.microsoft.com/office/drawing/2014/main" id="{5A4D50F2-CB51-4E62-9DD8-8C679C80162C}"/>
+              </a:ext>
+            </a:extLst>
+          </p:cNvPr>
+          <p:cNvSpPr>
+            <a:spLocks noGrp="1"/>
+          </p:cNvSpPr>
+          <p:nvPr>
+            <p:ph type="ftr" sz="quarter" idx="11"/>
+          </p:nvPr>
+        </p:nvSpPr>
+        <p:spPr/>
+        <p:txBody>
+          <a:bodyPr/>
+          <a:lstStyle/>
+          <a:p>
+            <a:r>
+              <a:rPr lang="it-IT" dirty="0"/>
+              <a:t>INFDEV036A - G. Costantini, F. Di Giacomo</a:t>
+            </a:r>
+            <a:endParaRPr lang="en-GB" dirty="0"/>
+          </a:p>
+        </p:txBody>
+      </p:sp>
+      <p:sp>
+        <p:nvSpPr>
+          <p:cNvPr id="5" name="Rectangle 1">
+            <a:extLst>
+              <a:ext uri="{FF2B5EF4-FFF2-40B4-BE49-F238E27FC236}">
+                <a16:creationId xmlns:a16="http://schemas.microsoft.com/office/drawing/2014/main" id="{5C683F19-FA0B-4723-89AC-7394B1171765}"/>
+              </a:ext>
+            </a:extLst>
+          </p:cNvPr>
+          <p:cNvSpPr>
+            <a:spLocks noChangeArrowheads="1"/>
+          </p:cNvSpPr>
+          <p:nvPr/>
+        </p:nvSpPr>
+        <p:spPr bwMode="auto">
+          <a:xfrm>
+            <a:off x="1497664" y="2914861"/>
+            <a:ext cx="1420334" cy="2800767"/>
+          </a:xfrm>
+          <a:prstGeom prst="rect">
+            <a:avLst/>
+          </a:prstGeom>
+          <a:ln/>
+        </p:spPr>
+        <p:style>
+          <a:lnRef idx="2">
+            <a:schemeClr val="dk1"/>
+          </a:lnRef>
+          <a:fillRef idx="1">
+            <a:schemeClr val="lt1"/>
+          </a:fillRef>
+          <a:effectRef idx="0">
+            <a:schemeClr val="dk1"/>
+          </a:effectRef>
+          <a:fontRef idx="minor">
+            <a:schemeClr val="dk1"/>
+          </a:fontRef>
+        </p:style>
+        <p:txBody>
+          <a:bodyPr vert="horz" wrap="square" lIns="91440" tIns="45720" rIns="91440" bIns="45720" numCol="1" anchor="ctr" anchorCtr="0" compatLnSpc="1">
+            <a:prstTxWarp prst="textNoShape">
+              <a:avLst/>
+            </a:prstTxWarp>
+            <a:spAutoFit/>
+          </a:bodyPr>
+          <a:lstStyle/>
+          <a:p>
+            <a:pPr marL="0" marR="0" lvl="0" indent="0" algn="l" defTabSz="914400" rtl="0" eaLnBrk="0" fontAlgn="base" latinLnBrk="0" hangingPunct="0">
+              <a:lnSpc>
+                <a:spcPct val="100000"/>
+              </a:lnSpc>
+              <a:spcBef>
+                <a:spcPct val="0"/>
+              </a:spcBef>
+              <a:spcAft>
+                <a:spcPct val="0"/>
+              </a:spcAft>
+              <a:buClrTx/>
+              <a:buSzTx/>
+              <a:buFontTx/>
+              <a:buNone/>
+              <a:tabLst/>
+            </a:pPr>
+            <a:r>
+              <a:rPr lang="en-US" altLang="en-US" sz="1600" dirty="0">
+                <a:solidFill>
+                  <a:schemeClr val="tx1"/>
+                </a:solidFill>
+                <a:latin typeface="Consolas" panose="020B0609020204030204" pitchFamily="49" charset="0"/>
+                <a:cs typeface="Consolas" panose="020B0609020204030204" pitchFamily="49" charset="0"/>
+              </a:rPr>
+              <a:t>Enqueue(3)</a:t>
+            </a:r>
+          </a:p>
+          <a:p>
+            <a:pPr lvl="0" eaLnBrk="0" fontAlgn="base" hangingPunct="0">
+              <a:spcBef>
+                <a:spcPct val="0"/>
+              </a:spcBef>
+              <a:spcAft>
+                <a:spcPct val="0"/>
+              </a:spcAft>
+            </a:pPr>
+            <a:r>
+              <a:rPr lang="en-US" altLang="en-US" sz="1600" dirty="0">
+                <a:solidFill>
+                  <a:schemeClr val="tx1"/>
+                </a:solidFill>
+                <a:latin typeface="Consolas" panose="020B0609020204030204" pitchFamily="49" charset="0"/>
+                <a:cs typeface="Consolas" panose="020B0609020204030204" pitchFamily="49" charset="0"/>
+              </a:rPr>
+              <a:t>Enqueue(5)</a:t>
+            </a:r>
+          </a:p>
+          <a:p>
+            <a:pPr lvl="0" eaLnBrk="0" fontAlgn="base" hangingPunct="0">
+              <a:spcBef>
+                <a:spcPct val="0"/>
+              </a:spcBef>
+              <a:spcAft>
+                <a:spcPct val="0"/>
+              </a:spcAft>
+            </a:pPr>
+            <a:r>
+              <a:rPr lang="en-US" altLang="en-US" sz="1600" dirty="0">
+                <a:solidFill>
+                  <a:schemeClr val="tx1"/>
+                </a:solidFill>
+                <a:latin typeface="Consolas" panose="020B0609020204030204" pitchFamily="49" charset="0"/>
+                <a:cs typeface="Consolas" panose="020B0609020204030204" pitchFamily="49" charset="0"/>
+              </a:rPr>
+              <a:t>Enqueue(1)</a:t>
+            </a:r>
+          </a:p>
+          <a:p>
+            <a:pPr marL="0" marR="0" lvl="0" indent="0" algn="l" defTabSz="914400" rtl="0" eaLnBrk="0" fontAlgn="base" latinLnBrk="0" hangingPunct="0">
+              <a:lnSpc>
+                <a:spcPct val="100000"/>
+              </a:lnSpc>
+              <a:spcBef>
+                <a:spcPct val="0"/>
+              </a:spcBef>
+              <a:spcAft>
+                <a:spcPct val="0"/>
+              </a:spcAft>
+              <a:buClrTx/>
+              <a:buSzTx/>
+              <a:buFontTx/>
+              <a:buNone/>
+              <a:tabLst/>
+            </a:pPr>
+            <a:r>
+              <a:rPr kumimoji="0" lang="en-US" altLang="en-US" sz="1600" b="0" i="0" u="none" strike="noStrike" cap="none" normalizeH="0" baseline="0" dirty="0">
+                <a:ln>
+                  <a:noFill/>
+                </a:ln>
+                <a:solidFill>
+                  <a:schemeClr val="tx1"/>
+                </a:solidFill>
+                <a:effectLst/>
+                <a:latin typeface="Consolas" panose="020B0609020204030204" pitchFamily="49" charset="0"/>
+                <a:cs typeface="Consolas" panose="020B0609020204030204" pitchFamily="49" charset="0"/>
+              </a:rPr>
+              <a:t>Dequeue()</a:t>
+            </a:r>
+          </a:p>
+          <a:p>
+            <a:pPr lvl="0" eaLnBrk="0" fontAlgn="base" hangingPunct="0">
+              <a:spcBef>
+                <a:spcPct val="0"/>
+              </a:spcBef>
+              <a:spcAft>
+                <a:spcPct val="0"/>
+              </a:spcAft>
+            </a:pPr>
+            <a:r>
+              <a:rPr lang="en-US" altLang="en-US" sz="1600" dirty="0">
+                <a:solidFill>
+                  <a:schemeClr val="tx1"/>
+                </a:solidFill>
+                <a:latin typeface="Consolas" panose="020B0609020204030204" pitchFamily="49" charset="0"/>
+                <a:cs typeface="Consolas" panose="020B0609020204030204" pitchFamily="49" charset="0"/>
+              </a:rPr>
+              <a:t>Dequeue()</a:t>
+            </a:r>
+          </a:p>
+          <a:p>
+            <a:pPr lvl="0" eaLnBrk="0" fontAlgn="base" hangingPunct="0">
+              <a:spcBef>
+                <a:spcPct val="0"/>
+              </a:spcBef>
+              <a:spcAft>
+                <a:spcPct val="0"/>
+              </a:spcAft>
+            </a:pPr>
+            <a:r>
+              <a:rPr lang="en-US" altLang="en-US" sz="1600" dirty="0">
+                <a:solidFill>
+                  <a:schemeClr val="tx1"/>
+                </a:solidFill>
+                <a:latin typeface="Consolas" panose="020B0609020204030204" pitchFamily="49" charset="0"/>
+                <a:cs typeface="Consolas" panose="020B0609020204030204" pitchFamily="49" charset="0"/>
+              </a:rPr>
+              <a:t>Enqueue</a:t>
+            </a:r>
+            <a:r>
+              <a:rPr kumimoji="0" lang="en-US" altLang="en-US" sz="1600" b="0" i="0" u="none" strike="noStrike" cap="none" normalizeH="0" baseline="0" dirty="0">
+                <a:ln>
+                  <a:noFill/>
+                </a:ln>
+                <a:solidFill>
+                  <a:schemeClr val="tx1"/>
+                </a:solidFill>
+                <a:effectLst/>
+                <a:latin typeface="Consolas" panose="020B0609020204030204" pitchFamily="49" charset="0"/>
+                <a:cs typeface="Consolas" panose="020B0609020204030204" pitchFamily="49" charset="0"/>
+              </a:rPr>
+              <a:t>(8)</a:t>
+            </a:r>
+          </a:p>
+          <a:p>
+            <a:pPr lvl="0" eaLnBrk="0" fontAlgn="base" hangingPunct="0">
+              <a:spcBef>
+                <a:spcPct val="0"/>
+              </a:spcBef>
+              <a:spcAft>
+                <a:spcPct val="0"/>
+              </a:spcAft>
+            </a:pPr>
+            <a:r>
+              <a:rPr lang="en-US" altLang="en-US" sz="1600" dirty="0">
+                <a:solidFill>
+                  <a:schemeClr val="tx1"/>
+                </a:solidFill>
+                <a:latin typeface="Consolas" panose="020B0609020204030204" pitchFamily="49" charset="0"/>
+                <a:cs typeface="Consolas" panose="020B0609020204030204" pitchFamily="49" charset="0"/>
+              </a:rPr>
+              <a:t>Dequeue()</a:t>
+            </a:r>
+          </a:p>
+          <a:p>
+            <a:pPr lvl="0" eaLnBrk="0" fontAlgn="base" hangingPunct="0">
+              <a:spcBef>
+                <a:spcPct val="0"/>
+              </a:spcBef>
+              <a:spcAft>
+                <a:spcPct val="0"/>
+              </a:spcAft>
+            </a:pPr>
+            <a:r>
+              <a:rPr lang="en-US" altLang="en-US" sz="1600" dirty="0">
+                <a:solidFill>
+                  <a:schemeClr val="tx1"/>
+                </a:solidFill>
+                <a:latin typeface="Consolas" panose="020B0609020204030204" pitchFamily="49" charset="0"/>
+                <a:cs typeface="Consolas" panose="020B0609020204030204" pitchFamily="49" charset="0"/>
+              </a:rPr>
+              <a:t>Enqueue</a:t>
+            </a:r>
+            <a:r>
+              <a:rPr kumimoji="0" lang="en-US" altLang="en-US" sz="1600" b="0" i="0" u="none" strike="noStrike" cap="none" normalizeH="0" baseline="0" dirty="0">
+                <a:ln>
+                  <a:noFill/>
+                </a:ln>
+                <a:solidFill>
+                  <a:schemeClr val="tx1"/>
+                </a:solidFill>
+                <a:effectLst/>
+                <a:latin typeface="Consolas" panose="020B0609020204030204" pitchFamily="49" charset="0"/>
+                <a:cs typeface="Consolas" panose="020B0609020204030204" pitchFamily="49" charset="0"/>
+              </a:rPr>
+              <a:t>(2)</a:t>
+            </a:r>
+          </a:p>
+          <a:p>
+            <a:pPr lvl="0" eaLnBrk="0" fontAlgn="base" hangingPunct="0">
+              <a:spcBef>
+                <a:spcPct val="0"/>
+              </a:spcBef>
+              <a:spcAft>
+                <a:spcPct val="0"/>
+              </a:spcAft>
+            </a:pPr>
+            <a:r>
+              <a:rPr lang="en-US" altLang="en-US" sz="1600" dirty="0">
+                <a:solidFill>
+                  <a:schemeClr val="tx1"/>
+                </a:solidFill>
+                <a:latin typeface="Consolas" panose="020B0609020204030204" pitchFamily="49" charset="0"/>
+                <a:cs typeface="Consolas" panose="020B0609020204030204" pitchFamily="49" charset="0"/>
+              </a:rPr>
+              <a:t>Enqueue(4)</a:t>
+            </a:r>
+          </a:p>
+          <a:p>
+            <a:pPr eaLnBrk="0" fontAlgn="base" hangingPunct="0">
+              <a:spcBef>
+                <a:spcPct val="0"/>
+              </a:spcBef>
+              <a:spcAft>
+                <a:spcPct val="0"/>
+              </a:spcAft>
+            </a:pPr>
+            <a:r>
+              <a:rPr lang="en-US" altLang="en-US" sz="1600" dirty="0">
+                <a:solidFill>
+                  <a:schemeClr val="tx1"/>
+                </a:solidFill>
+                <a:latin typeface="Consolas" panose="020B0609020204030204" pitchFamily="49" charset="0"/>
+                <a:cs typeface="Consolas" panose="020B0609020204030204" pitchFamily="49" charset="0"/>
+              </a:rPr>
+              <a:t>Dequeue()</a:t>
+            </a:r>
+          </a:p>
+          <a:p>
+            <a:pPr lvl="0" eaLnBrk="0" fontAlgn="base" hangingPunct="0">
+              <a:spcBef>
+                <a:spcPct val="0"/>
+              </a:spcBef>
+              <a:spcAft>
+                <a:spcPct val="0"/>
+              </a:spcAft>
+            </a:pPr>
+            <a:r>
+              <a:rPr lang="en-US" altLang="en-US" sz="1600" dirty="0">
+                <a:solidFill>
+                  <a:schemeClr val="tx1"/>
+                </a:solidFill>
+                <a:latin typeface="Consolas" panose="020B0609020204030204" pitchFamily="49" charset="0"/>
+                <a:cs typeface="Consolas" panose="020B0609020204030204" pitchFamily="49" charset="0"/>
+              </a:rPr>
+              <a:t>Enqueue</a:t>
+            </a:r>
+            <a:r>
+              <a:rPr kumimoji="0" lang="en-US" altLang="en-US" sz="1600" b="0" i="0" u="none" strike="noStrike" cap="none" normalizeH="0" baseline="0" dirty="0">
+                <a:ln>
+                  <a:noFill/>
+                </a:ln>
+                <a:solidFill>
+                  <a:schemeClr val="tx1"/>
+                </a:solidFill>
+                <a:effectLst/>
+                <a:latin typeface="Consolas" panose="020B0609020204030204" pitchFamily="49" charset="0"/>
+                <a:cs typeface="Consolas" panose="020B0609020204030204" pitchFamily="49" charset="0"/>
+              </a:rPr>
+              <a:t>(7)</a:t>
+            </a:r>
+          </a:p>
+        </p:txBody>
+      </p:sp>
+      <p:sp>
+        <p:nvSpPr>
+          <p:cNvPr id="6" name="Rectangle 1">
+            <a:extLst>
+              <a:ext uri="{FF2B5EF4-FFF2-40B4-BE49-F238E27FC236}">
+                <a16:creationId xmlns:a16="http://schemas.microsoft.com/office/drawing/2014/main" id="{CD0D5771-E3CB-4A0C-9024-3EA1127FC240}"/>
+              </a:ext>
+            </a:extLst>
+          </p:cNvPr>
+          <p:cNvSpPr>
+            <a:spLocks noChangeArrowheads="1"/>
+          </p:cNvSpPr>
+          <p:nvPr/>
+        </p:nvSpPr>
+        <p:spPr bwMode="auto">
+          <a:xfrm>
+            <a:off x="7375003" y="3389244"/>
+            <a:ext cx="1420334" cy="338554"/>
+          </a:xfrm>
+          <a:prstGeom prst="rect">
+            <a:avLst/>
+          </a:prstGeom>
+          <a:ln/>
+        </p:spPr>
+        <p:style>
+          <a:lnRef idx="2">
+            <a:schemeClr val="dk1"/>
+          </a:lnRef>
+          <a:fillRef idx="1">
+            <a:schemeClr val="lt1"/>
+          </a:fillRef>
+          <a:effectRef idx="0">
+            <a:schemeClr val="dk1"/>
+          </a:effectRef>
+          <a:fontRef idx="minor">
+            <a:schemeClr val="dk1"/>
+          </a:fontRef>
+        </p:style>
+        <p:txBody>
+          <a:bodyPr vert="horz" wrap="square" lIns="91440" tIns="45720" rIns="91440" bIns="45720" numCol="1" anchor="ctr" anchorCtr="0" compatLnSpc="1">
+            <a:prstTxWarp prst="textNoShape">
+              <a:avLst/>
+            </a:prstTxWarp>
+            <a:spAutoFit/>
+          </a:bodyPr>
+          <a:lstStyle/>
+          <a:p>
+            <a:pPr marL="0" marR="0" lvl="0" indent="0" algn="l" defTabSz="914400" rtl="0" eaLnBrk="0" fontAlgn="base" latinLnBrk="0" hangingPunct="0">
+              <a:lnSpc>
+                <a:spcPct val="100000"/>
+              </a:lnSpc>
+              <a:spcBef>
+                <a:spcPct val="0"/>
+              </a:spcBef>
+              <a:spcAft>
+                <a:spcPct val="0"/>
+              </a:spcAft>
+              <a:buClrTx/>
+              <a:buSzTx/>
+              <a:buFontTx/>
+              <a:buNone/>
+              <a:tabLst/>
+            </a:pPr>
+            <a:r>
+              <a:rPr lang="en-US" altLang="en-US" sz="1600" dirty="0">
+                <a:solidFill>
+                  <a:schemeClr val="tx1"/>
+                </a:solidFill>
+                <a:latin typeface="Consolas" panose="020B0609020204030204" pitchFamily="49" charset="0"/>
+                <a:cs typeface="Consolas" panose="020B0609020204030204" pitchFamily="49" charset="0"/>
+              </a:rPr>
+              <a:t>{ 2, 4, 7 }</a:t>
+            </a:r>
+            <a:endParaRPr kumimoji="0" lang="en-US" altLang="en-US" sz="1600" b="0" i="0" u="none" strike="noStrike" cap="none" normalizeH="0" baseline="0" dirty="0">
+              <a:ln>
+                <a:noFill/>
+              </a:ln>
+              <a:solidFill>
+                <a:schemeClr val="tx1"/>
+              </a:solidFill>
+              <a:effectLst/>
+              <a:latin typeface="Consolas" panose="020B0609020204030204" pitchFamily="49" charset="0"/>
+              <a:cs typeface="Consolas" panose="020B0609020204030204" pitchFamily="49" charset="0"/>
+            </a:endParaRPr>
+          </a:p>
+        </p:txBody>
+      </p:sp>
+    </p:spTree>
+    <p:extLst>
+      <p:ext uri="{BB962C8B-B14F-4D97-AF65-F5344CB8AC3E}">
+        <p14:creationId xmlns:p14="http://schemas.microsoft.com/office/powerpoint/2010/main" val="2029201991"/>
+      </p:ext>
+    </p:extLst>
+  </p:cSld>
+  <p:clrMapOvr>
+    <a:masterClrMapping/>
+  </p:clrMapOvr>
+  <p:timing>
+    <p:tnLst>
+      <p:par>
+        <p:cTn id="1" dur="indefinite" restart="never" nodeType="tmRoot">
+          <p:childTnLst>
+            <p:seq concurrent="1" nextAc="seek">
+              <p:cTn id="2" dur="indefinite" nodeType="mainSeq">
+                <p:childTnLst>
+                  <p:par>
+                    <p:cTn id="3" fill="hold">
+                      <p:stCondLst>
+                        <p:cond delay="indefinite"/>
+                      </p:stCondLst>
+                      <p:childTnLst>
+                        <p:par>
+                          <p:cTn id="4" fill="hold">
+                            <p:stCondLst>
+                              <p:cond delay="0"/>
+                            </p:stCondLst>
+                            <p:childTnLst>
+                              <p:par>
+                                <p:cTn id="5" presetID="1" presetClass="entr" presetSubtype="0" fill="hold" nodeType="clickEffect">
+                                  <p:stCondLst>
+                                    <p:cond delay="0"/>
+                                  </p:stCondLst>
+                                  <p:childTnLst>
+                                    <p:set>
+                                      <p:cBhvr>
+                                        <p:cTn id="6" dur="1" fill="hold">
+                                          <p:stCondLst>
+                                            <p:cond delay="0"/>
+                                          </p:stCondLst>
+                                        </p:cTn>
+                                        <p:tgtEl>
+                                          <p:spTgt spid="3">
+                                            <p:txEl>
+                                              <p:pRg st="3" end="3"/>
+                                            </p:txEl>
+                                          </p:spTgt>
+                                        </p:tgtEl>
+                                        <p:attrNameLst>
+                                          <p:attrName>style.visibility</p:attrName>
+                                        </p:attrNameLst>
+                                      </p:cBhvr>
+                                      <p:to>
+                                        <p:strVal val="visible"/>
+                                      </p:to>
+                                    </p:set>
+                                  </p:childTnLst>
+                                </p:cTn>
+                              </p:par>
+                              <p:par>
+                                <p:cTn id="7" presetID="1" presetClass="entr" presetSubtype="0" fill="hold" nodeType="withEffect">
+                                  <p:stCondLst>
+                                    <p:cond delay="0"/>
+                                  </p:stCondLst>
+                                  <p:childTnLst>
+                                    <p:set>
+                                      <p:cBhvr>
+                                        <p:cTn id="8" dur="1" fill="hold">
+                                          <p:stCondLst>
+                                            <p:cond delay="0"/>
+                                          </p:stCondLst>
+                                        </p:cTn>
+                                        <p:tgtEl>
+                                          <p:spTgt spid="3">
+                                            <p:txEl>
+                                              <p:pRg st="4" end="4"/>
+                                            </p:txEl>
+                                          </p:spTgt>
+                                        </p:tgtEl>
+                                        <p:attrNameLst>
+                                          <p:attrName>style.visibility</p:attrName>
+                                        </p:attrNameLst>
+                                      </p:cBhvr>
+                                      <p:to>
+                                        <p:strVal val="visible"/>
+                                      </p:to>
+                                    </p:set>
+                                  </p:childTnLst>
+                                </p:cTn>
+                              </p:par>
+                              <p:par>
+                                <p:cTn id="9" presetID="1" presetClass="entr" presetSubtype="0" fill="hold" grpId="0" nodeType="withEffect">
+                                  <p:stCondLst>
+                                    <p:cond delay="0"/>
+                                  </p:stCondLst>
+                                  <p:childTnLst>
+                                    <p:set>
+                                      <p:cBhvr>
+                                        <p:cTn id="10" dur="1" fill="hold">
+                                          <p:stCondLst>
+                                            <p:cond delay="0"/>
+                                          </p:stCondLst>
+                                        </p:cTn>
+                                        <p:tgtEl>
+                                          <p:spTgt spid="6"/>
+                                        </p:tgtEl>
+                                        <p:attrNameLst>
+                                          <p:attrName>style.visibility</p:attrName>
+                                        </p:attrNameLst>
+                                      </p:cBhvr>
+                                      <p:to>
+                                        <p:strVal val="visible"/>
+                                      </p:to>
+                                    </p:set>
+                                  </p:childTnLst>
+                                </p:cTn>
+                              </p:par>
+                            </p:childTnLst>
+                          </p:cTn>
+                        </p:par>
+                      </p:childTnLst>
+                    </p:cTn>
+                  </p:par>
+                </p:childTnLst>
+              </p:cTn>
+              <p:prevCondLst>
+                <p:cond evt="onPrev" delay="0">
+                  <p:tgtEl>
+                    <p:sldTgt/>
+                  </p:tgtEl>
+                </p:cond>
+              </p:prevCondLst>
+              <p:nextCondLst>
+                <p:cond evt="onNext" delay="0">
+                  <p:tgtEl>
+                    <p:sldTgt/>
+                  </p:tgtEl>
+                </p:cond>
+              </p:nextCondLst>
+            </p:seq>
+          </p:childTnLst>
+        </p:cTn>
+      </p:par>
+    </p:tnLst>
+    <p:bldLst>
+      <p:bldP spid="6" grpId="0" animBg="1"/>
+    </p:bldLst>
+  </p:timing>
+</p:sld>
+</file>
+
+<file path=ppt/slides/slide38.xml><?xml version="1.0" encoding="utf-8"?>
 <p:sld xmlns:a="http://schemas.openxmlformats.org/drawingml/2006/main" xmlns:r="http://schemas.openxmlformats.org/officeDocument/2006/relationships" xmlns:p="http://schemas.openxmlformats.org/presentationml/2006/main">
   <p:cSld>
     <p:spTree>
@@ -20966,7 +22803,7 @@
 </p:sld>
 </file>
 
-<file path=ppt/slides/slide37.xml><?xml version="1.0" encoding="utf-8"?>
+<file path=ppt/slides/slide39.xml><?xml version="1.0" encoding="utf-8"?>
 <p:sld xmlns:a="http://schemas.openxmlformats.org/drawingml/2006/main" xmlns:r="http://schemas.openxmlformats.org/officeDocument/2006/relationships" xmlns:p="http://schemas.openxmlformats.org/presentationml/2006/main">
   <p:cSld>
     <p:spTree>
@@ -21129,7 +22966,7 @@
                 </a14:m>
                 <a:r>
                   <a:rPr lang="en-GB" dirty="0"/>
-                  <a:t> (with the operations specified in the slide “implementation exercises”)</a:t>
+                  <a:t> (operations specified in the slide “implementation exercises”)</a:t>
                 </a:r>
               </a:p>
               <a:p>
@@ -21199,24 +23036,6 @@
                 <a:endParaRPr lang="en-GB" dirty="0"/>
               </a:p>
               <a:p>
-                <a:r>
-                  <a:rPr lang="en-GB" dirty="0"/>
-                  <a:t>[optional] Complete first exercise (about sorting) of formative project</a:t>
-                </a:r>
-              </a:p>
-              <a:p>
-                <a:pPr lvl="1"/>
-                <a:r>
-                  <a:rPr lang="en-GB" dirty="0"/>
-                  <a:t>Detailed description is in </a:t>
-                </a:r>
-                <a:r>
-                  <a:rPr lang="en-GB" dirty="0" err="1"/>
-                  <a:t>modulewijzer</a:t>
-                </a:r>
-                <a:endParaRPr lang="en-GB" dirty="0"/>
-              </a:p>
-              <a:p>
                 <a:pPr marL="457200" lvl="1" indent="0">
                   <a:buNone/>
                 </a:pPr>
@@ -21263,7 +23082,7 @@
               <a:blipFill>
                 <a:blip r:embed="rId2"/>
                 <a:stretch>
-                  <a:fillRect l="-129" t="-833" b="-556"/>
+                  <a:fillRect l="-129" t="-833"/>
                 </a:stretch>
               </a:blipFill>
             </p:spPr>

--- a/Lesson slides/Unit 3 - List, Stack, Queue.pptx
+++ b/Lesson slides/Unit 3 - List, Stack, Queue.pptx
@@ -235,7 +235,7 @@
           <a:p>
             <a:fld id="{F314420D-16BA-4EDC-9A71-800590EAD5A3}" type="datetimeFigureOut">
               <a:rPr lang="en-GB" smtClean="0"/>
-              <a:t>06/12/2018</a:t>
+              <a:t>07/12/2018</a:t>
             </a:fld>
             <a:endParaRPr lang="en-GB"/>
           </a:p>
@@ -1908,7 +1908,7 @@
           <a:p>
             <a:fld id="{4AC2990A-2EB2-47B0-9F19-095E0F4CAE2E}" type="datetime1">
               <a:rPr lang="en-GB" smtClean="0"/>
-              <a:t>06/12/2018</a:t>
+              <a:t>07/12/2018</a:t>
             </a:fld>
             <a:endParaRPr lang="en-GB"/>
           </a:p>
@@ -2163,7 +2163,7 @@
           <a:p>
             <a:fld id="{22A5F433-E3C5-406F-95E0-5347F5410F1A}" type="datetime1">
               <a:rPr lang="en-GB" smtClean="0"/>
-              <a:t>06/12/2018</a:t>
+              <a:t>07/12/2018</a:t>
             </a:fld>
             <a:endParaRPr lang="en-GB"/>
           </a:p>
@@ -2481,7 +2481,7 @@
           <a:p>
             <a:fld id="{D4E40994-D892-4C74-B15A-5F6362316C44}" type="datetime1">
               <a:rPr lang="en-GB" smtClean="0"/>
-              <a:t>06/12/2018</a:t>
+              <a:t>07/12/2018</a:t>
             </a:fld>
             <a:endParaRPr lang="en-GB"/>
           </a:p>
@@ -2812,7 +2812,7 @@
           <a:p>
             <a:fld id="{FDC762E4-8EF5-45D8-9FDE-0FF43E771C22}" type="datetime1">
               <a:rPr lang="en-GB" smtClean="0"/>
-              <a:t>06/12/2018</a:t>
+              <a:t>07/12/2018</a:t>
             </a:fld>
             <a:endParaRPr lang="en-GB"/>
           </a:p>
@@ -3130,7 +3130,7 @@
           <a:p>
             <a:fld id="{5E60E461-DE00-407A-AAD1-C1D0E5AC19B1}" type="datetime1">
               <a:rPr lang="en-GB" smtClean="0"/>
-              <a:t>06/12/2018</a:t>
+              <a:t>07/12/2018</a:t>
             </a:fld>
             <a:endParaRPr lang="en-GB"/>
           </a:p>
@@ -3521,7 +3521,7 @@
           <a:p>
             <a:fld id="{048CC5B2-073F-444E-A8DD-B0BEEAC2F081}" type="datetime1">
               <a:rPr lang="en-GB" smtClean="0"/>
-              <a:t>06/12/2018</a:t>
+              <a:t>07/12/2018</a:t>
             </a:fld>
             <a:endParaRPr lang="en-GB"/>
           </a:p>
@@ -3695,7 +3695,7 @@
           <a:p>
             <a:fld id="{DF8D3392-CB98-481E-B2E9-67F4F5E85884}" type="datetime1">
               <a:rPr lang="en-GB" smtClean="0"/>
-              <a:t>06/12/2018</a:t>
+              <a:t>07/12/2018</a:t>
             </a:fld>
             <a:endParaRPr lang="en-GB"/>
           </a:p>
@@ -3879,7 +3879,7 @@
           <a:p>
             <a:fld id="{B23FE606-BE12-4A47-AC4F-9225405D8813}" type="datetime1">
               <a:rPr lang="en-GB" smtClean="0"/>
-              <a:t>06/12/2018</a:t>
+              <a:t>07/12/2018</a:t>
             </a:fld>
             <a:endParaRPr lang="en-GB"/>
           </a:p>
@@ -4053,7 +4053,7 @@
           <a:p>
             <a:fld id="{F2C205BA-54C1-4988-B409-20E622E7CB4B}" type="datetime1">
               <a:rPr lang="en-GB" smtClean="0"/>
-              <a:t>06/12/2018</a:t>
+              <a:t>07/12/2018</a:t>
             </a:fld>
             <a:endParaRPr lang="en-GB"/>
           </a:p>
@@ -4304,7 +4304,7 @@
           <a:p>
             <a:fld id="{BD24C106-E6EE-4935-B79B-58D5A2330348}" type="datetime1">
               <a:rPr lang="en-GB" smtClean="0"/>
-              <a:t>06/12/2018</a:t>
+              <a:t>07/12/2018</a:t>
             </a:fld>
             <a:endParaRPr lang="en-GB"/>
           </a:p>
@@ -4540,7 +4540,7 @@
           <a:p>
             <a:fld id="{1466EE15-B151-4673-B3BD-94D075E86906}" type="datetime1">
               <a:rPr lang="en-GB" smtClean="0"/>
-              <a:t>06/12/2018</a:t>
+              <a:t>07/12/2018</a:t>
             </a:fld>
             <a:endParaRPr lang="en-GB"/>
           </a:p>
@@ -4918,7 +4918,7 @@
           <a:p>
             <a:fld id="{F61A4B8D-3CC5-439C-BCFE-F05DEE19AB17}" type="datetime1">
               <a:rPr lang="en-GB" smtClean="0"/>
-              <a:t>06/12/2018</a:t>
+              <a:t>07/12/2018</a:t>
             </a:fld>
             <a:endParaRPr lang="en-GB"/>
           </a:p>
@@ -5045,7 +5045,7 @@
           <a:p>
             <a:fld id="{6796421B-81ED-483E-AC8A-54892A26C8C5}" type="datetime1">
               <a:rPr lang="en-GB" smtClean="0"/>
-              <a:t>06/12/2018</a:t>
+              <a:t>07/12/2018</a:t>
             </a:fld>
             <a:endParaRPr lang="en-GB"/>
           </a:p>
@@ -5144,7 +5144,7 @@
           <a:p>
             <a:fld id="{E8315253-8A1B-407F-97DA-07DFE52AB41D}" type="datetime1">
               <a:rPr lang="en-GB" smtClean="0"/>
-              <a:t>06/12/2018</a:t>
+              <a:t>07/12/2018</a:t>
             </a:fld>
             <a:endParaRPr lang="en-GB"/>
           </a:p>
@@ -5403,7 +5403,7 @@
           <a:p>
             <a:fld id="{EC0837CD-FB98-4458-B4BB-BD72FC557B2C}" type="datetime1">
               <a:rPr lang="en-GB" smtClean="0"/>
-              <a:t>06/12/2018</a:t>
+              <a:t>07/12/2018</a:t>
             </a:fld>
             <a:endParaRPr lang="en-GB"/>
           </a:p>
@@ -5670,7 +5670,7 @@
           <a:p>
             <a:fld id="{AA44DDB6-D08D-4CCA-90B0-817184E41EB3}" type="datetime1">
               <a:rPr lang="en-GB" smtClean="0"/>
-              <a:t>06/12/2018</a:t>
+              <a:t>07/12/2018</a:t>
             </a:fld>
             <a:endParaRPr lang="en-GB"/>
           </a:p>
@@ -6419,7 +6419,7 @@
           <a:p>
             <a:fld id="{E06C14C1-8B78-465F-B085-617B8F695A74}" type="datetime1">
               <a:rPr lang="en-GB" smtClean="0"/>
-              <a:t>06/12/2018</a:t>
+              <a:t>07/12/2018</a:t>
             </a:fld>
             <a:endParaRPr lang="en-GB"/>
           </a:p>
@@ -7271,8 +7271,8 @@
           </a:p>
         </p:txBody>
       </p:sp>
-      <mc:AlternateContent xmlns:mc="http://schemas.openxmlformats.org/markup-compatibility/2006">
-        <mc:Choice xmlns:a14="http://schemas.microsoft.com/office/drawing/2010/main" Requires="a14">
+      <mc:AlternateContent xmlns:mc="http://schemas.openxmlformats.org/markup-compatibility/2006" xmlns:a14="http://schemas.microsoft.com/office/drawing/2010/main">
+        <mc:Choice Requires="a14">
           <p:sp>
             <p:nvSpPr>
               <p:cNvPr id="5" name="Rectangle 4"/>
@@ -7496,7 +7496,7 @@
             </p:txBody>
           </p:sp>
         </mc:Choice>
-        <mc:Fallback>
+        <mc:Fallback xmlns="">
           <p:sp>
             <p:nvSpPr>
               <p:cNvPr id="5" name="Rectangle 4"/>
@@ -7794,8 +7794,8 @@
           </a:prstGeom>
         </p:spPr>
       </p:pic>
-      <mc:AlternateContent xmlns:mc="http://schemas.openxmlformats.org/markup-compatibility/2006">
-        <mc:Choice xmlns:a14="http://schemas.microsoft.com/office/drawing/2010/main" Requires="a14">
+      <mc:AlternateContent xmlns:mc="http://schemas.openxmlformats.org/markup-compatibility/2006" xmlns:a14="http://schemas.microsoft.com/office/drawing/2010/main">
+        <mc:Choice Requires="a14">
           <p:sp>
             <p:nvSpPr>
               <p:cNvPr id="6" name="Rectangle 5"/>
@@ -8019,7 +8019,7 @@
             </p:txBody>
           </p:sp>
         </mc:Choice>
-        <mc:Fallback>
+        <mc:Fallback xmlns="">
           <p:sp>
             <p:nvSpPr>
               <p:cNvPr id="6" name="Rectangle 5"/>
@@ -8330,8 +8330,8 @@
           </a:p>
         </p:txBody>
       </p:sp>
-      <mc:AlternateContent xmlns:mc="http://schemas.openxmlformats.org/markup-compatibility/2006">
-        <mc:Choice xmlns:a14="http://schemas.microsoft.com/office/drawing/2010/main" Requires="a14">
+      <mc:AlternateContent xmlns:mc="http://schemas.openxmlformats.org/markup-compatibility/2006" xmlns:a14="http://schemas.microsoft.com/office/drawing/2010/main">
+        <mc:Choice Requires="a14">
           <p:sp>
             <p:nvSpPr>
               <p:cNvPr id="5" name="Rectangle 4"/>
@@ -8582,7 +8582,7 @@
             </p:txBody>
           </p:sp>
         </mc:Choice>
-        <mc:Fallback>
+        <mc:Fallback xmlns="">
           <p:sp>
             <p:nvSpPr>
               <p:cNvPr id="5" name="Rectangle 4"/>
@@ -8909,8 +8909,8 @@
           </a:p>
         </p:txBody>
       </p:sp>
-      <mc:AlternateContent xmlns:mc="http://schemas.openxmlformats.org/markup-compatibility/2006">
-        <mc:Choice xmlns:a14="http://schemas.microsoft.com/office/drawing/2010/main" Requires="a14">
+      <mc:AlternateContent xmlns:mc="http://schemas.openxmlformats.org/markup-compatibility/2006" xmlns:a14="http://schemas.microsoft.com/office/drawing/2010/main">
+        <mc:Choice Requires="a14">
           <p:sp>
             <p:nvSpPr>
               <p:cNvPr id="5" name="Rectangle 4"/>
@@ -9287,7 +9287,7 @@
             </p:txBody>
           </p:sp>
         </mc:Choice>
-        <mc:Fallback>
+        <mc:Fallback xmlns="">
           <p:sp>
             <p:nvSpPr>
               <p:cNvPr id="5" name="Rectangle 4"/>
@@ -9642,8 +9642,8 @@
           </a:p>
         </p:txBody>
       </p:sp>
-      <mc:AlternateContent xmlns:mc="http://schemas.openxmlformats.org/markup-compatibility/2006">
-        <mc:Choice xmlns:a14="http://schemas.microsoft.com/office/drawing/2010/main" Requires="a14">
+      <mc:AlternateContent xmlns:mc="http://schemas.openxmlformats.org/markup-compatibility/2006" xmlns:a14="http://schemas.microsoft.com/office/drawing/2010/main">
+        <mc:Choice Requires="a14">
           <p:sp>
             <p:nvSpPr>
               <p:cNvPr id="5" name="Rectangle 4"/>
@@ -10020,7 +10020,7 @@
             </p:txBody>
           </p:sp>
         </mc:Choice>
-        <mc:Fallback>
+        <mc:Fallback xmlns="">
           <p:sp>
             <p:nvSpPr>
               <p:cNvPr id="5" name="Rectangle 4"/>
@@ -10509,8 +10509,8 @@
           </a:p>
         </p:txBody>
       </p:sp>
-      <mc:AlternateContent xmlns:mc="http://schemas.openxmlformats.org/markup-compatibility/2006">
-        <mc:Choice xmlns:a14="http://schemas.microsoft.com/office/drawing/2010/main" Requires="a14">
+      <mc:AlternateContent xmlns:mc="http://schemas.openxmlformats.org/markup-compatibility/2006" xmlns:a14="http://schemas.microsoft.com/office/drawing/2010/main">
+        <mc:Choice Requires="a14">
           <p:sp>
             <p:nvSpPr>
               <p:cNvPr id="5" name="Rectangle 4"/>
@@ -10769,7 +10769,7 @@
             </p:txBody>
           </p:sp>
         </mc:Choice>
-        <mc:Fallback>
+        <mc:Fallback xmlns="">
           <p:sp>
             <p:nvSpPr>
               <p:cNvPr id="5" name="Rectangle 4"/>
@@ -11071,8 +11071,8 @@
           </a:prstGeom>
         </p:spPr>
       </p:pic>
-      <mc:AlternateContent xmlns:mc="http://schemas.openxmlformats.org/markup-compatibility/2006">
-        <mc:Choice xmlns:a14="http://schemas.microsoft.com/office/drawing/2010/main" Requires="a14">
+      <mc:AlternateContent xmlns:mc="http://schemas.openxmlformats.org/markup-compatibility/2006" xmlns:a14="http://schemas.microsoft.com/office/drawing/2010/main">
+        <mc:Choice Requires="a14">
           <p:sp>
             <p:nvSpPr>
               <p:cNvPr id="6" name="Rectangle 5"/>
@@ -11331,7 +11331,7 @@
             </p:txBody>
           </p:sp>
         </mc:Choice>
-        <mc:Fallback>
+        <mc:Fallback xmlns="">
           <p:sp>
             <p:nvSpPr>
               <p:cNvPr id="6" name="Rectangle 5"/>
@@ -11496,8 +11496,8 @@
           </a:p>
         </p:txBody>
       </p:sp>
-      <mc:AlternateContent xmlns:mc="http://schemas.openxmlformats.org/markup-compatibility/2006">
-        <mc:Choice xmlns:a14="http://schemas.microsoft.com/office/drawing/2010/main" Requires="a14">
+      <mc:AlternateContent xmlns:mc="http://schemas.openxmlformats.org/markup-compatibility/2006" xmlns:a14="http://schemas.microsoft.com/office/drawing/2010/main">
+        <mc:Choice Requires="a14">
           <p:sp>
             <p:nvSpPr>
               <p:cNvPr id="5" name="Rectangle 4"/>
@@ -11801,7 +11801,7 @@
             </p:txBody>
           </p:sp>
         </mc:Choice>
-        <mc:Fallback>
+        <mc:Fallback xmlns="">
           <p:sp>
             <p:nvSpPr>
               <p:cNvPr id="5" name="Rectangle 4"/>
@@ -12115,8 +12115,8 @@
           </a:p>
         </p:txBody>
       </p:sp>
-      <mc:AlternateContent xmlns:mc="http://schemas.openxmlformats.org/markup-compatibility/2006">
-        <mc:Choice xmlns:a14="http://schemas.microsoft.com/office/drawing/2010/main" Requires="a14">
+      <mc:AlternateContent xmlns:mc="http://schemas.openxmlformats.org/markup-compatibility/2006" xmlns:a14="http://schemas.microsoft.com/office/drawing/2010/main">
+        <mc:Choice Requires="a14">
           <p:sp>
             <p:nvSpPr>
               <p:cNvPr id="5" name="Rectangle 4"/>
@@ -12566,7 +12566,7 @@
             </p:txBody>
           </p:sp>
         </mc:Choice>
-        <mc:Fallback>
+        <mc:Fallback xmlns="">
           <p:sp>
             <p:nvSpPr>
               <p:cNvPr id="5" name="Rectangle 4"/>
@@ -12992,8 +12992,8 @@
           </a:prstGeom>
         </p:spPr>
       </p:pic>
-      <mc:AlternateContent xmlns:mc="http://schemas.openxmlformats.org/markup-compatibility/2006">
-        <mc:Choice xmlns:a14="http://schemas.microsoft.com/office/drawing/2010/main" Requires="a14">
+      <mc:AlternateContent xmlns:mc="http://schemas.openxmlformats.org/markup-compatibility/2006" xmlns:a14="http://schemas.microsoft.com/office/drawing/2010/main">
+        <mc:Choice Requires="a14">
           <p:sp>
             <p:nvSpPr>
               <p:cNvPr id="6" name="Rectangle 5"/>
@@ -13436,7 +13436,7 @@
             </p:txBody>
           </p:sp>
         </mc:Choice>
-        <mc:Fallback>
+        <mc:Fallback xmlns="">
           <p:sp>
             <p:nvSpPr>
               <p:cNvPr id="6" name="Rectangle 5"/>
@@ -15088,7 +15088,35 @@
                 <a:latin typeface="Consolas" panose="020B0609020204030204" pitchFamily="49" charset="0"/>
                 <a:cs typeface="Consolas" panose="020B0609020204030204" pitchFamily="49" charset="0"/>
               </a:rPr>
-              <a:t>(List&lt;T&gt; list, Node&lt;T&gt; node, T </a:t>
+              <a:t>(</a:t>
+            </a:r>
+            <a:r>
+              <a:rPr lang="nl-NL" dirty="0" err="1">
+                <a:latin typeface="Consolas" panose="020B0609020204030204" pitchFamily="49" charset="0"/>
+                <a:cs typeface="Consolas" panose="020B0609020204030204" pitchFamily="49" charset="0"/>
+              </a:rPr>
+              <a:t>DLList</a:t>
+            </a:r>
+            <a:r>
+              <a:rPr lang="nl-NL" dirty="0">
+                <a:latin typeface="Consolas" panose="020B0609020204030204" pitchFamily="49" charset="0"/>
+                <a:cs typeface="Consolas" panose="020B0609020204030204" pitchFamily="49" charset="0"/>
+              </a:rPr>
+              <a:t>&lt;T&gt; list, </a:t>
+            </a:r>
+            <a:r>
+              <a:rPr lang="nl-NL" dirty="0" err="1">
+                <a:latin typeface="Consolas" panose="020B0609020204030204" pitchFamily="49" charset="0"/>
+                <a:cs typeface="Consolas" panose="020B0609020204030204" pitchFamily="49" charset="0"/>
+              </a:rPr>
+              <a:t>DLNode</a:t>
+            </a:r>
+            <a:r>
+              <a:rPr lang="nl-NL" dirty="0">
+                <a:latin typeface="Consolas" panose="020B0609020204030204" pitchFamily="49" charset="0"/>
+                <a:cs typeface="Consolas" panose="020B0609020204030204" pitchFamily="49" charset="0"/>
+              </a:rPr>
+              <a:t>&lt;T&gt; node, T </a:t>
             </a:r>
             <a:r>
               <a:rPr lang="nl-NL" dirty="0" err="1">
@@ -15140,7 +15168,35 @@
                 <a:latin typeface="Consolas" panose="020B0609020204030204" pitchFamily="49" charset="0"/>
                 <a:cs typeface="Consolas" panose="020B0609020204030204" pitchFamily="49" charset="0"/>
               </a:rPr>
-              <a:t>(List&lt;T&gt; list, Node&lt;T&gt; node, T </a:t>
+              <a:t>(</a:t>
+            </a:r>
+            <a:r>
+              <a:rPr lang="nl-NL" dirty="0" err="1">
+                <a:latin typeface="Consolas" panose="020B0609020204030204" pitchFamily="49" charset="0"/>
+                <a:cs typeface="Consolas" panose="020B0609020204030204" pitchFamily="49" charset="0"/>
+              </a:rPr>
+              <a:t>DLList</a:t>
+            </a:r>
+            <a:r>
+              <a:rPr lang="nl-NL" dirty="0">
+                <a:latin typeface="Consolas" panose="020B0609020204030204" pitchFamily="49" charset="0"/>
+                <a:cs typeface="Consolas" panose="020B0609020204030204" pitchFamily="49" charset="0"/>
+              </a:rPr>
+              <a:t>&lt;T&gt; list, </a:t>
+            </a:r>
+            <a:r>
+              <a:rPr lang="nl-NL" dirty="0" err="1">
+                <a:latin typeface="Consolas" panose="020B0609020204030204" pitchFamily="49" charset="0"/>
+                <a:cs typeface="Consolas" panose="020B0609020204030204" pitchFamily="49" charset="0"/>
+              </a:rPr>
+              <a:t>DLNode</a:t>
+            </a:r>
+            <a:r>
+              <a:rPr lang="nl-NL" dirty="0">
+                <a:latin typeface="Consolas" panose="020B0609020204030204" pitchFamily="49" charset="0"/>
+                <a:cs typeface="Consolas" panose="020B0609020204030204" pitchFamily="49" charset="0"/>
+              </a:rPr>
+              <a:t>&lt;T&gt; node, T </a:t>
             </a:r>
             <a:r>
               <a:rPr lang="nl-NL" dirty="0" err="1">
@@ -15207,7 +15263,21 @@
                 <a:latin typeface="Consolas" panose="020B0609020204030204" pitchFamily="49" charset="0"/>
                 <a:cs typeface="Consolas" panose="020B0609020204030204" pitchFamily="49" charset="0"/>
               </a:rPr>
-              <a:t>(List&lt;T&gt; list, T </a:t>
+              <a:t>(</a:t>
+            </a:r>
+            <a:r>
+              <a:rPr lang="nl-NL" dirty="0" err="1">
+                <a:latin typeface="Consolas" panose="020B0609020204030204" pitchFamily="49" charset="0"/>
+                <a:cs typeface="Consolas" panose="020B0609020204030204" pitchFamily="49" charset="0"/>
+              </a:rPr>
+              <a:t>DLList</a:t>
+            </a:r>
+            <a:r>
+              <a:rPr lang="nl-NL" dirty="0">
+                <a:latin typeface="Consolas" panose="020B0609020204030204" pitchFamily="49" charset="0"/>
+                <a:cs typeface="Consolas" panose="020B0609020204030204" pitchFamily="49" charset="0"/>
+              </a:rPr>
+              <a:t>&lt;T&gt; list, T </a:t>
             </a:r>
             <a:r>
               <a:rPr lang="nl-NL" dirty="0" err="1">
@@ -15259,7 +15329,21 @@
                 <a:latin typeface="Consolas" panose="020B0609020204030204" pitchFamily="49" charset="0"/>
                 <a:cs typeface="Consolas" panose="020B0609020204030204" pitchFamily="49" charset="0"/>
               </a:rPr>
-              <a:t>(List&lt;T&gt; list, T </a:t>
+              <a:t>(</a:t>
+            </a:r>
+            <a:r>
+              <a:rPr lang="nl-NL" dirty="0" err="1">
+                <a:latin typeface="Consolas" panose="020B0609020204030204" pitchFamily="49" charset="0"/>
+                <a:cs typeface="Consolas" panose="020B0609020204030204" pitchFamily="49" charset="0"/>
+              </a:rPr>
+              <a:t>DLList</a:t>
+            </a:r>
+            <a:r>
+              <a:rPr lang="nl-NL" dirty="0">
+                <a:latin typeface="Consolas" panose="020B0609020204030204" pitchFamily="49" charset="0"/>
+                <a:cs typeface="Consolas" panose="020B0609020204030204" pitchFamily="49" charset="0"/>
+              </a:rPr>
+              <a:t>&lt;T&gt; list, T </a:t>
             </a:r>
             <a:r>
               <a:rPr lang="nl-NL" dirty="0" err="1">
@@ -15350,7 +15434,21 @@
                 <a:latin typeface="Consolas" panose="020B0609020204030204" pitchFamily="49" charset="0"/>
                 <a:cs typeface="Consolas" panose="020B0609020204030204" pitchFamily="49" charset="0"/>
               </a:rPr>
-              <a:t>(List&lt;T&gt; list, T </a:t>
+              <a:t>(</a:t>
+            </a:r>
+            <a:r>
+              <a:rPr lang="nl-NL" dirty="0" err="1">
+                <a:latin typeface="Consolas" panose="020B0609020204030204" pitchFamily="49" charset="0"/>
+                <a:cs typeface="Consolas" panose="020B0609020204030204" pitchFamily="49" charset="0"/>
+              </a:rPr>
+              <a:t>DLList</a:t>
+            </a:r>
+            <a:r>
+              <a:rPr lang="nl-NL" dirty="0">
+                <a:latin typeface="Consolas" panose="020B0609020204030204" pitchFamily="49" charset="0"/>
+                <a:cs typeface="Consolas" panose="020B0609020204030204" pitchFamily="49" charset="0"/>
+              </a:rPr>
+              <a:t>&lt;T&gt; list, T </a:t>
             </a:r>
             <a:r>
               <a:rPr lang="nl-NL" dirty="0" err="1">
@@ -15400,13 +15498,27 @@
         </p:nvSpPr>
         <p:spPr>
           <a:xfrm>
-            <a:off x="6013939" y="4738757"/>
-            <a:ext cx="6178061" cy="1754326"/>
+            <a:off x="6185452" y="4813274"/>
+            <a:ext cx="5753991" cy="1754326"/>
           </a:xfrm>
           <a:prstGeom prst="rect">
             <a:avLst/>
           </a:prstGeom>
         </p:spPr>
+        <p:style>
+          <a:lnRef idx="2">
+            <a:schemeClr val="accent1"/>
+          </a:lnRef>
+          <a:fillRef idx="1">
+            <a:schemeClr val="lt1"/>
+          </a:fillRef>
+          <a:effectRef idx="0">
+            <a:schemeClr val="accent1"/>
+          </a:effectRef>
+          <a:fontRef idx="minor">
+            <a:schemeClr val="dk1"/>
+          </a:fontRef>
+        </p:style>
         <p:txBody>
           <a:bodyPr wrap="square">
             <a:spAutoFit/>
@@ -15414,6 +15526,13 @@
           <a:lstStyle/>
           <a:p>
             <a:r>
+              <a:rPr lang="nl-NL" sz="1200" dirty="0">
+                <a:latin typeface="Consolas" panose="020B0609020204030204" pitchFamily="49" charset="0"/>
+                <a:cs typeface="Consolas" panose="020B0609020204030204" pitchFamily="49" charset="0"/>
+              </a:rPr>
+              <a:t>public class </a:t>
+            </a:r>
+            <a:r>
               <a:rPr lang="nl-NL" sz="1200" dirty="0" err="1">
                 <a:latin typeface="Consolas" panose="020B0609020204030204" pitchFamily="49" charset="0"/>
                 <a:cs typeface="Consolas" panose="020B0609020204030204" pitchFamily="49" charset="0"/>
@@ -15425,7 +15544,7 @@
                 <a:latin typeface="Consolas" panose="020B0609020204030204" pitchFamily="49" charset="0"/>
                 <a:cs typeface="Consolas" panose="020B0609020204030204" pitchFamily="49" charset="0"/>
               </a:rPr>
-              <a:t> {</a:t>
+              <a:t>&lt;T&gt; {</a:t>
             </a:r>
           </a:p>
           <a:p>
@@ -15434,21 +15553,35 @@
                 <a:latin typeface="Consolas" panose="020B0609020204030204" pitchFamily="49" charset="0"/>
                 <a:cs typeface="Consolas" panose="020B0609020204030204" pitchFamily="49" charset="0"/>
               </a:rPr>
-              <a:t>    </a:t>
+              <a:t>  </a:t>
             </a:r>
             <a:r>
               <a:rPr lang="nl-NL" sz="1200" dirty="0" err="1">
                 <a:latin typeface="Consolas" panose="020B0609020204030204" pitchFamily="49" charset="0"/>
                 <a:cs typeface="Consolas" panose="020B0609020204030204" pitchFamily="49" charset="0"/>
               </a:rPr>
-              <a:t>prev</a:t>
+              <a:t>DoublyLinkedNode</a:t>
             </a:r>
             <a:r>
               <a:rPr lang="nl-NL" sz="1200" dirty="0">
                 <a:latin typeface="Consolas" panose="020B0609020204030204" pitchFamily="49" charset="0"/>
                 <a:cs typeface="Consolas" panose="020B0609020204030204" pitchFamily="49" charset="0"/>
               </a:rPr>
-              <a:t> // A </a:t>
+              <a:t>&lt;T&gt; </a:t>
+            </a:r>
+            <a:r>
+              <a:rPr lang="nl-NL" sz="1200" dirty="0" err="1">
+                <a:latin typeface="Consolas" panose="020B0609020204030204" pitchFamily="49" charset="0"/>
+                <a:cs typeface="Consolas" panose="020B0609020204030204" pitchFamily="49" charset="0"/>
+              </a:rPr>
+              <a:t>Prev</a:t>
+            </a:r>
+            <a:r>
+              <a:rPr lang="nl-NL" sz="1200" dirty="0">
+                <a:latin typeface="Consolas" panose="020B0609020204030204" pitchFamily="49" charset="0"/>
+                <a:cs typeface="Consolas" panose="020B0609020204030204" pitchFamily="49" charset="0"/>
+              </a:rPr>
+              <a:t>; // A </a:t>
             </a:r>
             <a:r>
               <a:rPr lang="nl-NL" sz="1200" dirty="0" err="1">
@@ -15513,7 +15646,21 @@
                 <a:latin typeface="Consolas" panose="020B0609020204030204" pitchFamily="49" charset="0"/>
                 <a:cs typeface="Consolas" panose="020B0609020204030204" pitchFamily="49" charset="0"/>
               </a:rPr>
-              <a:t>    next // A </a:t>
+              <a:t>  </a:t>
+            </a:r>
+            <a:r>
+              <a:rPr lang="nl-NL" sz="1200" dirty="0" err="1">
+                <a:latin typeface="Consolas" panose="020B0609020204030204" pitchFamily="49" charset="0"/>
+                <a:cs typeface="Consolas" panose="020B0609020204030204" pitchFamily="49" charset="0"/>
+              </a:rPr>
+              <a:t>DoublyLinkedNode</a:t>
+            </a:r>
+            <a:r>
+              <a:rPr lang="nl-NL" sz="1200" dirty="0">
+                <a:latin typeface="Consolas" panose="020B0609020204030204" pitchFamily="49" charset="0"/>
+                <a:cs typeface="Consolas" panose="020B0609020204030204" pitchFamily="49" charset="0"/>
+              </a:rPr>
+              <a:t>&lt;T&gt; Next; // A </a:t>
             </a:r>
             <a:r>
               <a:rPr lang="nl-NL" sz="1200" dirty="0" err="1">
@@ -15564,21 +15711,76 @@
                 <a:latin typeface="Consolas" panose="020B0609020204030204" pitchFamily="49" charset="0"/>
                 <a:cs typeface="Consolas" panose="020B0609020204030204" pitchFamily="49" charset="0"/>
               </a:rPr>
-              <a:t>    data // Data or a </a:t>
+              <a:t>  T Value;</a:t>
+            </a:r>
+          </a:p>
+          <a:p>
+            <a:r>
+              <a:rPr lang="nl-NL" sz="1200" dirty="0">
+                <a:latin typeface="Consolas" panose="020B0609020204030204" pitchFamily="49" charset="0"/>
+                <a:cs typeface="Consolas" panose="020B0609020204030204" pitchFamily="49" charset="0"/>
+              </a:rPr>
+              <a:t>}</a:t>
+            </a:r>
+          </a:p>
+          <a:p>
+            <a:r>
+              <a:rPr lang="nl-NL" sz="1200" dirty="0">
+                <a:latin typeface="Consolas" panose="020B0609020204030204" pitchFamily="49" charset="0"/>
+                <a:cs typeface="Consolas" panose="020B0609020204030204" pitchFamily="49" charset="0"/>
+              </a:rPr>
+              <a:t>public class </a:t>
             </a:r>
             <a:r>
               <a:rPr lang="nl-NL" sz="1200" dirty="0" err="1">
                 <a:latin typeface="Consolas" panose="020B0609020204030204" pitchFamily="49" charset="0"/>
                 <a:cs typeface="Consolas" panose="020B0609020204030204" pitchFamily="49" charset="0"/>
               </a:rPr>
-              <a:t>reference</a:t>
+              <a:t>DoublyLinkedList</a:t>
             </a:r>
             <a:r>
               <a:rPr lang="nl-NL" sz="1200" dirty="0">
                 <a:latin typeface="Consolas" panose="020B0609020204030204" pitchFamily="49" charset="0"/>
                 <a:cs typeface="Consolas" panose="020B0609020204030204" pitchFamily="49" charset="0"/>
               </a:rPr>
-              <a:t> </a:t>
+              <a:t>&lt;T&gt; {</a:t>
+            </a:r>
+          </a:p>
+          <a:p>
+            <a:r>
+              <a:rPr lang="nl-NL" sz="1200" dirty="0">
+                <a:latin typeface="Consolas" panose="020B0609020204030204" pitchFamily="49" charset="0"/>
+                <a:cs typeface="Consolas" panose="020B0609020204030204" pitchFamily="49" charset="0"/>
+              </a:rPr>
+              <a:t>  </a:t>
+            </a:r>
+            <a:r>
+              <a:rPr lang="nl-NL" sz="1200" dirty="0" err="1">
+                <a:latin typeface="Consolas" panose="020B0609020204030204" pitchFamily="49" charset="0"/>
+                <a:cs typeface="Consolas" panose="020B0609020204030204" pitchFamily="49" charset="0"/>
+              </a:rPr>
+              <a:t>DoublyLinkedNode</a:t>
+            </a:r>
+            <a:r>
+              <a:rPr lang="nl-NL" sz="1200" dirty="0">
+                <a:latin typeface="Consolas" panose="020B0609020204030204" pitchFamily="49" charset="0"/>
+                <a:cs typeface="Consolas" panose="020B0609020204030204" pitchFamily="49" charset="0"/>
+              </a:rPr>
+              <a:t>&lt;T&gt; </a:t>
+            </a:r>
+            <a:r>
+              <a:rPr lang="nl-NL" sz="1200" dirty="0" err="1">
+                <a:latin typeface="Consolas" panose="020B0609020204030204" pitchFamily="49" charset="0"/>
+                <a:cs typeface="Consolas" panose="020B0609020204030204" pitchFamily="49" charset="0"/>
+              </a:rPr>
+              <a:t>FirstNode</a:t>
+            </a:r>
+            <a:r>
+              <a:rPr lang="nl-NL" sz="1200" dirty="0">
+                <a:latin typeface="Consolas" panose="020B0609020204030204" pitchFamily="49" charset="0"/>
+                <a:cs typeface="Consolas" panose="020B0609020204030204" pitchFamily="49" charset="0"/>
+              </a:rPr>
+              <a:t>;   // points </a:t>
             </a:r>
             <a:r>
               <a:rPr lang="nl-NL" sz="1200" dirty="0" err="1">
@@ -15592,7 +15794,58 @@
                 <a:latin typeface="Consolas" panose="020B0609020204030204" pitchFamily="49" charset="0"/>
                 <a:cs typeface="Consolas" panose="020B0609020204030204" pitchFamily="49" charset="0"/>
               </a:rPr>
-              <a:t> data</a:t>
+              <a:t> first node of list</a:t>
+            </a:r>
+          </a:p>
+          <a:p>
+            <a:r>
+              <a:rPr lang="nl-NL" sz="1200" dirty="0">
+                <a:latin typeface="Consolas" panose="020B0609020204030204" pitchFamily="49" charset="0"/>
+                <a:cs typeface="Consolas" panose="020B0609020204030204" pitchFamily="49" charset="0"/>
+              </a:rPr>
+              <a:t>  </a:t>
+            </a:r>
+            <a:r>
+              <a:rPr lang="nl-NL" sz="1200" dirty="0" err="1">
+                <a:latin typeface="Consolas" panose="020B0609020204030204" pitchFamily="49" charset="0"/>
+                <a:cs typeface="Consolas" panose="020B0609020204030204" pitchFamily="49" charset="0"/>
+              </a:rPr>
+              <a:t>DoublyLinkedNode</a:t>
+            </a:r>
+            <a:r>
+              <a:rPr lang="nl-NL" sz="1200" dirty="0">
+                <a:latin typeface="Consolas" panose="020B0609020204030204" pitchFamily="49" charset="0"/>
+                <a:cs typeface="Consolas" panose="020B0609020204030204" pitchFamily="49" charset="0"/>
+              </a:rPr>
+              <a:t>&lt;T&gt; </a:t>
+            </a:r>
+            <a:r>
+              <a:rPr lang="nl-NL" sz="1200" dirty="0" err="1">
+                <a:latin typeface="Consolas" panose="020B0609020204030204" pitchFamily="49" charset="0"/>
+                <a:cs typeface="Consolas" panose="020B0609020204030204" pitchFamily="49" charset="0"/>
+              </a:rPr>
+              <a:t>LastNode</a:t>
+            </a:r>
+            <a:r>
+              <a:rPr lang="nl-NL" sz="1200" dirty="0">
+                <a:latin typeface="Consolas" panose="020B0609020204030204" pitchFamily="49" charset="0"/>
+                <a:cs typeface="Consolas" panose="020B0609020204030204" pitchFamily="49" charset="0"/>
+              </a:rPr>
+              <a:t>;    // points </a:t>
+            </a:r>
+            <a:r>
+              <a:rPr lang="nl-NL" sz="1200" dirty="0" err="1">
+                <a:latin typeface="Consolas" panose="020B0609020204030204" pitchFamily="49" charset="0"/>
+                <a:cs typeface="Consolas" panose="020B0609020204030204" pitchFamily="49" charset="0"/>
+              </a:rPr>
+              <a:t>to</a:t>
+            </a:r>
+            <a:r>
+              <a:rPr lang="nl-NL" sz="1200" dirty="0">
+                <a:latin typeface="Consolas" panose="020B0609020204030204" pitchFamily="49" charset="0"/>
+                <a:cs typeface="Consolas" panose="020B0609020204030204" pitchFamily="49" charset="0"/>
+              </a:rPr>
+              <a:t> last node of list</a:t>
             </a:r>
           </a:p>
           <a:p>
@@ -15604,129 +15857,165 @@
               <a:t>}</a:t>
             </a:r>
           </a:p>
-          <a:p>
-            <a:r>
-              <a:rPr lang="nl-NL" sz="1200" dirty="0" err="1">
+        </p:txBody>
+      </p:sp>
+      <p:sp>
+        <p:nvSpPr>
+          <p:cNvPr id="5" name="Rechthoek 4">
+            <a:extLst>
+              <a:ext uri="{FF2B5EF4-FFF2-40B4-BE49-F238E27FC236}">
+                <a16:creationId xmlns:a16="http://schemas.microsoft.com/office/drawing/2014/main" id="{CAA99138-011D-4D15-A08E-CE8990167B46}"/>
+              </a:ext>
+            </a:extLst>
+          </p:cNvPr>
+          <p:cNvSpPr/>
+          <p:nvPr/>
+        </p:nvSpPr>
+        <p:spPr>
+          <a:xfrm>
+            <a:off x="6095999" y="152817"/>
+            <a:ext cx="5843443" cy="1815882"/>
+          </a:xfrm>
+          <a:prstGeom prst="rect">
+            <a:avLst/>
+          </a:prstGeom>
+        </p:spPr>
+        <p:style>
+          <a:lnRef idx="2">
+            <a:schemeClr val="accent1"/>
+          </a:lnRef>
+          <a:fillRef idx="1">
+            <a:schemeClr val="lt1"/>
+          </a:fillRef>
+          <a:effectRef idx="0">
+            <a:schemeClr val="accent1"/>
+          </a:effectRef>
+          <a:fontRef idx="minor">
+            <a:schemeClr val="dk1"/>
+          </a:fontRef>
+        </p:style>
+        <p:txBody>
+          <a:bodyPr wrap="square">
+            <a:spAutoFit/>
+          </a:bodyPr>
+          <a:lstStyle/>
+          <a:p>
+            <a:r>
+              <a:rPr lang="nl-NL" sz="1400" dirty="0">
                 <a:latin typeface="Consolas" panose="020B0609020204030204" pitchFamily="49" charset="0"/>
-                <a:cs typeface="Consolas" panose="020B0609020204030204" pitchFamily="49" charset="0"/>
               </a:rPr>
-              <a:t>DoublyLinkedList</a:t>
-            </a:r>
-            <a:r>
-              <a:rPr lang="nl-NL" sz="1200" dirty="0">
+              <a:t>public class Node&lt;T&gt; </a:t>
+            </a:r>
+            <a:r>
+              <a:rPr lang="nl-NL" sz="1400" dirty="0" err="1">
                 <a:latin typeface="Consolas" panose="020B0609020204030204" pitchFamily="49" charset="0"/>
-                <a:cs typeface="Consolas" panose="020B0609020204030204" pitchFamily="49" charset="0"/>
+              </a:rPr>
+              <a:t>where</a:t>
+            </a:r>
+            <a:r>
+              <a:rPr lang="nl-NL" sz="1400" dirty="0">
+                <a:latin typeface="Consolas" panose="020B0609020204030204" pitchFamily="49" charset="0"/>
+              </a:rPr>
+              <a:t> T : </a:t>
+            </a:r>
+            <a:r>
+              <a:rPr lang="nl-NL" sz="1400" dirty="0" err="1">
+                <a:latin typeface="Consolas" panose="020B0609020204030204" pitchFamily="49" charset="0"/>
+              </a:rPr>
+              <a:t>IComparable</a:t>
+            </a:r>
+            <a:r>
+              <a:rPr lang="nl-NL" sz="1400" dirty="0">
+                <a:latin typeface="Consolas" panose="020B0609020204030204" pitchFamily="49" charset="0"/>
               </a:rPr>
               <a:t> {</a:t>
             </a:r>
           </a:p>
           <a:p>
             <a:r>
-              <a:rPr lang="nl-NL" sz="1200" dirty="0">
+              <a:rPr lang="nl-NL" sz="1400" dirty="0">
                 <a:latin typeface="Consolas" panose="020B0609020204030204" pitchFamily="49" charset="0"/>
-                <a:cs typeface="Consolas" panose="020B0609020204030204" pitchFamily="49" charset="0"/>
               </a:rPr>
-              <a:t>     </a:t>
-            </a:r>
-            <a:r>
-              <a:rPr lang="nl-NL" sz="1200" dirty="0" err="1">
+              <a:t>   T Value;	</a:t>
+            </a:r>
+          </a:p>
+          <a:p>
+            <a:r>
+              <a:rPr lang="nl-NL" sz="1400" dirty="0">
                 <a:latin typeface="Consolas" panose="020B0609020204030204" pitchFamily="49" charset="0"/>
-                <a:cs typeface="Consolas" panose="020B0609020204030204" pitchFamily="49" charset="0"/>
               </a:rPr>
-              <a:t>DoublyLinkedNode</a:t>
-            </a:r>
-            <a:r>
-              <a:rPr lang="nl-NL" sz="1200" dirty="0">
+              <a:t>   Node&lt;T&gt; Next;</a:t>
+            </a:r>
+          </a:p>
+          <a:p>
+            <a:r>
+              <a:rPr lang="nl-NL" sz="1400" dirty="0">
                 <a:latin typeface="Consolas" panose="020B0609020204030204" pitchFamily="49" charset="0"/>
-                <a:cs typeface="Consolas" panose="020B0609020204030204" pitchFamily="49" charset="0"/>
               </a:rPr>
-              <a:t> </a:t>
-            </a:r>
-            <a:r>
-              <a:rPr lang="nl-NL" sz="1200" dirty="0" err="1">
+              <a:t>}</a:t>
+            </a:r>
+          </a:p>
+          <a:p>
+            <a:endParaRPr lang="nl-NL" sz="1400" dirty="0">
+              <a:latin typeface="Consolas" panose="020B0609020204030204" pitchFamily="49" charset="0"/>
+            </a:endParaRPr>
+          </a:p>
+          <a:p>
+            <a:r>
+              <a:rPr lang="nl-NL" sz="1400" dirty="0">
                 <a:latin typeface="Consolas" panose="020B0609020204030204" pitchFamily="49" charset="0"/>
-                <a:cs typeface="Consolas" panose="020B0609020204030204" pitchFamily="49" charset="0"/>
               </a:rPr>
-              <a:t>firstNode</a:t>
-            </a:r>
-            <a:r>
-              <a:rPr lang="nl-NL" sz="1200" dirty="0">
+              <a:t>public class </a:t>
+            </a:r>
+            <a:r>
+              <a:rPr lang="nl-NL" sz="1400" dirty="0" err="1">
                 <a:latin typeface="Consolas" panose="020B0609020204030204" pitchFamily="49" charset="0"/>
-                <a:cs typeface="Consolas" panose="020B0609020204030204" pitchFamily="49" charset="0"/>
               </a:rPr>
-              <a:t>   // points </a:t>
-            </a:r>
-            <a:r>
-              <a:rPr lang="nl-NL" sz="1200" dirty="0" err="1">
+              <a:t>SortedLinkedList</a:t>
+            </a:r>
+            <a:r>
+              <a:rPr lang="nl-NL" sz="1400" dirty="0">
                 <a:latin typeface="Consolas" panose="020B0609020204030204" pitchFamily="49" charset="0"/>
-                <a:cs typeface="Consolas" panose="020B0609020204030204" pitchFamily="49" charset="0"/>
               </a:rPr>
-              <a:t>to</a:t>
-            </a:r>
-            <a:r>
-              <a:rPr lang="nl-NL" sz="1200" dirty="0">
+              <a:t>&lt;T&gt; </a:t>
+            </a:r>
+            <a:r>
+              <a:rPr lang="nl-NL" sz="1400" dirty="0" err="1">
                 <a:latin typeface="Consolas" panose="020B0609020204030204" pitchFamily="49" charset="0"/>
-                <a:cs typeface="Consolas" panose="020B0609020204030204" pitchFamily="49" charset="0"/>
               </a:rPr>
-              <a:t> first node of list</a:t>
-            </a:r>
-          </a:p>
-          <a:p>
-            <a:r>
-              <a:rPr lang="nl-NL" sz="1200" dirty="0">
+              <a:t>where</a:t>
+            </a:r>
+            <a:r>
+              <a:rPr lang="nl-NL" sz="1400" dirty="0">
                 <a:latin typeface="Consolas" panose="020B0609020204030204" pitchFamily="49" charset="0"/>
-                <a:cs typeface="Consolas" panose="020B0609020204030204" pitchFamily="49" charset="0"/>
               </a:rPr>
-              <a:t>     </a:t>
-            </a:r>
-            <a:r>
-              <a:rPr lang="nl-NL" sz="1200" dirty="0" err="1">
+              <a:t> T : </a:t>
+            </a:r>
+            <a:r>
+              <a:rPr lang="nl-NL" sz="1400" dirty="0" err="1">
                 <a:latin typeface="Consolas" panose="020B0609020204030204" pitchFamily="49" charset="0"/>
-                <a:cs typeface="Consolas" panose="020B0609020204030204" pitchFamily="49" charset="0"/>
               </a:rPr>
-              <a:t>DoublyLinkedNode</a:t>
-            </a:r>
-            <a:r>
-              <a:rPr lang="nl-NL" sz="1200" dirty="0">
+              <a:t>IComparable</a:t>
+            </a:r>
+            <a:r>
+              <a:rPr lang="nl-NL" sz="1400" dirty="0">
                 <a:latin typeface="Consolas" panose="020B0609020204030204" pitchFamily="49" charset="0"/>
-                <a:cs typeface="Consolas" panose="020B0609020204030204" pitchFamily="49" charset="0"/>
               </a:rPr>
-              <a:t> </a:t>
-            </a:r>
-            <a:r>
-              <a:rPr lang="nl-NL" sz="1200" dirty="0" err="1">
+              <a:t> {</a:t>
+            </a:r>
+          </a:p>
+          <a:p>
+            <a:r>
+              <a:rPr lang="nl-NL" sz="1400" dirty="0">
                 <a:latin typeface="Consolas" panose="020B0609020204030204" pitchFamily="49" charset="0"/>
-                <a:cs typeface="Consolas" panose="020B0609020204030204" pitchFamily="49" charset="0"/>
               </a:rPr>
-              <a:t>lastNode</a:t>
-            </a:r>
-            <a:r>
-              <a:rPr lang="nl-NL" sz="1200" dirty="0">
+              <a:t>   Node&lt;T&gt; Start;</a:t>
+            </a:r>
+          </a:p>
+          <a:p>
+            <a:r>
+              <a:rPr lang="nl-NL" sz="1400" dirty="0">
                 <a:latin typeface="Consolas" panose="020B0609020204030204" pitchFamily="49" charset="0"/>
-                <a:cs typeface="Consolas" panose="020B0609020204030204" pitchFamily="49" charset="0"/>
-              </a:rPr>
-              <a:t>    // points </a:t>
-            </a:r>
-            <a:r>
-              <a:rPr lang="nl-NL" sz="1200" dirty="0" err="1">
-                <a:latin typeface="Consolas" panose="020B0609020204030204" pitchFamily="49" charset="0"/>
-                <a:cs typeface="Consolas" panose="020B0609020204030204" pitchFamily="49" charset="0"/>
-              </a:rPr>
-              <a:t>to</a:t>
-            </a:r>
-            <a:r>
-              <a:rPr lang="nl-NL" sz="1200" dirty="0">
-                <a:latin typeface="Consolas" panose="020B0609020204030204" pitchFamily="49" charset="0"/>
-                <a:cs typeface="Consolas" panose="020B0609020204030204" pitchFamily="49" charset="0"/>
-              </a:rPr>
-              <a:t> last node of list</a:t>
-            </a:r>
-          </a:p>
-          <a:p>
-            <a:r>
-              <a:rPr lang="nl-NL" sz="1200" dirty="0">
-                <a:latin typeface="Consolas" panose="020B0609020204030204" pitchFamily="49" charset="0"/>
-                <a:cs typeface="Consolas" panose="020B0609020204030204" pitchFamily="49" charset="0"/>
               </a:rPr>
               <a:t>}</a:t>
             </a:r>
@@ -22842,8 +23131,8 @@
           </a:p>
         </p:txBody>
       </p:sp>
-      <mc:AlternateContent xmlns:mc="http://schemas.openxmlformats.org/markup-compatibility/2006">
-        <mc:Choice xmlns:a14="http://schemas.microsoft.com/office/drawing/2010/main" Requires="a14">
+      <mc:AlternateContent xmlns:mc="http://schemas.openxmlformats.org/markup-compatibility/2006" xmlns:a14="http://schemas.microsoft.com/office/drawing/2010/main">
+        <mc:Choice Requires="a14">
           <p:sp>
             <p:nvSpPr>
               <p:cNvPr id="3" name="Content Placeholder 2"/>
@@ -23063,7 +23352,7 @@
             </p:txBody>
           </p:sp>
         </mc:Choice>
-        <mc:Fallback>
+        <mc:Fallback xmlns="">
           <p:sp>
             <p:nvSpPr>
               <p:cNvPr id="3" name="Content Placeholder 2"/>
